--- a/16-interp/lec.pptx
+++ b/16-interp/lec.pptx
@@ -5,38 +5,40 @@
     <p:sldMasterId id="2147483648" r:id="rId1"/>
   </p:sldMasterIdLst>
   <p:notesMasterIdLst>
-    <p:notesMasterId r:id="rId31"/>
+    <p:notesMasterId r:id="rId33"/>
   </p:notesMasterIdLst>
   <p:sldIdLst>
     <p:sldId id="441" r:id="rId2"/>
-    <p:sldId id="443" r:id="rId3"/>
-    <p:sldId id="444" r:id="rId4"/>
-    <p:sldId id="445" r:id="rId5"/>
-    <p:sldId id="446" r:id="rId6"/>
-    <p:sldId id="447" r:id="rId7"/>
-    <p:sldId id="449" r:id="rId8"/>
-    <p:sldId id="453" r:id="rId9"/>
-    <p:sldId id="450" r:id="rId10"/>
-    <p:sldId id="451" r:id="rId11"/>
-    <p:sldId id="454" r:id="rId12"/>
-    <p:sldId id="455" r:id="rId13"/>
-    <p:sldId id="452" r:id="rId14"/>
-    <p:sldId id="546" r:id="rId15"/>
-    <p:sldId id="548" r:id="rId16"/>
-    <p:sldId id="550" r:id="rId17"/>
-    <p:sldId id="549" r:id="rId18"/>
-    <p:sldId id="551" r:id="rId19"/>
-    <p:sldId id="552" r:id="rId20"/>
-    <p:sldId id="547" r:id="rId21"/>
-    <p:sldId id="545" r:id="rId22"/>
-    <p:sldId id="538" r:id="rId23"/>
-    <p:sldId id="553" r:id="rId24"/>
-    <p:sldId id="539" r:id="rId25"/>
-    <p:sldId id="555" r:id="rId26"/>
-    <p:sldId id="554" r:id="rId27"/>
-    <p:sldId id="556" r:id="rId28"/>
-    <p:sldId id="460" r:id="rId29"/>
-    <p:sldId id="336" r:id="rId30"/>
+    <p:sldId id="557" r:id="rId3"/>
+    <p:sldId id="443" r:id="rId4"/>
+    <p:sldId id="444" r:id="rId5"/>
+    <p:sldId id="445" r:id="rId6"/>
+    <p:sldId id="446" r:id="rId7"/>
+    <p:sldId id="447" r:id="rId8"/>
+    <p:sldId id="449" r:id="rId9"/>
+    <p:sldId id="453" r:id="rId10"/>
+    <p:sldId id="450" r:id="rId11"/>
+    <p:sldId id="451" r:id="rId12"/>
+    <p:sldId id="454" r:id="rId13"/>
+    <p:sldId id="455" r:id="rId14"/>
+    <p:sldId id="452" r:id="rId15"/>
+    <p:sldId id="546" r:id="rId16"/>
+    <p:sldId id="548" r:id="rId17"/>
+    <p:sldId id="550" r:id="rId18"/>
+    <p:sldId id="549" r:id="rId19"/>
+    <p:sldId id="551" r:id="rId20"/>
+    <p:sldId id="552" r:id="rId21"/>
+    <p:sldId id="547" r:id="rId22"/>
+    <p:sldId id="558" r:id="rId23"/>
+    <p:sldId id="545" r:id="rId24"/>
+    <p:sldId id="538" r:id="rId25"/>
+    <p:sldId id="553" r:id="rId26"/>
+    <p:sldId id="539" r:id="rId27"/>
+    <p:sldId id="555" r:id="rId28"/>
+    <p:sldId id="554" r:id="rId29"/>
+    <p:sldId id="556" r:id="rId30"/>
+    <p:sldId id="460" r:id="rId31"/>
+    <p:sldId id="336" r:id="rId32"/>
   </p:sldIdLst>
   <p:sldSz cx="9144000" cy="6858000" type="screen4x3"/>
   <p:notesSz cx="6858000" cy="9144000"/>
@@ -236,7 +238,7 @@
           <a:p>
             <a:fld id="{5367F125-181F-9A48-A24E-AAD89CB055B5}" type="datetimeFigureOut">
               <a:rPr lang="en-US" smtClean="0"/>
-              <a:t>10/28/19</a:t>
+              <a:t>10/29/19</a:t>
             </a:fld>
             <a:endParaRPr lang="en-US"/>
           </a:p>
@@ -681,7 +683,7 @@
           <a:p>
             <a:fld id="{B7975FD5-AB21-4C45-BFE8-1D3F02B463E2}" type="slidenum">
               <a:rPr lang="en-US" smtClean="0"/>
-              <a:t>17</a:t>
+              <a:t>18</a:t>
             </a:fld>
             <a:endParaRPr lang="en-US"/>
           </a:p>
@@ -765,7 +767,7 @@
           <a:p>
             <a:fld id="{B7975FD5-AB21-4C45-BFE8-1D3F02B463E2}" type="slidenum">
               <a:rPr lang="en-US" smtClean="0"/>
-              <a:t>19</a:t>
+              <a:t>20</a:t>
             </a:fld>
             <a:endParaRPr lang="en-US"/>
           </a:p>
@@ -1038,7 +1040,7 @@
           <a:p>
             <a:fld id="{B7975FD5-AB21-4C45-BFE8-1D3F02B463E2}" type="slidenum">
               <a:rPr lang="en-US" smtClean="0"/>
-              <a:t>21</a:t>
+              <a:t>23</a:t>
             </a:fld>
             <a:endParaRPr lang="en-US"/>
           </a:p>
@@ -1138,7 +1140,7 @@
           <a:p>
             <a:fld id="{B7975FD5-AB21-4C45-BFE8-1D3F02B463E2}" type="slidenum">
               <a:rPr lang="en-US" smtClean="0"/>
-              <a:t>23</a:t>
+              <a:t>25</a:t>
             </a:fld>
             <a:endParaRPr lang="en-US"/>
           </a:p>
@@ -1225,7 +1227,7 @@
           <a:p>
             <a:fld id="{B7975FD5-AB21-4C45-BFE8-1D3F02B463E2}" type="slidenum">
               <a:rPr lang="en-US" smtClean="0"/>
-              <a:t>27</a:t>
+              <a:t>29</a:t>
             </a:fld>
             <a:endParaRPr lang="en-US"/>
           </a:p>
@@ -1320,7 +1322,7 @@
           <a:p>
             <a:fld id="{B7975FD5-AB21-4C45-BFE8-1D3F02B463E2}" type="slidenum">
               <a:rPr lang="en-US" smtClean="0"/>
-              <a:t>28</a:t>
+              <a:t>30</a:t>
             </a:fld>
             <a:endParaRPr lang="en-US"/>
           </a:p>
@@ -1404,7 +1406,7 @@
           <a:p>
             <a:fld id="{B7975FD5-AB21-4C45-BFE8-1D3F02B463E2}" type="slidenum">
               <a:rPr lang="en-US" smtClean="0"/>
-              <a:t>29</a:t>
+              <a:t>31</a:t>
             </a:fld>
             <a:endParaRPr lang="en-US"/>
           </a:p>
@@ -1488,7 +1490,7 @@
           <a:p>
             <a:fld id="{B7975FD5-AB21-4C45-BFE8-1D3F02B463E2}" type="slidenum">
               <a:rPr lang="en-US" smtClean="0"/>
-              <a:t>3</a:t>
+              <a:t>4</a:t>
             </a:fld>
             <a:endParaRPr lang="en-US"/>
           </a:p>
@@ -1601,7 +1603,7 @@
           <a:p>
             <a:fld id="{B7975FD5-AB21-4C45-BFE8-1D3F02B463E2}" type="slidenum">
               <a:rPr lang="en-US" smtClean="0"/>
-              <a:t>6</a:t>
+              <a:t>7</a:t>
             </a:fld>
             <a:endParaRPr lang="en-US"/>
           </a:p>
@@ -1725,7 +1727,7 @@
           <a:p>
             <a:fld id="{B7975FD5-AB21-4C45-BFE8-1D3F02B463E2}" type="slidenum">
               <a:rPr lang="en-US" smtClean="0"/>
-              <a:t>7</a:t>
+              <a:t>8</a:t>
             </a:fld>
             <a:endParaRPr lang="en-US"/>
           </a:p>
@@ -1809,7 +1811,7 @@
           <a:p>
             <a:fld id="{B7975FD5-AB21-4C45-BFE8-1D3F02B463E2}" type="slidenum">
               <a:rPr lang="en-US" smtClean="0"/>
-              <a:t>9</a:t>
+              <a:t>10</a:t>
             </a:fld>
             <a:endParaRPr lang="en-US"/>
           </a:p>
@@ -1893,7 +1895,7 @@
           <a:p>
             <a:fld id="{B7975FD5-AB21-4C45-BFE8-1D3F02B463E2}" type="slidenum">
               <a:rPr lang="en-US" smtClean="0"/>
-              <a:t>10</a:t>
+              <a:t>11</a:t>
             </a:fld>
             <a:endParaRPr lang="en-US"/>
           </a:p>
@@ -1977,7 +1979,7 @@
           <a:p>
             <a:fld id="{B7975FD5-AB21-4C45-BFE8-1D3F02B463E2}" type="slidenum">
               <a:rPr lang="en-US" smtClean="0"/>
-              <a:t>11</a:t>
+              <a:t>12</a:t>
             </a:fld>
             <a:endParaRPr lang="en-US"/>
           </a:p>
@@ -2081,7 +2083,7 @@
           <a:p>
             <a:fld id="{B7975FD5-AB21-4C45-BFE8-1D3F02B463E2}" type="slidenum">
               <a:rPr lang="en-US" smtClean="0"/>
-              <a:t>14</a:t>
+              <a:t>15</a:t>
             </a:fld>
             <a:endParaRPr lang="en-US"/>
           </a:p>
@@ -2165,7 +2167,7 @@
           <a:p>
             <a:fld id="{B7975FD5-AB21-4C45-BFE8-1D3F02B463E2}" type="slidenum">
               <a:rPr lang="en-US" smtClean="0"/>
-              <a:t>16</a:t>
+              <a:t>17</a:t>
             </a:fld>
             <a:endParaRPr lang="en-US"/>
           </a:p>
@@ -2336,7 +2338,7 @@
           <a:p>
             <a:fld id="{96331252-4874-F047-84B8-3D3EF8743E79}" type="datetimeFigureOut">
               <a:rPr lang="en-US" smtClean="0"/>
-              <a:t>10/28/19</a:t>
+              <a:t>10/29/19</a:t>
             </a:fld>
             <a:endParaRPr lang="en-US"/>
           </a:p>
@@ -2603,7 +2605,7 @@
           <a:p>
             <a:fld id="{96331252-4874-F047-84B8-3D3EF8743E79}" type="datetimeFigureOut">
               <a:rPr lang="en-US" smtClean="0"/>
-              <a:t>10/28/19</a:t>
+              <a:t>10/29/19</a:t>
             </a:fld>
             <a:endParaRPr lang="en-US"/>
           </a:p>
@@ -2781,7 +2783,7 @@
           <a:p>
             <a:fld id="{96331252-4874-F047-84B8-3D3EF8743E79}" type="datetimeFigureOut">
               <a:rPr lang="en-US" smtClean="0"/>
-              <a:t>10/28/19</a:t>
+              <a:t>10/29/19</a:t>
             </a:fld>
             <a:endParaRPr lang="en-US"/>
           </a:p>
@@ -2949,7 +2951,7 @@
           <a:p>
             <a:fld id="{96331252-4874-F047-84B8-3D3EF8743E79}" type="datetimeFigureOut">
               <a:rPr lang="en-US" smtClean="0"/>
-              <a:t>10/28/19</a:t>
+              <a:t>10/29/19</a:t>
             </a:fld>
             <a:endParaRPr lang="en-US"/>
           </a:p>
@@ -3194,7 +3196,7 @@
           <a:p>
             <a:fld id="{96331252-4874-F047-84B8-3D3EF8743E79}" type="datetimeFigureOut">
               <a:rPr lang="en-US" smtClean="0"/>
-              <a:t>10/28/19</a:t>
+              <a:t>10/29/19</a:t>
             </a:fld>
             <a:endParaRPr lang="en-US"/>
           </a:p>
@@ -3479,7 +3481,7 @@
           <a:p>
             <a:fld id="{96331252-4874-F047-84B8-3D3EF8743E79}" type="datetimeFigureOut">
               <a:rPr lang="en-US" smtClean="0"/>
-              <a:t>10/28/19</a:t>
+              <a:t>10/29/19</a:t>
             </a:fld>
             <a:endParaRPr lang="en-US"/>
           </a:p>
@@ -3898,7 +3900,7 @@
           <a:p>
             <a:fld id="{96331252-4874-F047-84B8-3D3EF8743E79}" type="datetimeFigureOut">
               <a:rPr lang="en-US" smtClean="0"/>
-              <a:t>10/28/19</a:t>
+              <a:t>10/29/19</a:t>
             </a:fld>
             <a:endParaRPr lang="en-US"/>
           </a:p>
@@ -4015,7 +4017,7 @@
           <a:p>
             <a:fld id="{96331252-4874-F047-84B8-3D3EF8743E79}" type="datetimeFigureOut">
               <a:rPr lang="en-US" smtClean="0"/>
-              <a:t>10/28/19</a:t>
+              <a:t>10/29/19</a:t>
             </a:fld>
             <a:endParaRPr lang="en-US"/>
           </a:p>
@@ -4110,7 +4112,7 @@
           <a:p>
             <a:fld id="{96331252-4874-F047-84B8-3D3EF8743E79}" type="datetimeFigureOut">
               <a:rPr lang="en-US" smtClean="0"/>
-              <a:t>10/28/19</a:t>
+              <a:t>10/29/19</a:t>
             </a:fld>
             <a:endParaRPr lang="en-US"/>
           </a:p>
@@ -4385,7 +4387,7 @@
           <a:p>
             <a:fld id="{96331252-4874-F047-84B8-3D3EF8743E79}" type="datetimeFigureOut">
               <a:rPr lang="en-US" smtClean="0"/>
-              <a:t>10/28/19</a:t>
+              <a:t>10/29/19</a:t>
             </a:fld>
             <a:endParaRPr lang="en-US"/>
           </a:p>
@@ -4637,7 +4639,7 @@
           <a:p>
             <a:fld id="{96331252-4874-F047-84B8-3D3EF8743E79}" type="datetimeFigureOut">
               <a:rPr lang="en-US" smtClean="0"/>
-              <a:t>10/28/19</a:t>
+              <a:t>10/29/19</a:t>
             </a:fld>
             <a:endParaRPr lang="en-US"/>
           </a:p>
@@ -4851,7 +4853,7 @@
             <a:fld id="{96331252-4874-F047-84B8-3D3EF8743E79}" type="datetimeFigureOut">
               <a:rPr lang="en-US" smtClean="0"/>
               <a:pPr/>
-              <a:t>10/28/19</a:t>
+              <a:t>10/29/19</a:t>
             </a:fld>
             <a:endParaRPr lang="en-US"/>
           </a:p>
@@ -5338,6 +5340,976 @@
 </file>
 
 <file path=ppt/slides/slide10.xml><?xml version="1.0" encoding="utf-8"?>
+<p:sld xmlns:a="http://schemas.openxmlformats.org/drawingml/2006/main" xmlns:r="http://schemas.openxmlformats.org/officeDocument/2006/relationships" xmlns:p="http://schemas.openxmlformats.org/presentationml/2006/main">
+  <p:cSld>
+    <p:spTree>
+      <p:nvGrpSpPr>
+        <p:cNvPr id="1" name=""/>
+        <p:cNvGrpSpPr/>
+        <p:nvPr/>
+      </p:nvGrpSpPr>
+      <p:grpSpPr>
+        <a:xfrm>
+          <a:off x="0" y="0"/>
+          <a:ext cx="0" cy="0"/>
+          <a:chOff x="0" y="0"/>
+          <a:chExt cx="0" cy="0"/>
+        </a:xfrm>
+      </p:grpSpPr>
+      <p:sp>
+        <p:nvSpPr>
+          <p:cNvPr id="2" name="Title 1"/>
+          <p:cNvSpPr>
+            <a:spLocks noGrp="1"/>
+          </p:cNvSpPr>
+          <p:nvPr>
+            <p:ph type="title"/>
+          </p:nvPr>
+        </p:nvSpPr>
+        <p:spPr/>
+        <p:txBody>
+          <a:bodyPr/>
+          <a:lstStyle/>
+          <a:p>
+            <a:r>
+              <a:rPr lang="en-US" dirty="0"/>
+              <a:t>Front end</a:t>
+            </a:r>
+          </a:p>
+        </p:txBody>
+      </p:sp>
+      <p:grpSp>
+        <p:nvGrpSpPr>
+          <p:cNvPr id="20" name="Group 19"/>
+          <p:cNvGrpSpPr/>
+          <p:nvPr/>
+        </p:nvGrpSpPr>
+        <p:grpSpPr>
+          <a:xfrm>
+            <a:off x="545847" y="1823430"/>
+            <a:ext cx="5356154" cy="936113"/>
+            <a:chOff x="452458" y="1495613"/>
+            <a:chExt cx="5356154" cy="936113"/>
+          </a:xfrm>
+        </p:grpSpPr>
+        <p:sp>
+          <p:nvSpPr>
+            <p:cNvPr id="4" name="TextBox 3"/>
+            <p:cNvSpPr txBox="1"/>
+            <p:nvPr/>
+          </p:nvSpPr>
+          <p:spPr>
+            <a:xfrm>
+              <a:off x="452458" y="1970061"/>
+              <a:ext cx="5356154" cy="461665"/>
+            </a:xfrm>
+            <a:prstGeom prst="rect">
+              <a:avLst/>
+            </a:prstGeom>
+            <a:noFill/>
+          </p:spPr>
+          <p:txBody>
+            <a:bodyPr wrap="none" rtlCol="0">
+              <a:spAutoFit/>
+            </a:bodyPr>
+            <a:lstStyle/>
+            <a:p>
+              <a:r>
+                <a:rPr lang="en-US" sz="2400" b="1" dirty="0">
+                  <a:latin typeface="Courier New"/>
+                  <a:cs typeface="Courier New"/>
+                </a:rPr>
+                <a:t>if x=0 then 1 else fact(x-1)</a:t>
+              </a:r>
+            </a:p>
+          </p:txBody>
+        </p:sp>
+        <p:sp>
+          <p:nvSpPr>
+            <p:cNvPr id="3" name="TextBox 2"/>
+            <p:cNvSpPr txBox="1"/>
+            <p:nvPr/>
+          </p:nvSpPr>
+          <p:spPr>
+            <a:xfrm>
+              <a:off x="457200" y="1495613"/>
+              <a:ext cx="2275352" cy="461665"/>
+            </a:xfrm>
+            <a:prstGeom prst="rect">
+              <a:avLst/>
+            </a:prstGeom>
+            <a:noFill/>
+          </p:spPr>
+          <p:txBody>
+            <a:bodyPr wrap="none" rtlCol="0">
+              <a:spAutoFit/>
+            </a:bodyPr>
+            <a:lstStyle/>
+            <a:p>
+              <a:r>
+                <a:rPr lang="en-US" sz="2400" dirty="0">
+                  <a:solidFill>
+                    <a:schemeClr val="accent3"/>
+                  </a:solidFill>
+                  <a:latin typeface="CronosPro-Regular"/>
+                  <a:cs typeface="CronosPro-Regular"/>
+                </a:rPr>
+                <a:t>Character stream:</a:t>
+              </a:r>
+            </a:p>
+          </p:txBody>
+        </p:sp>
+      </p:grpSp>
+      <p:grpSp>
+        <p:nvGrpSpPr>
+          <p:cNvPr id="37" name="Group 36"/>
+          <p:cNvGrpSpPr/>
+          <p:nvPr/>
+        </p:nvGrpSpPr>
+        <p:grpSpPr>
+          <a:xfrm>
+            <a:off x="3223924" y="2759543"/>
+            <a:ext cx="5087361" cy="1611931"/>
+            <a:chOff x="3223924" y="2759543"/>
+            <a:chExt cx="5087361" cy="1611931"/>
+          </a:xfrm>
+        </p:grpSpPr>
+        <p:sp>
+          <p:nvSpPr>
+            <p:cNvPr id="25" name="Rectangle 24"/>
+            <p:cNvSpPr/>
+            <p:nvPr/>
+          </p:nvSpPr>
+          <p:spPr>
+            <a:xfrm>
+              <a:off x="4166368" y="3342105"/>
+              <a:ext cx="4144917" cy="1029369"/>
+            </a:xfrm>
+            <a:prstGeom prst="rect">
+              <a:avLst/>
+            </a:prstGeom>
+            <a:solidFill>
+              <a:schemeClr val="tx2">
+                <a:lumMod val="40000"/>
+                <a:lumOff val="60000"/>
+              </a:schemeClr>
+            </a:solidFill>
+            <a:ln>
+              <a:noFill/>
+            </a:ln>
+            <a:effectLst/>
+          </p:spPr>
+          <p:style>
+            <a:lnRef idx="1">
+              <a:schemeClr val="accent1"/>
+            </a:lnRef>
+            <a:fillRef idx="3">
+              <a:schemeClr val="accent1"/>
+            </a:fillRef>
+            <a:effectRef idx="2">
+              <a:schemeClr val="accent1"/>
+            </a:effectRef>
+            <a:fontRef idx="minor">
+              <a:schemeClr val="lt1"/>
+            </a:fontRef>
+          </p:style>
+          <p:txBody>
+            <a:bodyPr rot="0" spcFirstLastPara="0" vertOverflow="overflow" horzOverflow="overflow" vert="horz" wrap="square" lIns="91440" tIns="45720" rIns="91440" bIns="45720" numCol="1" spcCol="0" rtlCol="0" fromWordArt="0" anchor="ctr" anchorCtr="0" forceAA="0" compatLnSpc="1">
+              <a:prstTxWarp prst="textNoShape">
+                <a:avLst/>
+              </a:prstTxWarp>
+              <a:noAutofit/>
+            </a:bodyPr>
+            <a:lstStyle/>
+            <a:p>
+              <a:pPr algn="ctr"/>
+              <a:r>
+                <a:rPr lang="en-US" sz="2400" dirty="0" err="1">
+                  <a:latin typeface="CronosPro-Regular"/>
+                  <a:cs typeface="CronosPro-Regular"/>
+                </a:rPr>
+                <a:t>Lexer</a:t>
+              </a:r>
+              <a:endParaRPr lang="en-US" sz="2400" dirty="0">
+                <a:latin typeface="CronosPro-Regular"/>
+                <a:cs typeface="CronosPro-Regular"/>
+              </a:endParaRPr>
+            </a:p>
+          </p:txBody>
+        </p:sp>
+        <p:cxnSp>
+          <p:nvCxnSpPr>
+            <p:cNvPr id="29" name="Straight Arrow Connector 28"/>
+            <p:cNvCxnSpPr>
+              <a:stCxn id="4" idx="2"/>
+              <a:endCxn id="25" idx="0"/>
+            </p:cNvCxnSpPr>
+            <p:nvPr/>
+          </p:nvCxnSpPr>
+          <p:spPr>
+            <a:xfrm>
+              <a:off x="3223924" y="2759543"/>
+              <a:ext cx="3014903" cy="582562"/>
+            </a:xfrm>
+            <a:prstGeom prst="straightConnector1">
+              <a:avLst/>
+            </a:prstGeom>
+            <a:ln>
+              <a:prstDash val="solid"/>
+              <a:headEnd type="none"/>
+              <a:tailEnd type="arrow"/>
+            </a:ln>
+            <a:effectLst/>
+          </p:spPr>
+          <p:style>
+            <a:lnRef idx="2">
+              <a:schemeClr val="accent1"/>
+            </a:lnRef>
+            <a:fillRef idx="0">
+              <a:schemeClr val="accent1"/>
+            </a:fillRef>
+            <a:effectRef idx="1">
+              <a:schemeClr val="accent1"/>
+            </a:effectRef>
+            <a:fontRef idx="minor">
+              <a:schemeClr val="tx1"/>
+            </a:fontRef>
+          </p:style>
+        </p:cxnSp>
+      </p:grpSp>
+      <p:grpSp>
+        <p:nvGrpSpPr>
+          <p:cNvPr id="41" name="Group 40"/>
+          <p:cNvGrpSpPr/>
+          <p:nvPr/>
+        </p:nvGrpSpPr>
+        <p:grpSpPr>
+          <a:xfrm>
+            <a:off x="545847" y="4371474"/>
+            <a:ext cx="6801066" cy="1833508"/>
+            <a:chOff x="545847" y="4371474"/>
+            <a:chExt cx="6801066" cy="1833508"/>
+          </a:xfrm>
+        </p:grpSpPr>
+        <p:grpSp>
+          <p:nvGrpSpPr>
+            <p:cNvPr id="7" name="Group 6"/>
+            <p:cNvGrpSpPr/>
+            <p:nvPr/>
+          </p:nvGrpSpPr>
+          <p:grpSpPr>
+            <a:xfrm>
+              <a:off x="545847" y="5043590"/>
+              <a:ext cx="6801066" cy="1161392"/>
+              <a:chOff x="457200" y="3198749"/>
+              <a:chExt cx="6801066" cy="1161392"/>
+            </a:xfrm>
+          </p:grpSpPr>
+          <p:grpSp>
+            <p:nvGrpSpPr>
+              <p:cNvPr id="19" name="Group 18"/>
+              <p:cNvGrpSpPr/>
+              <p:nvPr/>
+            </p:nvGrpSpPr>
+            <p:grpSpPr>
+              <a:xfrm>
+                <a:off x="609600" y="3898476"/>
+                <a:ext cx="6648666" cy="461665"/>
+                <a:chOff x="457200" y="2935950"/>
+                <a:chExt cx="6648666" cy="461665"/>
+              </a:xfrm>
+            </p:grpSpPr>
+            <p:sp>
+              <p:nvSpPr>
+                <p:cNvPr id="5" name="TextBox 4"/>
+                <p:cNvSpPr txBox="1"/>
+                <p:nvPr/>
+              </p:nvSpPr>
+              <p:spPr>
+                <a:xfrm>
+                  <a:off x="457200" y="2935950"/>
+                  <a:ext cx="554058" cy="461665"/>
+                </a:xfrm>
+                <a:prstGeom prst="rect">
+                  <a:avLst/>
+                </a:prstGeom>
+                <a:noFill/>
+                <a:ln w="25400">
+                  <a:solidFill>
+                    <a:schemeClr val="accent1"/>
+                  </a:solidFill>
+                </a:ln>
+              </p:spPr>
+              <p:txBody>
+                <a:bodyPr wrap="none" rtlCol="0">
+                  <a:spAutoFit/>
+                </a:bodyPr>
+                <a:lstStyle/>
+                <a:p>
+                  <a:r>
+                    <a:rPr lang="en-US" sz="2400" b="1" dirty="0">
+                      <a:latin typeface="Courier New"/>
+                      <a:cs typeface="Courier New"/>
+                    </a:rPr>
+                    <a:t>if</a:t>
+                  </a:r>
+                </a:p>
+              </p:txBody>
+            </p:sp>
+            <p:sp>
+              <p:nvSpPr>
+                <p:cNvPr id="6" name="TextBox 5"/>
+                <p:cNvSpPr txBox="1"/>
+                <p:nvPr/>
+              </p:nvSpPr>
+              <p:spPr>
+                <a:xfrm>
+                  <a:off x="1011258" y="2935950"/>
+                  <a:ext cx="369362" cy="461665"/>
+                </a:xfrm>
+                <a:prstGeom prst="rect">
+                  <a:avLst/>
+                </a:prstGeom>
+                <a:noFill/>
+                <a:ln w="25400">
+                  <a:solidFill>
+                    <a:schemeClr val="accent1"/>
+                  </a:solidFill>
+                </a:ln>
+              </p:spPr>
+              <p:txBody>
+                <a:bodyPr wrap="none" rtlCol="0">
+                  <a:spAutoFit/>
+                </a:bodyPr>
+                <a:lstStyle/>
+                <a:p>
+                  <a:r>
+                    <a:rPr lang="en-US" sz="2400" b="1" dirty="0">
+                      <a:latin typeface="Courier New"/>
+                      <a:cs typeface="Courier New"/>
+                    </a:rPr>
+                    <a:t>x</a:t>
+                  </a:r>
+                </a:p>
+              </p:txBody>
+            </p:sp>
+            <p:sp>
+              <p:nvSpPr>
+                <p:cNvPr id="8" name="TextBox 7"/>
+                <p:cNvSpPr txBox="1"/>
+                <p:nvPr/>
+              </p:nvSpPr>
+              <p:spPr>
+                <a:xfrm>
+                  <a:off x="1380620" y="2935950"/>
+                  <a:ext cx="369362" cy="461665"/>
+                </a:xfrm>
+                <a:prstGeom prst="rect">
+                  <a:avLst/>
+                </a:prstGeom>
+                <a:noFill/>
+                <a:ln w="25400">
+                  <a:solidFill>
+                    <a:schemeClr val="accent1"/>
+                  </a:solidFill>
+                </a:ln>
+              </p:spPr>
+              <p:txBody>
+                <a:bodyPr wrap="none" rtlCol="0">
+                  <a:spAutoFit/>
+                </a:bodyPr>
+                <a:lstStyle/>
+                <a:p>
+                  <a:r>
+                    <a:rPr lang="en-US" sz="2400" b="1" dirty="0">
+                      <a:latin typeface="Courier New"/>
+                      <a:cs typeface="Courier New"/>
+                    </a:rPr>
+                    <a:t>=</a:t>
+                  </a:r>
+                </a:p>
+              </p:txBody>
+            </p:sp>
+            <p:sp>
+              <p:nvSpPr>
+                <p:cNvPr id="9" name="TextBox 8"/>
+                <p:cNvSpPr txBox="1"/>
+                <p:nvPr/>
+              </p:nvSpPr>
+              <p:spPr>
+                <a:xfrm>
+                  <a:off x="1749982" y="2935950"/>
+                  <a:ext cx="369362" cy="461665"/>
+                </a:xfrm>
+                <a:prstGeom prst="rect">
+                  <a:avLst/>
+                </a:prstGeom>
+                <a:noFill/>
+                <a:ln w="25400">
+                  <a:solidFill>
+                    <a:schemeClr val="accent1"/>
+                  </a:solidFill>
+                </a:ln>
+              </p:spPr>
+              <p:txBody>
+                <a:bodyPr wrap="none" rtlCol="0">
+                  <a:spAutoFit/>
+                </a:bodyPr>
+                <a:lstStyle/>
+                <a:p>
+                  <a:r>
+                    <a:rPr lang="en-US" sz="2400" b="1" dirty="0">
+                      <a:latin typeface="Courier New"/>
+                      <a:cs typeface="Courier New"/>
+                    </a:rPr>
+                    <a:t>0</a:t>
+                  </a:r>
+                </a:p>
+              </p:txBody>
+            </p:sp>
+            <p:sp>
+              <p:nvSpPr>
+                <p:cNvPr id="10" name="TextBox 9"/>
+                <p:cNvSpPr txBox="1"/>
+                <p:nvPr/>
+              </p:nvSpPr>
+              <p:spPr>
+                <a:xfrm>
+                  <a:off x="2119344" y="2935950"/>
+                  <a:ext cx="923450" cy="461665"/>
+                </a:xfrm>
+                <a:prstGeom prst="rect">
+                  <a:avLst/>
+                </a:prstGeom>
+                <a:noFill/>
+                <a:ln w="25400">
+                  <a:solidFill>
+                    <a:schemeClr val="accent1"/>
+                  </a:solidFill>
+                </a:ln>
+              </p:spPr>
+              <p:txBody>
+                <a:bodyPr wrap="none" rtlCol="0">
+                  <a:spAutoFit/>
+                </a:bodyPr>
+                <a:lstStyle/>
+                <a:p>
+                  <a:r>
+                    <a:rPr lang="en-US" sz="2400" b="1" dirty="0">
+                      <a:latin typeface="Courier New"/>
+                      <a:cs typeface="Courier New"/>
+                    </a:rPr>
+                    <a:t>then</a:t>
+                  </a:r>
+                </a:p>
+              </p:txBody>
+            </p:sp>
+            <p:sp>
+              <p:nvSpPr>
+                <p:cNvPr id="11" name="TextBox 10"/>
+                <p:cNvSpPr txBox="1"/>
+                <p:nvPr/>
+              </p:nvSpPr>
+              <p:spPr>
+                <a:xfrm>
+                  <a:off x="3042794" y="2935950"/>
+                  <a:ext cx="369362" cy="461665"/>
+                </a:xfrm>
+                <a:prstGeom prst="rect">
+                  <a:avLst/>
+                </a:prstGeom>
+                <a:noFill/>
+                <a:ln w="25400">
+                  <a:solidFill>
+                    <a:schemeClr val="accent1"/>
+                  </a:solidFill>
+                </a:ln>
+              </p:spPr>
+              <p:txBody>
+                <a:bodyPr wrap="none" rtlCol="0">
+                  <a:spAutoFit/>
+                </a:bodyPr>
+                <a:lstStyle/>
+                <a:p>
+                  <a:r>
+                    <a:rPr lang="en-US" sz="2400" b="1" dirty="0">
+                      <a:latin typeface="Courier New"/>
+                      <a:cs typeface="Courier New"/>
+                    </a:rPr>
+                    <a:t>1</a:t>
+                  </a:r>
+                </a:p>
+              </p:txBody>
+            </p:sp>
+            <p:sp>
+              <p:nvSpPr>
+                <p:cNvPr id="12" name="TextBox 11"/>
+                <p:cNvSpPr txBox="1"/>
+                <p:nvPr/>
+              </p:nvSpPr>
+              <p:spPr>
+                <a:xfrm>
+                  <a:off x="3412156" y="2935950"/>
+                  <a:ext cx="923450" cy="461665"/>
+                </a:xfrm>
+                <a:prstGeom prst="rect">
+                  <a:avLst/>
+                </a:prstGeom>
+                <a:noFill/>
+                <a:ln w="25400">
+                  <a:solidFill>
+                    <a:schemeClr val="accent1"/>
+                  </a:solidFill>
+                </a:ln>
+              </p:spPr>
+              <p:txBody>
+                <a:bodyPr wrap="none" rtlCol="0">
+                  <a:spAutoFit/>
+                </a:bodyPr>
+                <a:lstStyle/>
+                <a:p>
+                  <a:r>
+                    <a:rPr lang="en-US" sz="2400" b="1" dirty="0">
+                      <a:latin typeface="Courier New"/>
+                      <a:cs typeface="Courier New"/>
+                    </a:rPr>
+                    <a:t>else</a:t>
+                  </a:r>
+                </a:p>
+              </p:txBody>
+            </p:sp>
+            <p:sp>
+              <p:nvSpPr>
+                <p:cNvPr id="13" name="TextBox 12"/>
+                <p:cNvSpPr txBox="1"/>
+                <p:nvPr/>
+              </p:nvSpPr>
+              <p:spPr>
+                <a:xfrm>
+                  <a:off x="4335606" y="2935950"/>
+                  <a:ext cx="923450" cy="461665"/>
+                </a:xfrm>
+                <a:prstGeom prst="rect">
+                  <a:avLst/>
+                </a:prstGeom>
+                <a:noFill/>
+                <a:ln w="25400">
+                  <a:solidFill>
+                    <a:schemeClr val="accent1"/>
+                  </a:solidFill>
+                </a:ln>
+              </p:spPr>
+              <p:txBody>
+                <a:bodyPr wrap="none" rtlCol="0">
+                  <a:spAutoFit/>
+                </a:bodyPr>
+                <a:lstStyle/>
+                <a:p>
+                  <a:r>
+                    <a:rPr lang="en-US" sz="2400" b="1" dirty="0">
+                      <a:latin typeface="Courier New"/>
+                      <a:cs typeface="Courier New"/>
+                    </a:rPr>
+                    <a:t>fact</a:t>
+                  </a:r>
+                </a:p>
+              </p:txBody>
+            </p:sp>
+            <p:sp>
+              <p:nvSpPr>
+                <p:cNvPr id="14" name="TextBox 13"/>
+                <p:cNvSpPr txBox="1"/>
+                <p:nvPr/>
+              </p:nvSpPr>
+              <p:spPr>
+                <a:xfrm>
+                  <a:off x="5259056" y="2935950"/>
+                  <a:ext cx="369362" cy="461665"/>
+                </a:xfrm>
+                <a:prstGeom prst="rect">
+                  <a:avLst/>
+                </a:prstGeom>
+                <a:noFill/>
+                <a:ln w="25400">
+                  <a:solidFill>
+                    <a:schemeClr val="accent1"/>
+                  </a:solidFill>
+                </a:ln>
+              </p:spPr>
+              <p:txBody>
+                <a:bodyPr wrap="none" rtlCol="0">
+                  <a:spAutoFit/>
+                </a:bodyPr>
+                <a:lstStyle/>
+                <a:p>
+                  <a:r>
+                    <a:rPr lang="en-US" sz="2400" b="1" dirty="0">
+                      <a:latin typeface="Courier New"/>
+                      <a:cs typeface="Courier New"/>
+                    </a:rPr>
+                    <a:t>(</a:t>
+                  </a:r>
+                </a:p>
+              </p:txBody>
+            </p:sp>
+            <p:sp>
+              <p:nvSpPr>
+                <p:cNvPr id="15" name="TextBox 14"/>
+                <p:cNvSpPr txBox="1"/>
+                <p:nvPr/>
+              </p:nvSpPr>
+              <p:spPr>
+                <a:xfrm>
+                  <a:off x="5628418" y="2935950"/>
+                  <a:ext cx="369362" cy="461665"/>
+                </a:xfrm>
+                <a:prstGeom prst="rect">
+                  <a:avLst/>
+                </a:prstGeom>
+                <a:noFill/>
+                <a:ln w="25400">
+                  <a:solidFill>
+                    <a:schemeClr val="accent1"/>
+                  </a:solidFill>
+                </a:ln>
+              </p:spPr>
+              <p:txBody>
+                <a:bodyPr wrap="none" rtlCol="0">
+                  <a:spAutoFit/>
+                </a:bodyPr>
+                <a:lstStyle/>
+                <a:p>
+                  <a:r>
+                    <a:rPr lang="en-US" sz="2400" b="1" dirty="0">
+                      <a:latin typeface="Courier New"/>
+                      <a:cs typeface="Courier New"/>
+                    </a:rPr>
+                    <a:t>x</a:t>
+                  </a:r>
+                </a:p>
+              </p:txBody>
+            </p:sp>
+            <p:sp>
+              <p:nvSpPr>
+                <p:cNvPr id="16" name="TextBox 15"/>
+                <p:cNvSpPr txBox="1"/>
+                <p:nvPr/>
+              </p:nvSpPr>
+              <p:spPr>
+                <a:xfrm>
+                  <a:off x="5997780" y="2935950"/>
+                  <a:ext cx="369362" cy="461665"/>
+                </a:xfrm>
+                <a:prstGeom prst="rect">
+                  <a:avLst/>
+                </a:prstGeom>
+                <a:noFill/>
+                <a:ln w="25400">
+                  <a:solidFill>
+                    <a:schemeClr val="accent1"/>
+                  </a:solidFill>
+                </a:ln>
+              </p:spPr>
+              <p:txBody>
+                <a:bodyPr wrap="none" rtlCol="0">
+                  <a:spAutoFit/>
+                </a:bodyPr>
+                <a:lstStyle/>
+                <a:p>
+                  <a:r>
+                    <a:rPr lang="en-US" sz="2400" b="1" dirty="0">
+                      <a:latin typeface="Courier New"/>
+                      <a:cs typeface="Courier New"/>
+                    </a:rPr>
+                    <a:t>-</a:t>
+                  </a:r>
+                </a:p>
+              </p:txBody>
+            </p:sp>
+            <p:sp>
+              <p:nvSpPr>
+                <p:cNvPr id="17" name="TextBox 16"/>
+                <p:cNvSpPr txBox="1"/>
+                <p:nvPr/>
+              </p:nvSpPr>
+              <p:spPr>
+                <a:xfrm>
+                  <a:off x="6367142" y="2935950"/>
+                  <a:ext cx="369362" cy="461665"/>
+                </a:xfrm>
+                <a:prstGeom prst="rect">
+                  <a:avLst/>
+                </a:prstGeom>
+                <a:noFill/>
+                <a:ln w="25400">
+                  <a:solidFill>
+                    <a:schemeClr val="accent1"/>
+                  </a:solidFill>
+                </a:ln>
+              </p:spPr>
+              <p:txBody>
+                <a:bodyPr wrap="none" rtlCol="0">
+                  <a:spAutoFit/>
+                </a:bodyPr>
+                <a:lstStyle/>
+                <a:p>
+                  <a:r>
+                    <a:rPr lang="en-US" sz="2400" b="1" dirty="0">
+                      <a:latin typeface="Courier New"/>
+                      <a:cs typeface="Courier New"/>
+                    </a:rPr>
+                    <a:t>1</a:t>
+                  </a:r>
+                </a:p>
+              </p:txBody>
+            </p:sp>
+            <p:sp>
+              <p:nvSpPr>
+                <p:cNvPr id="18" name="TextBox 17"/>
+                <p:cNvSpPr txBox="1"/>
+                <p:nvPr/>
+              </p:nvSpPr>
+              <p:spPr>
+                <a:xfrm>
+                  <a:off x="6736504" y="2935950"/>
+                  <a:ext cx="369362" cy="461665"/>
+                </a:xfrm>
+                <a:prstGeom prst="rect">
+                  <a:avLst/>
+                </a:prstGeom>
+                <a:noFill/>
+                <a:ln w="25400">
+                  <a:solidFill>
+                    <a:schemeClr val="accent1"/>
+                  </a:solidFill>
+                </a:ln>
+              </p:spPr>
+              <p:txBody>
+                <a:bodyPr wrap="none" rtlCol="0">
+                  <a:spAutoFit/>
+                </a:bodyPr>
+                <a:lstStyle/>
+                <a:p>
+                  <a:r>
+                    <a:rPr lang="en-US" sz="2400" b="1" dirty="0">
+                      <a:latin typeface="Courier New"/>
+                      <a:cs typeface="Courier New"/>
+                    </a:rPr>
+                    <a:t>)</a:t>
+                  </a:r>
+                </a:p>
+              </p:txBody>
+            </p:sp>
+          </p:grpSp>
+          <p:sp>
+            <p:nvSpPr>
+              <p:cNvPr id="39" name="TextBox 38"/>
+              <p:cNvSpPr txBox="1"/>
+              <p:nvPr/>
+            </p:nvSpPr>
+            <p:spPr>
+              <a:xfrm>
+                <a:off x="457200" y="3198749"/>
+                <a:ext cx="1830934" cy="461665"/>
+              </a:xfrm>
+              <a:prstGeom prst="rect">
+                <a:avLst/>
+              </a:prstGeom>
+              <a:noFill/>
+            </p:spPr>
+            <p:txBody>
+              <a:bodyPr wrap="none" rtlCol="0">
+                <a:spAutoFit/>
+              </a:bodyPr>
+              <a:lstStyle/>
+              <a:p>
+                <a:r>
+                  <a:rPr lang="en-US" sz="2400" dirty="0">
+                    <a:solidFill>
+                      <a:schemeClr val="accent3"/>
+                    </a:solidFill>
+                    <a:latin typeface="CronosPro-Regular"/>
+                    <a:cs typeface="CronosPro-Regular"/>
+                  </a:rPr>
+                  <a:t>Token stream:</a:t>
+                </a:r>
+              </a:p>
+            </p:txBody>
+          </p:sp>
+        </p:grpSp>
+        <p:cxnSp>
+          <p:nvCxnSpPr>
+            <p:cNvPr id="35" name="Straight Arrow Connector 34"/>
+            <p:cNvCxnSpPr>
+              <a:stCxn id="25" idx="2"/>
+            </p:cNvCxnSpPr>
+            <p:nvPr/>
+          </p:nvCxnSpPr>
+          <p:spPr>
+            <a:xfrm flipH="1">
+              <a:off x="3283841" y="4371474"/>
+              <a:ext cx="2954986" cy="672116"/>
+            </a:xfrm>
+            <a:prstGeom prst="straightConnector1">
+              <a:avLst/>
+            </a:prstGeom>
+            <a:ln>
+              <a:prstDash val="solid"/>
+              <a:headEnd type="none"/>
+              <a:tailEnd type="arrow"/>
+            </a:ln>
+            <a:effectLst/>
+          </p:spPr>
+          <p:style>
+            <a:lnRef idx="2">
+              <a:schemeClr val="accent1"/>
+            </a:lnRef>
+            <a:fillRef idx="0">
+              <a:schemeClr val="accent1"/>
+            </a:fillRef>
+            <a:effectRef idx="1">
+              <a:schemeClr val="accent1"/>
+            </a:effectRef>
+            <a:fontRef idx="minor">
+              <a:schemeClr val="tx1"/>
+            </a:fontRef>
+          </p:style>
+        </p:cxnSp>
+      </p:grpSp>
+    </p:spTree>
+    <p:extLst>
+      <p:ext uri="{BB962C8B-B14F-4D97-AF65-F5344CB8AC3E}">
+        <p14:creationId xmlns:p14="http://schemas.microsoft.com/office/powerpoint/2010/main" val="3484222527"/>
+      </p:ext>
+    </p:extLst>
+  </p:cSld>
+  <p:clrMapOvr>
+    <a:masterClrMapping/>
+  </p:clrMapOvr>
+  <p:timing>
+    <p:tnLst>
+      <p:par>
+        <p:cTn id="1" dur="indefinite" restart="never" nodeType="tmRoot">
+          <p:childTnLst>
+            <p:seq concurrent="1" nextAc="seek">
+              <p:cTn id="2" dur="indefinite" nodeType="mainSeq">
+                <p:childTnLst>
+                  <p:par>
+                    <p:cTn id="3" fill="hold">
+                      <p:stCondLst>
+                        <p:cond delay="indefinite"/>
+                      </p:stCondLst>
+                      <p:childTnLst>
+                        <p:par>
+                          <p:cTn id="4" fill="hold">
+                            <p:stCondLst>
+                              <p:cond delay="0"/>
+                            </p:stCondLst>
+                            <p:childTnLst>
+                              <p:par>
+                                <p:cTn id="5" presetID="1" presetClass="entr" presetSubtype="0" fill="hold" nodeType="clickEffect">
+                                  <p:stCondLst>
+                                    <p:cond delay="0"/>
+                                  </p:stCondLst>
+                                  <p:childTnLst>
+                                    <p:set>
+                                      <p:cBhvr>
+                                        <p:cTn id="6" dur="1" fill="hold">
+                                          <p:stCondLst>
+                                            <p:cond delay="0"/>
+                                          </p:stCondLst>
+                                        </p:cTn>
+                                        <p:tgtEl>
+                                          <p:spTgt spid="37"/>
+                                        </p:tgtEl>
+                                        <p:attrNameLst>
+                                          <p:attrName>style.visibility</p:attrName>
+                                        </p:attrNameLst>
+                                      </p:cBhvr>
+                                      <p:to>
+                                        <p:strVal val="visible"/>
+                                      </p:to>
+                                    </p:set>
+                                  </p:childTnLst>
+                                </p:cTn>
+                              </p:par>
+                            </p:childTnLst>
+                          </p:cTn>
+                        </p:par>
+                      </p:childTnLst>
+                    </p:cTn>
+                  </p:par>
+                  <p:par>
+                    <p:cTn id="7" fill="hold">
+                      <p:stCondLst>
+                        <p:cond delay="indefinite"/>
+                      </p:stCondLst>
+                      <p:childTnLst>
+                        <p:par>
+                          <p:cTn id="8" fill="hold">
+                            <p:stCondLst>
+                              <p:cond delay="0"/>
+                            </p:stCondLst>
+                            <p:childTnLst>
+                              <p:par>
+                                <p:cTn id="9" presetID="1" presetClass="entr" presetSubtype="0" fill="hold" nodeType="clickEffect">
+                                  <p:stCondLst>
+                                    <p:cond delay="0"/>
+                                  </p:stCondLst>
+                                  <p:childTnLst>
+                                    <p:set>
+                                      <p:cBhvr>
+                                        <p:cTn id="10" dur="1" fill="hold">
+                                          <p:stCondLst>
+                                            <p:cond delay="0"/>
+                                          </p:stCondLst>
+                                        </p:cTn>
+                                        <p:tgtEl>
+                                          <p:spTgt spid="41"/>
+                                        </p:tgtEl>
+                                        <p:attrNameLst>
+                                          <p:attrName>style.visibility</p:attrName>
+                                        </p:attrNameLst>
+                                      </p:cBhvr>
+                                      <p:to>
+                                        <p:strVal val="visible"/>
+                                      </p:to>
+                                    </p:set>
+                                  </p:childTnLst>
+                                </p:cTn>
+                              </p:par>
+                            </p:childTnLst>
+                          </p:cTn>
+                        </p:par>
+                      </p:childTnLst>
+                    </p:cTn>
+                  </p:par>
+                </p:childTnLst>
+              </p:cTn>
+              <p:prevCondLst>
+                <p:cond evt="onPrev" delay="0">
+                  <p:tgtEl>
+                    <p:sldTgt/>
+                  </p:tgtEl>
+                </p:cond>
+              </p:prevCondLst>
+              <p:nextCondLst>
+                <p:cond evt="onNext" delay="0">
+                  <p:tgtEl>
+                    <p:sldTgt/>
+                  </p:tgtEl>
+                </p:cond>
+              </p:nextCondLst>
+            </p:seq>
+          </p:childTnLst>
+        </p:cTn>
+      </p:par>
+    </p:tnLst>
+  </p:timing>
+</p:sld>
+</file>
+
+<file path=ppt/slides/slide11.xml><?xml version="1.0" encoding="utf-8"?>
 <p:sld xmlns:a="http://schemas.openxmlformats.org/drawingml/2006/main" xmlns:r="http://schemas.openxmlformats.org/officeDocument/2006/relationships" xmlns:p="http://schemas.openxmlformats.org/presentationml/2006/main">
   <p:cSld>
     <p:spTree>
@@ -7057,7 +8029,7 @@
 </p:sld>
 </file>
 
-<file path=ppt/slides/slide11.xml><?xml version="1.0" encoding="utf-8"?>
+<file path=ppt/slides/slide12.xml><?xml version="1.0" encoding="utf-8"?>
 <p:sld xmlns:a="http://schemas.openxmlformats.org/drawingml/2006/main" xmlns:r="http://schemas.openxmlformats.org/officeDocument/2006/relationships" xmlns:p="http://schemas.openxmlformats.org/presentationml/2006/main">
   <p:cSld>
     <p:spTree>
@@ -8244,126 +9216,6 @@
 </p:sld>
 </file>
 
-<file path=ppt/slides/slide12.xml><?xml version="1.0" encoding="utf-8"?>
-<p:sld xmlns:a="http://schemas.openxmlformats.org/drawingml/2006/main" xmlns:r="http://schemas.openxmlformats.org/officeDocument/2006/relationships" xmlns:p="http://schemas.openxmlformats.org/presentationml/2006/main">
-  <p:cSld>
-    <p:spTree>
-      <p:nvGrpSpPr>
-        <p:cNvPr id="1" name=""/>
-        <p:cNvGrpSpPr/>
-        <p:nvPr/>
-      </p:nvGrpSpPr>
-      <p:grpSpPr>
-        <a:xfrm>
-          <a:off x="0" y="0"/>
-          <a:ext cx="0" cy="0"/>
-          <a:chOff x="0" y="0"/>
-          <a:chExt cx="0" cy="0"/>
-        </a:xfrm>
-      </p:grpSpPr>
-      <p:sp>
-        <p:nvSpPr>
-          <p:cNvPr id="2" name="Title 1"/>
-          <p:cNvSpPr>
-            <a:spLocks noGrp="1"/>
-          </p:cNvSpPr>
-          <p:nvPr>
-            <p:ph type="title"/>
-          </p:nvPr>
-        </p:nvSpPr>
-        <p:spPr/>
-        <p:txBody>
-          <a:bodyPr/>
-          <a:lstStyle/>
-          <a:p>
-            <a:r>
-              <a:rPr lang="en-US" dirty="0"/>
-              <a:t>Next</a:t>
-            </a:r>
-          </a:p>
-        </p:txBody>
-      </p:sp>
-      <p:sp>
-        <p:nvSpPr>
-          <p:cNvPr id="3" name="Content Placeholder 2"/>
-          <p:cNvSpPr>
-            <a:spLocks noGrp="1"/>
-          </p:cNvSpPr>
-          <p:nvPr>
-            <p:ph idx="1"/>
-          </p:nvPr>
-        </p:nvSpPr>
-        <p:spPr/>
-        <p:txBody>
-          <a:bodyPr/>
-          <a:lstStyle/>
-          <a:p>
-            <a:pPr marL="0" indent="0">
-              <a:buNone/>
-            </a:pPr>
-            <a:r>
-              <a:rPr lang="en-US" dirty="0"/>
-              <a:t>Might translate AST into a </a:t>
-            </a:r>
-            <a:r>
-              <a:rPr lang="en-US" i="1" dirty="0"/>
-              <a:t>intermediate representation</a:t>
-            </a:r>
-            <a:r>
-              <a:rPr lang="en-US" dirty="0"/>
-              <a:t> (IR) that is a kind of abstract machine code</a:t>
-            </a:r>
-          </a:p>
-          <a:p>
-            <a:pPr marL="0" indent="0">
-              <a:buNone/>
-            </a:pPr>
-            <a:endParaRPr lang="en-US" b="1" dirty="0"/>
-          </a:p>
-          <a:p>
-            <a:pPr marL="0" indent="0">
-              <a:buNone/>
-            </a:pPr>
-            <a:r>
-              <a:rPr lang="en-US" dirty="0"/>
-              <a:t>Then:</a:t>
-            </a:r>
-          </a:p>
-          <a:p>
-            <a:r>
-              <a:rPr lang="en-US" b="1" dirty="0"/>
-              <a:t>Interpreter</a:t>
-            </a:r>
-            <a:r>
-              <a:rPr lang="en-US" dirty="0"/>
-              <a:t> executes AST or IR </a:t>
-            </a:r>
-          </a:p>
-          <a:p>
-            <a:r>
-              <a:rPr lang="en-US" b="1" dirty="0"/>
-              <a:t>Compiler</a:t>
-            </a:r>
-            <a:r>
-              <a:rPr lang="en-US" dirty="0"/>
-              <a:t> translates IR into machine code</a:t>
-            </a:r>
-          </a:p>
-        </p:txBody>
-      </p:sp>
-    </p:spTree>
-    <p:extLst>
-      <p:ext uri="{BB962C8B-B14F-4D97-AF65-F5344CB8AC3E}">
-        <p14:creationId xmlns:p14="http://schemas.microsoft.com/office/powerpoint/2010/main" val="1684388138"/>
-      </p:ext>
-    </p:extLst>
-  </p:cSld>
-  <p:clrMapOvr>
-    <a:masterClrMapping/>
-  </p:clrMapOvr>
-</p:sld>
-</file>
-
 <file path=ppt/slides/slide13.xml><?xml version="1.0" encoding="utf-8"?>
 <p:sld xmlns:a="http://schemas.openxmlformats.org/drawingml/2006/main" xmlns:r="http://schemas.openxmlformats.org/officeDocument/2006/relationships" xmlns:p="http://schemas.openxmlformats.org/presentationml/2006/main">
   <p:cSld>
@@ -8393,14 +9245,12 @@
         </p:nvSpPr>
         <p:spPr/>
         <p:txBody>
-          <a:bodyPr>
-            <a:normAutofit/>
-          </a:bodyPr>
+          <a:bodyPr/>
           <a:lstStyle/>
           <a:p>
             <a:r>
               <a:rPr lang="en-US" dirty="0"/>
-              <a:t>Implementation</a:t>
+              <a:t>Next</a:t>
             </a:r>
           </a:p>
         </p:txBody>
@@ -8424,42 +9274,51 @@
               <a:buNone/>
             </a:pPr>
             <a:r>
-              <a:rPr lang="en-US" dirty="0">
-                <a:solidFill>
-                  <a:schemeClr val="accent6"/>
-                </a:solidFill>
-              </a:rPr>
-              <a:t>Functional languages are well-suited to implement compilers and interpreters</a:t>
+              <a:rPr lang="en-US" dirty="0"/>
+              <a:t>Might translate AST into a </a:t>
+            </a:r>
+            <a:r>
+              <a:rPr lang="en-US" i="1" dirty="0"/>
+              <a:t>intermediate representation</a:t>
+            </a:r>
+            <a:r>
+              <a:rPr lang="en-US" dirty="0"/>
+              <a:t> (IR) that is a kind of abstract machine code</a:t>
             </a:r>
           </a:p>
           <a:p>
             <a:pPr marL="0" indent="0">
               <a:buNone/>
             </a:pPr>
-            <a:endParaRPr lang="en-US" dirty="0">
-              <a:solidFill>
-                <a:schemeClr val="accent6"/>
-              </a:solidFill>
-            </a:endParaRPr>
+            <a:endParaRPr lang="en-US" b="1" dirty="0"/>
+          </a:p>
+          <a:p>
+            <a:pPr marL="0" indent="0">
+              <a:buNone/>
+            </a:pPr>
+            <a:r>
+              <a:rPr lang="en-US" dirty="0"/>
+              <a:t>Then:</a:t>
+            </a:r>
           </a:p>
           <a:p>
             <a:r>
               <a:rPr lang="en-US" b="1" dirty="0"/>
-              <a:t>Code</a:t>
+              <a:t>Interpreter</a:t>
             </a:r>
             <a:r>
               <a:rPr lang="en-US" dirty="0"/>
-              <a:t> easily represented by tree data types</a:t>
+              <a:t> executes AST or IR </a:t>
             </a:r>
           </a:p>
           <a:p>
             <a:r>
               <a:rPr lang="en-US" b="1" dirty="0"/>
-              <a:t>Compilation/execution</a:t>
+              <a:t>Compiler</a:t>
             </a:r>
             <a:r>
               <a:rPr lang="en-US" dirty="0"/>
-              <a:t> easily defined by pattern matching on trees</a:t>
+              <a:t> translates IR into machine code</a:t>
             </a:r>
           </a:p>
         </p:txBody>
@@ -8467,7 +9326,7 @@
     </p:spTree>
     <p:extLst>
       <p:ext uri="{BB962C8B-B14F-4D97-AF65-F5344CB8AC3E}">
-        <p14:creationId xmlns:p14="http://schemas.microsoft.com/office/powerpoint/2010/main" val="3406850546"/>
+        <p14:creationId xmlns:p14="http://schemas.microsoft.com/office/powerpoint/2010/main" val="1684388138"/>
       </p:ext>
     </p:extLst>
   </p:cSld>
@@ -8496,13 +9355,7 @@
       </p:grpSpPr>
       <p:sp>
         <p:nvSpPr>
-          <p:cNvPr id="4" name="Title 3">
-            <a:extLst>
-              <a:ext uri="{FF2B5EF4-FFF2-40B4-BE49-F238E27FC236}">
-                <a16:creationId xmlns:a16="http://schemas.microsoft.com/office/drawing/2014/main" id="{0794BF95-3DD6-1742-809F-32B17CE75887}"/>
-              </a:ext>
-            </a:extLst>
-          </p:cNvPr>
+          <p:cNvPr id="2" name="Title 1"/>
           <p:cNvSpPr>
             <a:spLocks noGrp="1"/>
           </p:cNvSpPr>
@@ -8512,102 +9365,26 @@
         </p:nvSpPr>
         <p:spPr/>
         <p:txBody>
-          <a:bodyPr/>
+          <a:bodyPr>
+            <a:normAutofit/>
+          </a:bodyPr>
           <a:lstStyle/>
           <a:p>
             <a:r>
               <a:rPr lang="en-US" dirty="0"/>
-              <a:t>Extended demo: A calculator</a:t>
+              <a:t>Implementation</a:t>
             </a:r>
           </a:p>
         </p:txBody>
       </p:sp>
       <p:sp>
         <p:nvSpPr>
-          <p:cNvPr id="5" name="Content Placeholder 4">
-            <a:extLst>
-              <a:ext uri="{FF2B5EF4-FFF2-40B4-BE49-F238E27FC236}">
-                <a16:creationId xmlns:a16="http://schemas.microsoft.com/office/drawing/2014/main" id="{C6484DB2-2EF3-1648-9343-C139C10820DC}"/>
-              </a:ext>
-            </a:extLst>
-          </p:cNvPr>
+          <p:cNvPr id="3" name="Content Placeholder 2"/>
           <p:cNvSpPr>
             <a:spLocks noGrp="1"/>
           </p:cNvSpPr>
           <p:nvPr>
-            <p:ph sz="half" idx="1"/>
-          </p:nvPr>
-        </p:nvSpPr>
-        <p:spPr/>
-        <p:txBody>
-          <a:bodyPr>
-            <a:normAutofit/>
-          </a:bodyPr>
-          <a:lstStyle/>
-          <a:p>
-            <a:r>
-              <a:rPr lang="en-US" dirty="0"/>
-              <a:t>22</a:t>
-            </a:r>
-          </a:p>
-          <a:p>
-            <a:r>
-              <a:rPr lang="en-US" dirty="0"/>
-              <a:t>11  + 11</a:t>
-            </a:r>
-          </a:p>
-          <a:p>
-            <a:r>
-              <a:rPr lang="en-US" dirty="0"/>
-              <a:t>(10 + 1) + (5 + 6)</a:t>
-            </a:r>
-          </a:p>
-          <a:p>
-            <a:r>
-              <a:rPr lang="en-US" dirty="0"/>
-              <a:t>2 *  11</a:t>
-            </a:r>
-          </a:p>
-          <a:p>
-            <a:r>
-              <a:rPr lang="en-US" dirty="0"/>
-              <a:t>2 + 2 * 10</a:t>
-            </a:r>
-          </a:p>
-          <a:p>
-            <a:r>
-              <a:rPr lang="en-US" dirty="0"/>
-              <a:t>2 * 2 + 10</a:t>
-            </a:r>
-          </a:p>
-          <a:p>
-            <a:r>
-              <a:rPr lang="en-US" dirty="0"/>
-              <a:t>2 * 2 * 10</a:t>
-            </a:r>
-          </a:p>
-          <a:p>
-            <a:r>
-              <a:rPr lang="en-US" dirty="0"/>
-              <a:t>etc.</a:t>
-            </a:r>
-          </a:p>
-        </p:txBody>
-      </p:sp>
-      <p:sp>
-        <p:nvSpPr>
-          <p:cNvPr id="6" name="Content Placeholder 5">
-            <a:extLst>
-              <a:ext uri="{FF2B5EF4-FFF2-40B4-BE49-F238E27FC236}">
-                <a16:creationId xmlns:a16="http://schemas.microsoft.com/office/drawing/2014/main" id="{B28EB4AA-877C-0F4C-98A6-334D84DF338E}"/>
-              </a:ext>
-            </a:extLst>
-          </p:cNvPr>
-          <p:cNvSpPr>
-            <a:spLocks noGrp="1"/>
-          </p:cNvSpPr>
-          <p:nvPr>
-            <p:ph sz="half" idx="2"/>
+            <p:ph idx="1"/>
           </p:nvPr>
         </p:nvSpPr>
         <p:spPr/>
@@ -8615,74 +9392,46 @@
           <a:bodyPr/>
           <a:lstStyle/>
           <a:p>
-            <a:r>
-              <a:rPr lang="en-US" dirty="0"/>
-              <a:t>Integers</a:t>
-            </a:r>
-          </a:p>
-          <a:p>
-            <a:r>
-              <a:rPr lang="en-US" dirty="0"/>
-              <a:t>Addition</a:t>
-            </a:r>
-          </a:p>
-          <a:p>
-            <a:r>
-              <a:rPr lang="en-US" dirty="0"/>
-              <a:t>Multiplication</a:t>
-            </a:r>
-          </a:p>
-          <a:p>
-            <a:r>
-              <a:rPr lang="en-US" dirty="0"/>
-              <a:t>Parentheses</a:t>
-            </a:r>
-          </a:p>
-          <a:p>
-            <a:r>
-              <a:rPr lang="en-US" dirty="0"/>
-              <a:t>Whitespace</a:t>
-            </a:r>
-          </a:p>
-        </p:txBody>
-      </p:sp>
-      <p:sp>
-        <p:nvSpPr>
-          <p:cNvPr id="7" name="TextBox 6">
-            <a:extLst>
-              <a:ext uri="{FF2B5EF4-FFF2-40B4-BE49-F238E27FC236}">
-                <a16:creationId xmlns:a16="http://schemas.microsoft.com/office/drawing/2014/main" id="{BFC0D1CD-26BD-9E44-90DC-0210D7E65C8A}"/>
-              </a:ext>
-            </a:extLst>
-          </p:cNvPr>
-          <p:cNvSpPr txBox="1"/>
-          <p:nvPr/>
-        </p:nvSpPr>
-        <p:spPr>
-          <a:xfrm>
-            <a:off x="181290" y="5954782"/>
-            <a:ext cx="8962710" cy="707886"/>
-          </a:xfrm>
-          <a:prstGeom prst="rect">
-            <a:avLst/>
-          </a:prstGeom>
-          <a:noFill/>
-        </p:spPr>
-        <p:txBody>
-          <a:bodyPr wrap="none" rtlCol="0">
-            <a:spAutoFit/>
-          </a:bodyPr>
-          <a:lstStyle/>
-          <a:p>
-            <a:r>
-              <a:rPr lang="en-US" sz="4000" dirty="0">
+            <a:pPr marL="0" indent="0">
+              <a:buNone/>
+            </a:pPr>
+            <a:r>
+              <a:rPr lang="en-US" dirty="0">
                 <a:solidFill>
                   <a:schemeClr val="accent6"/>
                 </a:solidFill>
-                <a:latin typeface="CronosPro-Regular"/>
-                <a:cs typeface="CronosPro-Regular"/>
               </a:rPr>
-              <a:t>Goal: transform input string to output string</a:t>
+              <a:t>Functional languages are well-suited to implement compilers and interpreters</a:t>
+            </a:r>
+          </a:p>
+          <a:p>
+            <a:pPr marL="0" indent="0">
+              <a:buNone/>
+            </a:pPr>
+            <a:endParaRPr lang="en-US" dirty="0">
+              <a:solidFill>
+                <a:schemeClr val="accent6"/>
+              </a:solidFill>
+            </a:endParaRPr>
+          </a:p>
+          <a:p>
+            <a:r>
+              <a:rPr lang="en-US" b="1" dirty="0"/>
+              <a:t>Code</a:t>
+            </a:r>
+            <a:r>
+              <a:rPr lang="en-US" dirty="0"/>
+              <a:t> easily represented by tree data types</a:t>
+            </a:r>
+          </a:p>
+          <a:p>
+            <a:r>
+              <a:rPr lang="en-US" b="1" dirty="0"/>
+              <a:t>Compilation/execution</a:t>
+            </a:r>
+            <a:r>
+              <a:rPr lang="en-US" dirty="0"/>
+              <a:t> easily defined by pattern matching on trees</a:t>
             </a:r>
           </a:p>
         </p:txBody>
@@ -8690,7 +9439,7 @@
     </p:spTree>
     <p:extLst>
       <p:ext uri="{BB962C8B-B14F-4D97-AF65-F5344CB8AC3E}">
-        <p14:creationId xmlns:p14="http://schemas.microsoft.com/office/powerpoint/2010/main" val="872304966"/>
+        <p14:creationId xmlns:p14="http://schemas.microsoft.com/office/powerpoint/2010/main" val="3406850546"/>
       </p:ext>
     </p:extLst>
   </p:cSld>
@@ -8719,6 +9468,229 @@
       </p:grpSpPr>
       <p:sp>
         <p:nvSpPr>
+          <p:cNvPr id="4" name="Title 3">
+            <a:extLst>
+              <a:ext uri="{FF2B5EF4-FFF2-40B4-BE49-F238E27FC236}">
+                <a16:creationId xmlns:a16="http://schemas.microsoft.com/office/drawing/2014/main" id="{0794BF95-3DD6-1742-809F-32B17CE75887}"/>
+              </a:ext>
+            </a:extLst>
+          </p:cNvPr>
+          <p:cNvSpPr>
+            <a:spLocks noGrp="1"/>
+          </p:cNvSpPr>
+          <p:nvPr>
+            <p:ph type="title"/>
+          </p:nvPr>
+        </p:nvSpPr>
+        <p:spPr/>
+        <p:txBody>
+          <a:bodyPr/>
+          <a:lstStyle/>
+          <a:p>
+            <a:r>
+              <a:rPr lang="en-US" dirty="0"/>
+              <a:t>Extended demo: A calculator</a:t>
+            </a:r>
+          </a:p>
+        </p:txBody>
+      </p:sp>
+      <p:sp>
+        <p:nvSpPr>
+          <p:cNvPr id="5" name="Content Placeholder 4">
+            <a:extLst>
+              <a:ext uri="{FF2B5EF4-FFF2-40B4-BE49-F238E27FC236}">
+                <a16:creationId xmlns:a16="http://schemas.microsoft.com/office/drawing/2014/main" id="{C6484DB2-2EF3-1648-9343-C139C10820DC}"/>
+              </a:ext>
+            </a:extLst>
+          </p:cNvPr>
+          <p:cNvSpPr>
+            <a:spLocks noGrp="1"/>
+          </p:cNvSpPr>
+          <p:nvPr>
+            <p:ph sz="half" idx="1"/>
+          </p:nvPr>
+        </p:nvSpPr>
+        <p:spPr/>
+        <p:txBody>
+          <a:bodyPr>
+            <a:normAutofit/>
+          </a:bodyPr>
+          <a:lstStyle/>
+          <a:p>
+            <a:r>
+              <a:rPr lang="en-US" dirty="0"/>
+              <a:t>22</a:t>
+            </a:r>
+          </a:p>
+          <a:p>
+            <a:r>
+              <a:rPr lang="en-US" dirty="0"/>
+              <a:t>11  + 11</a:t>
+            </a:r>
+          </a:p>
+          <a:p>
+            <a:r>
+              <a:rPr lang="en-US" dirty="0"/>
+              <a:t>(10 + 1) + (5 + 6)</a:t>
+            </a:r>
+          </a:p>
+          <a:p>
+            <a:r>
+              <a:rPr lang="en-US" dirty="0"/>
+              <a:t>2 *  11</a:t>
+            </a:r>
+          </a:p>
+          <a:p>
+            <a:r>
+              <a:rPr lang="en-US" dirty="0"/>
+              <a:t>2 + 2 * 10</a:t>
+            </a:r>
+          </a:p>
+          <a:p>
+            <a:r>
+              <a:rPr lang="en-US" dirty="0"/>
+              <a:t>2 * 2 + 10</a:t>
+            </a:r>
+          </a:p>
+          <a:p>
+            <a:r>
+              <a:rPr lang="en-US" dirty="0"/>
+              <a:t>2 * 2 * 10</a:t>
+            </a:r>
+          </a:p>
+          <a:p>
+            <a:r>
+              <a:rPr lang="en-US" dirty="0"/>
+              <a:t>etc.</a:t>
+            </a:r>
+          </a:p>
+        </p:txBody>
+      </p:sp>
+      <p:sp>
+        <p:nvSpPr>
+          <p:cNvPr id="6" name="Content Placeholder 5">
+            <a:extLst>
+              <a:ext uri="{FF2B5EF4-FFF2-40B4-BE49-F238E27FC236}">
+                <a16:creationId xmlns:a16="http://schemas.microsoft.com/office/drawing/2014/main" id="{B28EB4AA-877C-0F4C-98A6-334D84DF338E}"/>
+              </a:ext>
+            </a:extLst>
+          </p:cNvPr>
+          <p:cNvSpPr>
+            <a:spLocks noGrp="1"/>
+          </p:cNvSpPr>
+          <p:nvPr>
+            <p:ph sz="half" idx="2"/>
+          </p:nvPr>
+        </p:nvSpPr>
+        <p:spPr/>
+        <p:txBody>
+          <a:bodyPr/>
+          <a:lstStyle/>
+          <a:p>
+            <a:r>
+              <a:rPr lang="en-US" dirty="0"/>
+              <a:t>Integers</a:t>
+            </a:r>
+          </a:p>
+          <a:p>
+            <a:r>
+              <a:rPr lang="en-US" dirty="0"/>
+              <a:t>Addition</a:t>
+            </a:r>
+          </a:p>
+          <a:p>
+            <a:r>
+              <a:rPr lang="en-US" dirty="0"/>
+              <a:t>Multiplication</a:t>
+            </a:r>
+          </a:p>
+          <a:p>
+            <a:r>
+              <a:rPr lang="en-US" dirty="0"/>
+              <a:t>Parentheses</a:t>
+            </a:r>
+          </a:p>
+          <a:p>
+            <a:r>
+              <a:rPr lang="en-US" dirty="0"/>
+              <a:t>Whitespace</a:t>
+            </a:r>
+          </a:p>
+        </p:txBody>
+      </p:sp>
+      <p:sp>
+        <p:nvSpPr>
+          <p:cNvPr id="7" name="TextBox 6">
+            <a:extLst>
+              <a:ext uri="{FF2B5EF4-FFF2-40B4-BE49-F238E27FC236}">
+                <a16:creationId xmlns:a16="http://schemas.microsoft.com/office/drawing/2014/main" id="{BFC0D1CD-26BD-9E44-90DC-0210D7E65C8A}"/>
+              </a:ext>
+            </a:extLst>
+          </p:cNvPr>
+          <p:cNvSpPr txBox="1"/>
+          <p:nvPr/>
+        </p:nvSpPr>
+        <p:spPr>
+          <a:xfrm>
+            <a:off x="181290" y="5954782"/>
+            <a:ext cx="8962710" cy="707886"/>
+          </a:xfrm>
+          <a:prstGeom prst="rect">
+            <a:avLst/>
+          </a:prstGeom>
+          <a:noFill/>
+        </p:spPr>
+        <p:txBody>
+          <a:bodyPr wrap="none" rtlCol="0">
+            <a:spAutoFit/>
+          </a:bodyPr>
+          <a:lstStyle/>
+          <a:p>
+            <a:r>
+              <a:rPr lang="en-US" sz="4000" dirty="0">
+                <a:solidFill>
+                  <a:schemeClr val="accent6"/>
+                </a:solidFill>
+                <a:latin typeface="CronosPro-Regular"/>
+                <a:cs typeface="CronosPro-Regular"/>
+              </a:rPr>
+              <a:t>Goal: transform input string to output string</a:t>
+            </a:r>
+          </a:p>
+        </p:txBody>
+      </p:sp>
+    </p:spTree>
+    <p:extLst>
+      <p:ext uri="{BB962C8B-B14F-4D97-AF65-F5344CB8AC3E}">
+        <p14:creationId xmlns:p14="http://schemas.microsoft.com/office/powerpoint/2010/main" val="872304966"/>
+      </p:ext>
+    </p:extLst>
+  </p:cSld>
+  <p:clrMapOvr>
+    <a:masterClrMapping/>
+  </p:clrMapOvr>
+</p:sld>
+</file>
+
+<file path=ppt/slides/slide16.xml><?xml version="1.0" encoding="utf-8"?>
+<p:sld xmlns:a="http://schemas.openxmlformats.org/drawingml/2006/main" xmlns:r="http://schemas.openxmlformats.org/officeDocument/2006/relationships" xmlns:p="http://schemas.openxmlformats.org/presentationml/2006/main">
+  <p:cSld>
+    <p:spTree>
+      <p:nvGrpSpPr>
+        <p:cNvPr id="1" name=""/>
+        <p:cNvGrpSpPr/>
+        <p:nvPr/>
+      </p:nvGrpSpPr>
+      <p:grpSpPr>
+        <a:xfrm>
+          <a:off x="0" y="0"/>
+          <a:ext cx="0" cy="0"/>
+          <a:chOff x="0" y="0"/>
+          <a:chExt cx="0" cy="0"/>
+        </a:xfrm>
+      </p:grpSpPr>
+      <p:sp>
+        <p:nvSpPr>
           <p:cNvPr id="5" name="Title 4">
             <a:extLst>
               <a:ext uri="{FF2B5EF4-FFF2-40B4-BE49-F238E27FC236}">
@@ -8784,7 +9756,7 @@
 </p:sld>
 </file>
 
-<file path=ppt/slides/slide16.xml><?xml version="1.0" encoding="utf-8"?>
+<file path=ppt/slides/slide17.xml><?xml version="1.0" encoding="utf-8"?>
 <p:sld xmlns:a="http://schemas.openxmlformats.org/drawingml/2006/main" xmlns:r="http://schemas.openxmlformats.org/officeDocument/2006/relationships" xmlns:p="http://schemas.openxmlformats.org/presentationml/2006/main">
   <p:cSld>
     <p:spTree>
@@ -9561,207 +10533,6 @@
 </p:sld>
 </file>
 
-<file path=ppt/slides/slide17.xml><?xml version="1.0" encoding="utf-8"?>
-<p:sld xmlns:a="http://schemas.openxmlformats.org/drawingml/2006/main" xmlns:r="http://schemas.openxmlformats.org/officeDocument/2006/relationships" xmlns:p="http://schemas.openxmlformats.org/presentationml/2006/main">
-  <p:cSld>
-    <p:spTree>
-      <p:nvGrpSpPr>
-        <p:cNvPr id="1" name=""/>
-        <p:cNvGrpSpPr/>
-        <p:nvPr/>
-      </p:nvGrpSpPr>
-      <p:grpSpPr>
-        <a:xfrm>
-          <a:off x="0" y="0"/>
-          <a:ext cx="0" cy="0"/>
-          <a:chOff x="0" y="0"/>
-          <a:chExt cx="0" cy="0"/>
-        </a:xfrm>
-      </p:grpSpPr>
-      <p:sp>
-        <p:nvSpPr>
-          <p:cNvPr id="6" name="Title 5">
-            <a:extLst>
-              <a:ext uri="{FF2B5EF4-FFF2-40B4-BE49-F238E27FC236}">
-                <a16:creationId xmlns:a16="http://schemas.microsoft.com/office/drawing/2014/main" id="{C31ADF34-D04A-8845-B91C-EAF98BC989AA}"/>
-              </a:ext>
-            </a:extLst>
-          </p:cNvPr>
-          <p:cNvSpPr>
-            <a:spLocks noGrp="1"/>
-          </p:cNvSpPr>
-          <p:nvPr>
-            <p:ph type="title"/>
-          </p:nvPr>
-        </p:nvSpPr>
-        <p:spPr/>
-        <p:txBody>
-          <a:bodyPr/>
-          <a:lstStyle/>
-          <a:p>
-            <a:r>
-              <a:rPr lang="en-US" dirty="0"/>
-              <a:t>Tokens</a:t>
-            </a:r>
-          </a:p>
-        </p:txBody>
-      </p:sp>
-      <p:sp>
-        <p:nvSpPr>
-          <p:cNvPr id="7" name="Content Placeholder 6">
-            <a:extLst>
-              <a:ext uri="{FF2B5EF4-FFF2-40B4-BE49-F238E27FC236}">
-                <a16:creationId xmlns:a16="http://schemas.microsoft.com/office/drawing/2014/main" id="{E8B19FC8-2A89-1745-BFA0-840C577A5863}"/>
-              </a:ext>
-            </a:extLst>
-          </p:cNvPr>
-          <p:cNvSpPr>
-            <a:spLocks noGrp="1"/>
-          </p:cNvSpPr>
-          <p:nvPr>
-            <p:ph idx="1"/>
-          </p:nvPr>
-        </p:nvSpPr>
-        <p:spPr/>
-        <p:txBody>
-          <a:bodyPr>
-            <a:normAutofit fontScale="92500" lnSpcReduction="20000"/>
-          </a:bodyPr>
-          <a:lstStyle/>
-          <a:p>
-            <a:r>
-              <a:rPr lang="en-US" dirty="0"/>
-              <a:t>integer literals: 0, 10, -22, etc.</a:t>
-            </a:r>
-          </a:p>
-          <a:p>
-            <a:r>
-              <a:rPr lang="en-US" dirty="0"/>
-              <a:t>+</a:t>
-            </a:r>
-          </a:p>
-          <a:p>
-            <a:r>
-              <a:rPr lang="en-US" dirty="0"/>
-              <a:t>*</a:t>
-            </a:r>
-          </a:p>
-          <a:p>
-            <a:r>
-              <a:rPr lang="en-US" dirty="0"/>
-              <a:t>(</a:t>
-            </a:r>
-          </a:p>
-          <a:p>
-            <a:r>
-              <a:rPr lang="en-US" dirty="0"/>
-              <a:t>)</a:t>
-            </a:r>
-          </a:p>
-          <a:p>
-            <a:r>
-              <a:rPr lang="en-US" dirty="0">
-                <a:solidFill>
-                  <a:schemeClr val="accent6"/>
-                </a:solidFill>
-              </a:rPr>
-              <a:t>whitespace:  irrelevant</a:t>
-            </a:r>
-          </a:p>
-          <a:p>
-            <a:endParaRPr lang="en-US" dirty="0"/>
-          </a:p>
-          <a:p>
-            <a:pPr marL="0" indent="0">
-              <a:buNone/>
-            </a:pPr>
-            <a:r>
-              <a:rPr lang="en-US" dirty="0"/>
-              <a:t>How to describe: regular expressions!</a:t>
-            </a:r>
-          </a:p>
-          <a:p>
-            <a:pPr marL="0" indent="0">
-              <a:buNone/>
-            </a:pPr>
-            <a:r>
-              <a:rPr lang="en-US" dirty="0"/>
-              <a:t>Tool: </a:t>
-            </a:r>
-            <a:r>
-              <a:rPr lang="en-US" dirty="0" err="1"/>
-              <a:t>ocamllex</a:t>
-            </a:r>
-            <a:r>
-              <a:rPr lang="en-US" dirty="0"/>
-              <a:t> (.</a:t>
-            </a:r>
-            <a:r>
-              <a:rPr lang="en-US" dirty="0" err="1"/>
-              <a:t>mll</a:t>
-            </a:r>
-            <a:r>
-              <a:rPr lang="en-US" dirty="0"/>
-              <a:t> files)</a:t>
-            </a:r>
-          </a:p>
-        </p:txBody>
-      </p:sp>
-      <p:sp>
-        <p:nvSpPr>
-          <p:cNvPr id="8" name="TextBox 7">
-            <a:extLst>
-              <a:ext uri="{FF2B5EF4-FFF2-40B4-BE49-F238E27FC236}">
-                <a16:creationId xmlns:a16="http://schemas.microsoft.com/office/drawing/2014/main" id="{A492A0B5-56EB-6E43-8655-C777A4E3BB56}"/>
-              </a:ext>
-            </a:extLst>
-          </p:cNvPr>
-          <p:cNvSpPr txBox="1"/>
-          <p:nvPr/>
-        </p:nvSpPr>
-        <p:spPr>
-          <a:xfrm>
-            <a:off x="7820832" y="6094812"/>
-            <a:ext cx="914033" cy="461665"/>
-          </a:xfrm>
-          <a:prstGeom prst="rect">
-            <a:avLst/>
-          </a:prstGeom>
-          <a:noFill/>
-        </p:spPr>
-        <p:txBody>
-          <a:bodyPr wrap="square" rtlCol="0">
-            <a:spAutoFit/>
-          </a:bodyPr>
-          <a:lstStyle/>
-          <a:p>
-            <a:r>
-              <a:rPr lang="en-US" sz="2400" dirty="0">
-                <a:solidFill>
-                  <a:schemeClr val="bg2">
-                    <a:lumMod val="50000"/>
-                  </a:schemeClr>
-                </a:solidFill>
-                <a:latin typeface="Cronos Pro" panose="020C0502030403020304" pitchFamily="34" charset="77"/>
-              </a:rPr>
-              <a:t>Demo</a:t>
-            </a:r>
-          </a:p>
-        </p:txBody>
-      </p:sp>
-    </p:spTree>
-    <p:extLst>
-      <p:ext uri="{BB962C8B-B14F-4D97-AF65-F5344CB8AC3E}">
-        <p14:creationId xmlns:p14="http://schemas.microsoft.com/office/powerpoint/2010/main" val="3730757350"/>
-      </p:ext>
-    </p:extLst>
-  </p:cSld>
-  <p:clrMapOvr>
-    <a:masterClrMapping/>
-  </p:clrMapOvr>
-</p:sld>
-</file>
-
 <file path=ppt/slides/slide18.xml><?xml version="1.0" encoding="utf-8"?>
 <p:sld xmlns:a="http://schemas.openxmlformats.org/drawingml/2006/main" xmlns:r="http://schemas.openxmlformats.org/officeDocument/2006/relationships" xmlns:p="http://schemas.openxmlformats.org/presentationml/2006/main">
   <p:cSld>
@@ -9781,6 +10552,207 @@
       </p:grpSpPr>
       <p:sp>
         <p:nvSpPr>
+          <p:cNvPr id="6" name="Title 5">
+            <a:extLst>
+              <a:ext uri="{FF2B5EF4-FFF2-40B4-BE49-F238E27FC236}">
+                <a16:creationId xmlns:a16="http://schemas.microsoft.com/office/drawing/2014/main" id="{C31ADF34-D04A-8845-B91C-EAF98BC989AA}"/>
+              </a:ext>
+            </a:extLst>
+          </p:cNvPr>
+          <p:cNvSpPr>
+            <a:spLocks noGrp="1"/>
+          </p:cNvSpPr>
+          <p:nvPr>
+            <p:ph type="title"/>
+          </p:nvPr>
+        </p:nvSpPr>
+        <p:spPr/>
+        <p:txBody>
+          <a:bodyPr/>
+          <a:lstStyle/>
+          <a:p>
+            <a:r>
+              <a:rPr lang="en-US" dirty="0"/>
+              <a:t>Tokens</a:t>
+            </a:r>
+          </a:p>
+        </p:txBody>
+      </p:sp>
+      <p:sp>
+        <p:nvSpPr>
+          <p:cNvPr id="7" name="Content Placeholder 6">
+            <a:extLst>
+              <a:ext uri="{FF2B5EF4-FFF2-40B4-BE49-F238E27FC236}">
+                <a16:creationId xmlns:a16="http://schemas.microsoft.com/office/drawing/2014/main" id="{E8B19FC8-2A89-1745-BFA0-840C577A5863}"/>
+              </a:ext>
+            </a:extLst>
+          </p:cNvPr>
+          <p:cNvSpPr>
+            <a:spLocks noGrp="1"/>
+          </p:cNvSpPr>
+          <p:nvPr>
+            <p:ph idx="1"/>
+          </p:nvPr>
+        </p:nvSpPr>
+        <p:spPr/>
+        <p:txBody>
+          <a:bodyPr>
+            <a:normAutofit fontScale="92500" lnSpcReduction="20000"/>
+          </a:bodyPr>
+          <a:lstStyle/>
+          <a:p>
+            <a:r>
+              <a:rPr lang="en-US" dirty="0"/>
+              <a:t>integer literals: 0, 10, -22, etc.</a:t>
+            </a:r>
+          </a:p>
+          <a:p>
+            <a:r>
+              <a:rPr lang="en-US" dirty="0"/>
+              <a:t>+</a:t>
+            </a:r>
+          </a:p>
+          <a:p>
+            <a:r>
+              <a:rPr lang="en-US" dirty="0"/>
+              <a:t>*</a:t>
+            </a:r>
+          </a:p>
+          <a:p>
+            <a:r>
+              <a:rPr lang="en-US" dirty="0"/>
+              <a:t>(</a:t>
+            </a:r>
+          </a:p>
+          <a:p>
+            <a:r>
+              <a:rPr lang="en-US" dirty="0"/>
+              <a:t>)</a:t>
+            </a:r>
+          </a:p>
+          <a:p>
+            <a:r>
+              <a:rPr lang="en-US" dirty="0">
+                <a:solidFill>
+                  <a:schemeClr val="accent6"/>
+                </a:solidFill>
+              </a:rPr>
+              <a:t>whitespace:  irrelevant</a:t>
+            </a:r>
+          </a:p>
+          <a:p>
+            <a:endParaRPr lang="en-US" dirty="0"/>
+          </a:p>
+          <a:p>
+            <a:pPr marL="0" indent="0">
+              <a:buNone/>
+            </a:pPr>
+            <a:r>
+              <a:rPr lang="en-US" dirty="0"/>
+              <a:t>How to describe: regular expressions!</a:t>
+            </a:r>
+          </a:p>
+          <a:p>
+            <a:pPr marL="0" indent="0">
+              <a:buNone/>
+            </a:pPr>
+            <a:r>
+              <a:rPr lang="en-US" dirty="0"/>
+              <a:t>Tool: </a:t>
+            </a:r>
+            <a:r>
+              <a:rPr lang="en-US" dirty="0" err="1"/>
+              <a:t>ocamllex</a:t>
+            </a:r>
+            <a:r>
+              <a:rPr lang="en-US" dirty="0"/>
+              <a:t> (.</a:t>
+            </a:r>
+            <a:r>
+              <a:rPr lang="en-US" dirty="0" err="1"/>
+              <a:t>mll</a:t>
+            </a:r>
+            <a:r>
+              <a:rPr lang="en-US" dirty="0"/>
+              <a:t> files)</a:t>
+            </a:r>
+          </a:p>
+        </p:txBody>
+      </p:sp>
+      <p:sp>
+        <p:nvSpPr>
+          <p:cNvPr id="8" name="TextBox 7">
+            <a:extLst>
+              <a:ext uri="{FF2B5EF4-FFF2-40B4-BE49-F238E27FC236}">
+                <a16:creationId xmlns:a16="http://schemas.microsoft.com/office/drawing/2014/main" id="{A492A0B5-56EB-6E43-8655-C777A4E3BB56}"/>
+              </a:ext>
+            </a:extLst>
+          </p:cNvPr>
+          <p:cNvSpPr txBox="1"/>
+          <p:nvPr/>
+        </p:nvSpPr>
+        <p:spPr>
+          <a:xfrm>
+            <a:off x="7820832" y="6094812"/>
+            <a:ext cx="914033" cy="461665"/>
+          </a:xfrm>
+          <a:prstGeom prst="rect">
+            <a:avLst/>
+          </a:prstGeom>
+          <a:noFill/>
+        </p:spPr>
+        <p:txBody>
+          <a:bodyPr wrap="square" rtlCol="0">
+            <a:spAutoFit/>
+          </a:bodyPr>
+          <a:lstStyle/>
+          <a:p>
+            <a:r>
+              <a:rPr lang="en-US" sz="2400" dirty="0">
+                <a:solidFill>
+                  <a:schemeClr val="bg2">
+                    <a:lumMod val="50000"/>
+                  </a:schemeClr>
+                </a:solidFill>
+                <a:latin typeface="Cronos Pro" panose="020C0502030403020304" pitchFamily="34" charset="77"/>
+              </a:rPr>
+              <a:t>Demo</a:t>
+            </a:r>
+          </a:p>
+        </p:txBody>
+      </p:sp>
+    </p:spTree>
+    <p:extLst>
+      <p:ext uri="{BB962C8B-B14F-4D97-AF65-F5344CB8AC3E}">
+        <p14:creationId xmlns:p14="http://schemas.microsoft.com/office/powerpoint/2010/main" val="3730757350"/>
+      </p:ext>
+    </p:extLst>
+  </p:cSld>
+  <p:clrMapOvr>
+    <a:masterClrMapping/>
+  </p:clrMapOvr>
+</p:sld>
+</file>
+
+<file path=ppt/slides/slide19.xml><?xml version="1.0" encoding="utf-8"?>
+<p:sld xmlns:a="http://schemas.openxmlformats.org/drawingml/2006/main" xmlns:r="http://schemas.openxmlformats.org/officeDocument/2006/relationships" xmlns:p="http://schemas.openxmlformats.org/presentationml/2006/main">
+  <p:cSld>
+    <p:spTree>
+      <p:nvGrpSpPr>
+        <p:cNvPr id="1" name=""/>
+        <p:cNvGrpSpPr/>
+        <p:nvPr/>
+      </p:nvGrpSpPr>
+      <p:grpSpPr>
+        <a:xfrm>
+          <a:off x="0" y="0"/>
+          <a:ext cx="0" cy="0"/>
+          <a:chOff x="0" y="0"/>
+          <a:chExt cx="0" cy="0"/>
+        </a:xfrm>
+      </p:grpSpPr>
+      <p:sp>
+        <p:nvSpPr>
           <p:cNvPr id="4" name="Title 3">
             <a:extLst>
               <a:ext uri="{FF2B5EF4-FFF2-40B4-BE49-F238E27FC236}">
@@ -9845,7 +10817,90 @@
 </p:sld>
 </file>
 
-<file path=ppt/slides/slide19.xml><?xml version="1.0" encoding="utf-8"?>
+<file path=ppt/slides/slide2.xml><?xml version="1.0" encoding="utf-8"?>
+<p:sld xmlns:a="http://schemas.openxmlformats.org/drawingml/2006/main" xmlns:r="http://schemas.openxmlformats.org/officeDocument/2006/relationships" xmlns:p="http://schemas.openxmlformats.org/presentationml/2006/main">
+  <p:cSld>
+    <p:spTree>
+      <p:nvGrpSpPr>
+        <p:cNvPr id="1" name=""/>
+        <p:cNvGrpSpPr/>
+        <p:nvPr/>
+      </p:nvGrpSpPr>
+      <p:grpSpPr>
+        <a:xfrm>
+          <a:off x="0" y="0"/>
+          <a:ext cx="0" cy="0"/>
+          <a:chOff x="0" y="0"/>
+          <a:chExt cx="0" cy="0"/>
+        </a:xfrm>
+      </p:grpSpPr>
+      <p:sp>
+        <p:nvSpPr>
+          <p:cNvPr id="4" name="Title 3">
+            <a:extLst>
+              <a:ext uri="{FF2B5EF4-FFF2-40B4-BE49-F238E27FC236}">
+                <a16:creationId xmlns:a16="http://schemas.microsoft.com/office/drawing/2014/main" id="{C656D6FB-56E5-9D41-A6DF-1F43098AE669}"/>
+              </a:ext>
+            </a:extLst>
+          </p:cNvPr>
+          <p:cNvSpPr>
+            <a:spLocks noGrp="1"/>
+          </p:cNvSpPr>
+          <p:nvPr>
+            <p:ph type="title"/>
+          </p:nvPr>
+        </p:nvSpPr>
+        <p:spPr/>
+        <p:txBody>
+          <a:bodyPr/>
+          <a:lstStyle/>
+          <a:p>
+            <a:r>
+              <a:rPr lang="en-US" dirty="0"/>
+              <a:t>Clicker Question 1</a:t>
+            </a:r>
+          </a:p>
+        </p:txBody>
+      </p:sp>
+      <p:sp>
+        <p:nvSpPr>
+          <p:cNvPr id="5" name="Text Placeholder 4">
+            <a:extLst>
+              <a:ext uri="{FF2B5EF4-FFF2-40B4-BE49-F238E27FC236}">
+                <a16:creationId xmlns:a16="http://schemas.microsoft.com/office/drawing/2014/main" id="{587E35F2-0750-B449-9FFA-4D36992896AB}"/>
+              </a:ext>
+            </a:extLst>
+          </p:cNvPr>
+          <p:cNvSpPr>
+            <a:spLocks noGrp="1"/>
+          </p:cNvSpPr>
+          <p:nvPr>
+            <p:ph type="body" idx="1"/>
+          </p:nvPr>
+        </p:nvSpPr>
+        <p:spPr/>
+        <p:txBody>
+          <a:bodyPr/>
+          <a:lstStyle/>
+          <a:p>
+            <a:endParaRPr lang="en-US"/>
+          </a:p>
+        </p:txBody>
+      </p:sp>
+    </p:spTree>
+    <p:extLst>
+      <p:ext uri="{BB962C8B-B14F-4D97-AF65-F5344CB8AC3E}">
+        <p14:creationId xmlns:p14="http://schemas.microsoft.com/office/powerpoint/2010/main" val="3158994407"/>
+      </p:ext>
+    </p:extLst>
+  </p:cSld>
+  <p:clrMapOvr>
+    <a:masterClrMapping/>
+  </p:clrMapOvr>
+</p:sld>
+</file>
+
+<file path=ppt/slides/slide20.xml><?xml version="1.0" encoding="utf-8"?>
 <p:sld xmlns:a="http://schemas.openxmlformats.org/drawingml/2006/main" xmlns:r="http://schemas.openxmlformats.org/officeDocument/2006/relationships" xmlns:p="http://schemas.openxmlformats.org/presentationml/2006/main">
   <p:cSld>
     <p:spTree>
@@ -11244,130 +12299,7 @@
 </p:sld>
 </file>
 
-<file path=ppt/slides/slide2.xml><?xml version="1.0" encoding="utf-8"?>
-<p:sld xmlns:a="http://schemas.openxmlformats.org/drawingml/2006/main" xmlns:r="http://schemas.openxmlformats.org/officeDocument/2006/relationships" xmlns:p="http://schemas.openxmlformats.org/presentationml/2006/main">
-  <p:cSld>
-    <p:spTree>
-      <p:nvGrpSpPr>
-        <p:cNvPr id="1" name=""/>
-        <p:cNvGrpSpPr/>
-        <p:nvPr/>
-      </p:nvGrpSpPr>
-      <p:grpSpPr>
-        <a:xfrm>
-          <a:off x="0" y="0"/>
-          <a:ext cx="0" cy="0"/>
-          <a:chOff x="0" y="0"/>
-          <a:chExt cx="0" cy="0"/>
-        </a:xfrm>
-      </p:grpSpPr>
-      <p:sp>
-        <p:nvSpPr>
-          <p:cNvPr id="2" name="Title 1"/>
-          <p:cNvSpPr>
-            <a:spLocks noGrp="1"/>
-          </p:cNvSpPr>
-          <p:nvPr>
-            <p:ph type="title"/>
-          </p:nvPr>
-        </p:nvSpPr>
-        <p:spPr/>
-        <p:txBody>
-          <a:bodyPr/>
-          <a:lstStyle/>
-          <a:p>
-            <a:r>
-              <a:rPr lang="en-US" dirty="0"/>
-              <a:t>Review</a:t>
-            </a:r>
-          </a:p>
-        </p:txBody>
-      </p:sp>
-      <p:sp>
-        <p:nvSpPr>
-          <p:cNvPr id="3" name="Content Placeholder 2"/>
-          <p:cNvSpPr>
-            <a:spLocks noGrp="1"/>
-          </p:cNvSpPr>
-          <p:nvPr>
-            <p:ph idx="1"/>
-          </p:nvPr>
-        </p:nvSpPr>
-        <p:spPr/>
-        <p:txBody>
-          <a:bodyPr>
-            <a:normAutofit/>
-          </a:bodyPr>
-          <a:lstStyle/>
-          <a:p>
-            <a:pPr marL="0" indent="0">
-              <a:buNone/>
-            </a:pPr>
-            <a:r>
-              <a:rPr lang="en-US" b="1" dirty="0"/>
-              <a:t>Previously in 3110:</a:t>
-            </a:r>
-          </a:p>
-          <a:p>
-            <a:r>
-              <a:rPr lang="en-US" dirty="0"/>
-              <a:t>functional programming</a:t>
-            </a:r>
-          </a:p>
-          <a:p>
-            <a:r>
-              <a:rPr lang="en-US" dirty="0"/>
-              <a:t>modular programming</a:t>
-            </a:r>
-          </a:p>
-          <a:p>
-            <a:r>
-              <a:rPr lang="en-US" dirty="0"/>
-              <a:t>efficiency</a:t>
-            </a:r>
-          </a:p>
-          <a:p>
-            <a:endParaRPr lang="en-US" dirty="0"/>
-          </a:p>
-          <a:p>
-            <a:pPr marL="0" indent="0">
-              <a:buNone/>
-            </a:pPr>
-            <a:r>
-              <a:rPr lang="en-US" b="1" dirty="0"/>
-              <a:t>Today:</a:t>
-            </a:r>
-          </a:p>
-          <a:p>
-            <a:r>
-              <a:rPr lang="en-US" dirty="0"/>
-              <a:t>new unit of course:  </a:t>
-            </a:r>
-            <a:r>
-              <a:rPr lang="en-US" dirty="0">
-                <a:solidFill>
-                  <a:schemeClr val="accent1"/>
-                </a:solidFill>
-              </a:rPr>
-              <a:t>interpreters</a:t>
-            </a:r>
-          </a:p>
-        </p:txBody>
-      </p:sp>
-    </p:spTree>
-    <p:extLst>
-      <p:ext uri="{BB962C8B-B14F-4D97-AF65-F5344CB8AC3E}">
-        <p14:creationId xmlns:p14="http://schemas.microsoft.com/office/powerpoint/2010/main" val="3102393654"/>
-      </p:ext>
-    </p:extLst>
-  </p:cSld>
-  <p:clrMapOvr>
-    <a:masterClrMapping/>
-  </p:clrMapOvr>
-</p:sld>
-</file>
-
-<file path=ppt/slides/slide20.xml><?xml version="1.0" encoding="utf-8"?>
+<file path=ppt/slides/slide21.xml><?xml version="1.0" encoding="utf-8"?>
 <p:sld xmlns:a="http://schemas.openxmlformats.org/drawingml/2006/main" xmlns:r="http://schemas.openxmlformats.org/officeDocument/2006/relationships" xmlns:p="http://schemas.openxmlformats.org/presentationml/2006/main">
   <p:cSld>
     <p:spTree>
@@ -12566,7 +13498,90 @@
 </p:sld>
 </file>
 
-<file path=ppt/slides/slide21.xml><?xml version="1.0" encoding="utf-8"?>
+<file path=ppt/slides/slide22.xml><?xml version="1.0" encoding="utf-8"?>
+<p:sld xmlns:a="http://schemas.openxmlformats.org/drawingml/2006/main" xmlns:r="http://schemas.openxmlformats.org/officeDocument/2006/relationships" xmlns:p="http://schemas.openxmlformats.org/presentationml/2006/main">
+  <p:cSld>
+    <p:spTree>
+      <p:nvGrpSpPr>
+        <p:cNvPr id="1" name=""/>
+        <p:cNvGrpSpPr/>
+        <p:nvPr/>
+      </p:nvGrpSpPr>
+      <p:grpSpPr>
+        <a:xfrm>
+          <a:off x="0" y="0"/>
+          <a:ext cx="0" cy="0"/>
+          <a:chOff x="0" y="0"/>
+          <a:chExt cx="0" cy="0"/>
+        </a:xfrm>
+      </p:grpSpPr>
+      <p:sp>
+        <p:nvSpPr>
+          <p:cNvPr id="4" name="Title 3">
+            <a:extLst>
+              <a:ext uri="{FF2B5EF4-FFF2-40B4-BE49-F238E27FC236}">
+                <a16:creationId xmlns:a16="http://schemas.microsoft.com/office/drawing/2014/main" id="{33ED3C56-B302-2041-BBA9-6F39161F9A19}"/>
+              </a:ext>
+            </a:extLst>
+          </p:cNvPr>
+          <p:cNvSpPr>
+            <a:spLocks noGrp="1"/>
+          </p:cNvSpPr>
+          <p:nvPr>
+            <p:ph type="title"/>
+          </p:nvPr>
+        </p:nvSpPr>
+        <p:spPr/>
+        <p:txBody>
+          <a:bodyPr/>
+          <a:lstStyle/>
+          <a:p>
+            <a:r>
+              <a:rPr lang="en-US" dirty="0"/>
+              <a:t>Clicker Question 2</a:t>
+            </a:r>
+          </a:p>
+        </p:txBody>
+      </p:sp>
+      <p:sp>
+        <p:nvSpPr>
+          <p:cNvPr id="5" name="Text Placeholder 4">
+            <a:extLst>
+              <a:ext uri="{FF2B5EF4-FFF2-40B4-BE49-F238E27FC236}">
+                <a16:creationId xmlns:a16="http://schemas.microsoft.com/office/drawing/2014/main" id="{65FBA960-B024-C840-807E-95D5C720CB70}"/>
+              </a:ext>
+            </a:extLst>
+          </p:cNvPr>
+          <p:cNvSpPr>
+            <a:spLocks noGrp="1"/>
+          </p:cNvSpPr>
+          <p:nvPr>
+            <p:ph type="body" idx="1"/>
+          </p:nvPr>
+        </p:nvSpPr>
+        <p:spPr/>
+        <p:txBody>
+          <a:bodyPr/>
+          <a:lstStyle/>
+          <a:p>
+            <a:endParaRPr lang="en-US"/>
+          </a:p>
+        </p:txBody>
+      </p:sp>
+    </p:spTree>
+    <p:extLst>
+      <p:ext uri="{BB962C8B-B14F-4D97-AF65-F5344CB8AC3E}">
+        <p14:creationId xmlns:p14="http://schemas.microsoft.com/office/powerpoint/2010/main" val="2857711264"/>
+      </p:ext>
+    </p:extLst>
+  </p:cSld>
+  <p:clrMapOvr>
+    <a:masterClrMapping/>
+  </p:clrMapOvr>
+</p:sld>
+</file>
+
+<file path=ppt/slides/slide23.xml><?xml version="1.0" encoding="utf-8"?>
 <p:sld xmlns:a="http://schemas.openxmlformats.org/drawingml/2006/main" xmlns:r="http://schemas.openxmlformats.org/officeDocument/2006/relationships" xmlns:p="http://schemas.openxmlformats.org/presentationml/2006/main">
   <p:cSld>
     <p:spTree>
@@ -12993,7 +14008,7 @@
 </p:sld>
 </file>
 
-<file path=ppt/slides/slide22.xml><?xml version="1.0" encoding="utf-8"?>
+<file path=ppt/slides/slide24.xml><?xml version="1.0" encoding="utf-8"?>
 <p:sld xmlns:a="http://schemas.openxmlformats.org/drawingml/2006/main" xmlns:r="http://schemas.openxmlformats.org/officeDocument/2006/relationships" xmlns:p="http://schemas.openxmlformats.org/presentationml/2006/main">
   <p:cSld>
     <p:spTree>
@@ -13229,859 +14244,6 @@
 </p:sld>
 </file>
 
-<file path=ppt/slides/slide23.xml><?xml version="1.0" encoding="utf-8"?>
-<p:sld xmlns:a="http://schemas.openxmlformats.org/drawingml/2006/main" xmlns:r="http://schemas.openxmlformats.org/officeDocument/2006/relationships" xmlns:p="http://schemas.openxmlformats.org/presentationml/2006/main">
-  <p:cSld>
-    <p:spTree>
-      <p:nvGrpSpPr>
-        <p:cNvPr id="1" name=""/>
-        <p:cNvGrpSpPr/>
-        <p:nvPr/>
-      </p:nvGrpSpPr>
-      <p:grpSpPr>
-        <a:xfrm>
-          <a:off x="0" y="0"/>
-          <a:ext cx="0" cy="0"/>
-          <a:chOff x="0" y="0"/>
-          <a:chExt cx="0" cy="0"/>
-        </a:xfrm>
-      </p:grpSpPr>
-      <p:sp>
-        <p:nvSpPr>
-          <p:cNvPr id="2" name="Title 1">
-            <a:extLst>
-              <a:ext uri="{FF2B5EF4-FFF2-40B4-BE49-F238E27FC236}">
-                <a16:creationId xmlns:a16="http://schemas.microsoft.com/office/drawing/2014/main" id="{D95F10AB-31D5-8B4B-848E-EAC65E3002B6}"/>
-              </a:ext>
-            </a:extLst>
-          </p:cNvPr>
-          <p:cNvSpPr>
-            <a:spLocks noGrp="1"/>
-          </p:cNvSpPr>
-          <p:nvPr>
-            <p:ph type="title"/>
-          </p:nvPr>
-        </p:nvSpPr>
-        <p:spPr/>
-        <p:txBody>
-          <a:bodyPr/>
-          <a:lstStyle/>
-          <a:p>
-            <a:r>
-              <a:rPr lang="en-US"/>
-              <a:t>Grammar</a:t>
-            </a:r>
-            <a:endParaRPr lang="en-US" dirty="0"/>
-          </a:p>
-        </p:txBody>
-      </p:sp>
-      <p:sp>
-        <p:nvSpPr>
-          <p:cNvPr id="4" name="Content Placeholder 3">
-            <a:extLst>
-              <a:ext uri="{FF2B5EF4-FFF2-40B4-BE49-F238E27FC236}">
-                <a16:creationId xmlns:a16="http://schemas.microsoft.com/office/drawing/2014/main" id="{66193CE9-6BD8-304C-94FA-63072D8B5539}"/>
-              </a:ext>
-            </a:extLst>
-          </p:cNvPr>
-          <p:cNvSpPr>
-            <a:spLocks noGrp="1"/>
-          </p:cNvSpPr>
-          <p:nvPr>
-            <p:ph idx="1"/>
-          </p:nvPr>
-        </p:nvSpPr>
-        <p:spPr/>
-        <p:txBody>
-          <a:bodyPr>
-            <a:normAutofit fontScale="77500" lnSpcReduction="20000"/>
-          </a:bodyPr>
-          <a:lstStyle/>
-          <a:p>
-            <a:pPr marL="0" indent="0">
-              <a:buNone/>
-            </a:pPr>
-            <a:r>
-              <a:rPr lang="en-US" b="1" dirty="0">
-                <a:latin typeface="Courier New"/>
-                <a:cs typeface="Courier New"/>
-              </a:rPr>
-              <a:t>e </a:t>
-            </a:r>
-            <a:r>
-              <a:rPr lang="en-US" b="1" dirty="0">
-                <a:solidFill>
-                  <a:schemeClr val="tx2">
-                    <a:lumMod val="60000"/>
-                    <a:lumOff val="40000"/>
-                  </a:schemeClr>
-                </a:solidFill>
-                <a:latin typeface="Courier New"/>
-                <a:cs typeface="Courier New"/>
-              </a:rPr>
-              <a:t>::=</a:t>
-            </a:r>
-            <a:r>
-              <a:rPr lang="en-US" b="1" dirty="0">
-                <a:latin typeface="Courier New"/>
-                <a:cs typeface="Courier New"/>
-              </a:rPr>
-              <a:t> </a:t>
-            </a:r>
-            <a:r>
-              <a:rPr lang="en-US" b="1" dirty="0" err="1">
-                <a:latin typeface="Courier New"/>
-                <a:cs typeface="Courier New"/>
-              </a:rPr>
-              <a:t>i</a:t>
-            </a:r>
-            <a:r>
-              <a:rPr lang="en-US" b="1" dirty="0">
-                <a:latin typeface="Courier New"/>
-                <a:cs typeface="Courier New"/>
-              </a:rPr>
-              <a:t> </a:t>
-            </a:r>
-          </a:p>
-          <a:p>
-            <a:pPr marL="0" indent="0">
-              <a:buNone/>
-            </a:pPr>
-            <a:r>
-              <a:rPr lang="en-US" b="1" dirty="0">
-                <a:latin typeface="Courier New"/>
-                <a:cs typeface="Courier New"/>
-              </a:rPr>
-              <a:t>    </a:t>
-            </a:r>
-            <a:r>
-              <a:rPr lang="en-US" b="1" dirty="0">
-                <a:solidFill>
-                  <a:schemeClr val="tx2">
-                    <a:lumMod val="60000"/>
-                    <a:lumOff val="40000"/>
-                  </a:schemeClr>
-                </a:solidFill>
-                <a:latin typeface="Courier New"/>
-                <a:cs typeface="Courier New"/>
-              </a:rPr>
-              <a:t>|</a:t>
-            </a:r>
-            <a:r>
-              <a:rPr lang="en-US" b="1" dirty="0">
-                <a:latin typeface="Courier New"/>
-                <a:cs typeface="Courier New"/>
-              </a:rPr>
-              <a:t> e1 bop e2</a:t>
-            </a:r>
-          </a:p>
-          <a:p>
-            <a:pPr marL="0" indent="0">
-              <a:buNone/>
-            </a:pPr>
-            <a:r>
-              <a:rPr lang="en-US" b="1" dirty="0">
-                <a:latin typeface="Courier New"/>
-                <a:cs typeface="Courier New"/>
-              </a:rPr>
-              <a:t>    </a:t>
-            </a:r>
-            <a:r>
-              <a:rPr lang="en-US" b="1" dirty="0">
-                <a:solidFill>
-                  <a:schemeClr val="tx2">
-                    <a:lumMod val="60000"/>
-                    <a:lumOff val="40000"/>
-                  </a:schemeClr>
-                </a:solidFill>
-                <a:latin typeface="Courier New"/>
-                <a:cs typeface="Courier New"/>
-              </a:rPr>
-              <a:t>|</a:t>
-            </a:r>
-            <a:r>
-              <a:rPr lang="en-US" b="1" dirty="0">
-                <a:latin typeface="Courier New"/>
-                <a:cs typeface="Courier New"/>
-              </a:rPr>
-              <a:t> ( e )</a:t>
-            </a:r>
-          </a:p>
-          <a:p>
-            <a:pPr marL="0" indent="0">
-              <a:buNone/>
-            </a:pPr>
-            <a:endParaRPr lang="en-US" b="1" dirty="0">
-              <a:latin typeface="Courier New"/>
-              <a:cs typeface="Courier New"/>
-            </a:endParaRPr>
-          </a:p>
-          <a:p>
-            <a:pPr marL="0" indent="0">
-              <a:buNone/>
-            </a:pPr>
-            <a:r>
-              <a:rPr lang="en-US" b="1" dirty="0">
-                <a:latin typeface="Courier New"/>
-                <a:cs typeface="Courier New"/>
-              </a:rPr>
-              <a:t>bop </a:t>
-            </a:r>
-            <a:r>
-              <a:rPr lang="en-US" b="1" dirty="0">
-                <a:solidFill>
-                  <a:schemeClr val="tx2">
-                    <a:lumMod val="60000"/>
-                    <a:lumOff val="40000"/>
-                  </a:schemeClr>
-                </a:solidFill>
-                <a:latin typeface="Courier New"/>
-                <a:cs typeface="Courier New"/>
-              </a:rPr>
-              <a:t>::=</a:t>
-            </a:r>
-            <a:r>
-              <a:rPr lang="en-US" b="1" dirty="0">
-                <a:latin typeface="Courier New"/>
-                <a:cs typeface="Courier New"/>
-              </a:rPr>
-              <a:t> + </a:t>
-            </a:r>
-            <a:r>
-              <a:rPr lang="en-US" b="1" dirty="0">
-                <a:solidFill>
-                  <a:schemeClr val="tx2">
-                    <a:lumMod val="60000"/>
-                    <a:lumOff val="40000"/>
-                  </a:schemeClr>
-                </a:solidFill>
-                <a:latin typeface="Courier New"/>
-                <a:cs typeface="Courier New"/>
-              </a:rPr>
-              <a:t>|</a:t>
-            </a:r>
-            <a:r>
-              <a:rPr lang="en-US" b="1" dirty="0">
-                <a:latin typeface="Courier New"/>
-                <a:cs typeface="Courier New"/>
-              </a:rPr>
-              <a:t> *</a:t>
-            </a:r>
-          </a:p>
-          <a:p>
-            <a:pPr marL="0" indent="0">
-              <a:buNone/>
-            </a:pPr>
-            <a:endParaRPr lang="en-US" b="1" dirty="0">
-              <a:latin typeface="Courier New"/>
-              <a:cs typeface="Courier New"/>
-            </a:endParaRPr>
-          </a:p>
-          <a:p>
-            <a:pPr marL="0" indent="0">
-              <a:buNone/>
-            </a:pPr>
-            <a:r>
-              <a:rPr lang="en-US" b="1" dirty="0" err="1">
-                <a:latin typeface="Courier New"/>
-                <a:cs typeface="Courier New"/>
-              </a:rPr>
-              <a:t>i</a:t>
-            </a:r>
-            <a:r>
-              <a:rPr lang="en-US" b="1" dirty="0">
-                <a:latin typeface="Courier New"/>
-                <a:cs typeface="Courier New"/>
-              </a:rPr>
-              <a:t> </a:t>
-            </a:r>
-            <a:r>
-              <a:rPr lang="en-US" b="1" dirty="0">
-                <a:solidFill>
-                  <a:schemeClr val="tx2">
-                    <a:lumMod val="60000"/>
-                    <a:lumOff val="40000"/>
-                  </a:schemeClr>
-                </a:solidFill>
-                <a:latin typeface="Courier New"/>
-                <a:cs typeface="Courier New"/>
-              </a:rPr>
-              <a:t>::=</a:t>
-            </a:r>
-            <a:r>
-              <a:rPr lang="en-US" b="1" dirty="0">
-                <a:latin typeface="Courier New"/>
-                <a:cs typeface="Courier New"/>
-              </a:rPr>
-              <a:t> </a:t>
-            </a:r>
-            <a:r>
-              <a:rPr lang="en-US" b="1" i="1" dirty="0">
-                <a:latin typeface="Courier New"/>
-                <a:cs typeface="Courier New"/>
-              </a:rPr>
-              <a:t>integers</a:t>
-            </a:r>
-          </a:p>
-          <a:p>
-            <a:pPr marL="0" indent="0">
-              <a:buNone/>
-            </a:pPr>
-            <a:endParaRPr lang="en-US" dirty="0"/>
-          </a:p>
-          <a:p>
-            <a:endParaRPr lang="en-US" dirty="0"/>
-          </a:p>
-          <a:p>
-            <a:r>
-              <a:rPr lang="en-US" dirty="0"/>
-              <a:t>How to describe: type for AST, and production rules</a:t>
-            </a:r>
-          </a:p>
-          <a:p>
-            <a:r>
-              <a:rPr lang="en-US" dirty="0"/>
-              <a:t>Tool:  </a:t>
-            </a:r>
-            <a:r>
-              <a:rPr lang="en-US" dirty="0" err="1"/>
-              <a:t>ocamlyacc</a:t>
-            </a:r>
-            <a:r>
-              <a:rPr lang="en-US" dirty="0"/>
-              <a:t> or </a:t>
-            </a:r>
-            <a:r>
-              <a:rPr lang="en-US" dirty="0" err="1"/>
-              <a:t>menhir</a:t>
-            </a:r>
-            <a:r>
-              <a:rPr lang="en-US" dirty="0"/>
-              <a:t> (.</a:t>
-            </a:r>
-            <a:r>
-              <a:rPr lang="en-US" dirty="0" err="1"/>
-              <a:t>mly</a:t>
-            </a:r>
-            <a:r>
-              <a:rPr lang="en-US" dirty="0"/>
-              <a:t> files)</a:t>
-            </a:r>
-          </a:p>
-        </p:txBody>
-      </p:sp>
-      <p:sp>
-        <p:nvSpPr>
-          <p:cNvPr id="9" name="TextBox 8">
-            <a:extLst>
-              <a:ext uri="{FF2B5EF4-FFF2-40B4-BE49-F238E27FC236}">
-                <a16:creationId xmlns:a16="http://schemas.microsoft.com/office/drawing/2014/main" id="{5CBD0A9F-0C52-7145-B363-CF1FD396FE16}"/>
-              </a:ext>
-            </a:extLst>
-          </p:cNvPr>
-          <p:cNvSpPr txBox="1"/>
-          <p:nvPr/>
-        </p:nvSpPr>
-        <p:spPr>
-          <a:xfrm>
-            <a:off x="7820832" y="6094812"/>
-            <a:ext cx="914033" cy="461665"/>
-          </a:xfrm>
-          <a:prstGeom prst="rect">
-            <a:avLst/>
-          </a:prstGeom>
-          <a:noFill/>
-        </p:spPr>
-        <p:txBody>
-          <a:bodyPr wrap="square" rtlCol="0">
-            <a:spAutoFit/>
-          </a:bodyPr>
-          <a:lstStyle/>
-          <a:p>
-            <a:r>
-              <a:rPr lang="en-US" sz="2400" dirty="0">
-                <a:solidFill>
-                  <a:schemeClr val="bg2">
-                    <a:lumMod val="50000"/>
-                  </a:schemeClr>
-                </a:solidFill>
-                <a:latin typeface="Cronos Pro" panose="020C0502030403020304" pitchFamily="34" charset="77"/>
-              </a:rPr>
-              <a:t>Demo</a:t>
-            </a:r>
-          </a:p>
-        </p:txBody>
-      </p:sp>
-    </p:spTree>
-    <p:extLst>
-      <p:ext uri="{BB962C8B-B14F-4D97-AF65-F5344CB8AC3E}">
-        <p14:creationId xmlns:p14="http://schemas.microsoft.com/office/powerpoint/2010/main" val="1516924981"/>
-      </p:ext>
-    </p:extLst>
-  </p:cSld>
-  <p:clrMapOvr>
-    <a:masterClrMapping/>
-  </p:clrMapOvr>
-</p:sld>
-</file>
-
-<file path=ppt/slides/slide24.xml><?xml version="1.0" encoding="utf-8"?>
-<p:sld xmlns:a="http://schemas.openxmlformats.org/drawingml/2006/main" xmlns:r="http://schemas.openxmlformats.org/officeDocument/2006/relationships" xmlns:p="http://schemas.openxmlformats.org/presentationml/2006/main">
-  <p:cSld>
-    <p:spTree>
-      <p:nvGrpSpPr>
-        <p:cNvPr id="1" name=""/>
-        <p:cNvGrpSpPr/>
-        <p:nvPr/>
-      </p:nvGrpSpPr>
-      <p:grpSpPr>
-        <a:xfrm>
-          <a:off x="0" y="0"/>
-          <a:ext cx="0" cy="0"/>
-          <a:chOff x="0" y="0"/>
-          <a:chExt cx="0" cy="0"/>
-        </a:xfrm>
-      </p:grpSpPr>
-      <p:sp>
-        <p:nvSpPr>
-          <p:cNvPr id="4" name="Title 3"/>
-          <p:cNvSpPr>
-            <a:spLocks noGrp="1"/>
-          </p:cNvSpPr>
-          <p:nvPr>
-            <p:ph type="title"/>
-          </p:nvPr>
-        </p:nvSpPr>
-        <p:spPr/>
-        <p:txBody>
-          <a:bodyPr/>
-          <a:lstStyle/>
-          <a:p>
-            <a:r>
-              <a:rPr lang="en-US" dirty="0"/>
-              <a:t>AST vs BNF: note similarity</a:t>
-            </a:r>
-          </a:p>
-        </p:txBody>
-      </p:sp>
-      <p:sp>
-        <p:nvSpPr>
-          <p:cNvPr id="5" name="Content Placeholder 4"/>
-          <p:cNvSpPr>
-            <a:spLocks noGrp="1"/>
-          </p:cNvSpPr>
-          <p:nvPr>
-            <p:ph idx="1"/>
-          </p:nvPr>
-        </p:nvSpPr>
-        <p:spPr/>
-        <p:txBody>
-          <a:bodyPr>
-            <a:normAutofit fontScale="70000" lnSpcReduction="20000"/>
-          </a:bodyPr>
-          <a:lstStyle/>
-          <a:p>
-            <a:pPr marL="0" indent="0">
-              <a:buNone/>
-            </a:pPr>
-            <a:r>
-              <a:rPr lang="en-US" b="1" dirty="0">
-                <a:latin typeface="Courier New"/>
-                <a:cs typeface="Courier New"/>
-              </a:rPr>
-              <a:t>e ::= </a:t>
-            </a:r>
-            <a:r>
-              <a:rPr lang="en-US" b="1" dirty="0" err="1">
-                <a:latin typeface="Courier New"/>
-                <a:cs typeface="Courier New"/>
-              </a:rPr>
-              <a:t>i</a:t>
-            </a:r>
-            <a:r>
-              <a:rPr lang="en-US" b="1" dirty="0">
-                <a:latin typeface="Courier New"/>
-                <a:cs typeface="Courier New"/>
-              </a:rPr>
-              <a:t> | e1 bop e2</a:t>
-            </a:r>
-          </a:p>
-          <a:p>
-            <a:pPr marL="0" indent="0">
-              <a:buNone/>
-            </a:pPr>
-            <a:endParaRPr lang="en-US" dirty="0"/>
-          </a:p>
-          <a:p>
-            <a:pPr marL="0" indent="0">
-              <a:buNone/>
-            </a:pPr>
-            <a:r>
-              <a:rPr lang="en-US" b="1" dirty="0">
-                <a:solidFill>
-                  <a:srgbClr val="6B0001"/>
-                </a:solidFill>
-                <a:latin typeface="Courier-Bold" charset="0"/>
-              </a:rPr>
-              <a:t>type</a:t>
-            </a:r>
-            <a:r>
-              <a:rPr lang="en-US" dirty="0">
-                <a:solidFill>
-                  <a:srgbClr val="000000"/>
-                </a:solidFill>
-                <a:latin typeface="Courier" charset="0"/>
-              </a:rPr>
-              <a:t> expr </a:t>
-            </a:r>
-            <a:r>
-              <a:rPr lang="en-US" dirty="0">
-                <a:solidFill>
-                  <a:srgbClr val="6D6F24"/>
-                </a:solidFill>
-                <a:latin typeface="Courier" charset="0"/>
-              </a:rPr>
-              <a:t>=</a:t>
-            </a:r>
-            <a:endParaRPr lang="en-US" dirty="0">
-              <a:solidFill>
-                <a:srgbClr val="000000"/>
-              </a:solidFill>
-              <a:latin typeface="Courier" charset="0"/>
-            </a:endParaRPr>
-          </a:p>
-          <a:p>
-            <a:pPr marL="0" indent="0">
-              <a:buNone/>
-            </a:pPr>
-            <a:r>
-              <a:rPr lang="en-US" dirty="0">
-                <a:solidFill>
-                  <a:srgbClr val="6D6F24"/>
-                </a:solidFill>
-                <a:latin typeface="Courier" charset="0"/>
-              </a:rPr>
-              <a:t>  |</a:t>
-            </a:r>
-            <a:r>
-              <a:rPr lang="en-US" dirty="0">
-                <a:solidFill>
-                  <a:srgbClr val="000000"/>
-                </a:solidFill>
-                <a:latin typeface="Courier" charset="0"/>
-              </a:rPr>
-              <a:t> </a:t>
-            </a:r>
-            <a:r>
-              <a:rPr lang="en-US" dirty="0" err="1">
-                <a:solidFill>
-                  <a:srgbClr val="000000"/>
-                </a:solidFill>
-                <a:latin typeface="Courier" charset="0"/>
-              </a:rPr>
-              <a:t>Int</a:t>
-            </a:r>
-            <a:r>
-              <a:rPr lang="en-US" dirty="0">
-                <a:solidFill>
-                  <a:srgbClr val="000000"/>
-                </a:solidFill>
-                <a:latin typeface="Courier" charset="0"/>
-              </a:rPr>
-              <a:t> </a:t>
-            </a:r>
-            <a:r>
-              <a:rPr lang="en-US" b="1" dirty="0">
-                <a:solidFill>
-                  <a:srgbClr val="6B0001"/>
-                </a:solidFill>
-                <a:latin typeface="Courier-Bold" charset="0"/>
-              </a:rPr>
-              <a:t>of</a:t>
-            </a:r>
-            <a:r>
-              <a:rPr lang="en-US" dirty="0">
-                <a:solidFill>
-                  <a:srgbClr val="000000"/>
-                </a:solidFill>
-                <a:latin typeface="Courier" charset="0"/>
-              </a:rPr>
-              <a:t> </a:t>
-            </a:r>
-            <a:r>
-              <a:rPr lang="en-US" b="1" dirty="0" err="1">
-                <a:solidFill>
-                  <a:srgbClr val="6B0001"/>
-                </a:solidFill>
-                <a:latin typeface="Courier-Bold" charset="0"/>
-              </a:rPr>
-              <a:t>int</a:t>
-            </a:r>
-            <a:endParaRPr lang="en-US" dirty="0">
-              <a:solidFill>
-                <a:srgbClr val="000000"/>
-              </a:solidFill>
-              <a:latin typeface="Courier" charset="0"/>
-            </a:endParaRPr>
-          </a:p>
-          <a:p>
-            <a:pPr marL="0" indent="0">
-              <a:buNone/>
-            </a:pPr>
-            <a:r>
-              <a:rPr lang="en-US" dirty="0">
-                <a:solidFill>
-                  <a:srgbClr val="6D6F24"/>
-                </a:solidFill>
-                <a:latin typeface="Courier" charset="0"/>
-              </a:rPr>
-              <a:t>  |</a:t>
-            </a:r>
-            <a:r>
-              <a:rPr lang="en-US" dirty="0">
-                <a:solidFill>
-                  <a:srgbClr val="000000"/>
-                </a:solidFill>
-                <a:latin typeface="Courier" charset="0"/>
-              </a:rPr>
-              <a:t> </a:t>
-            </a:r>
-            <a:r>
-              <a:rPr lang="en-US" dirty="0" err="1">
-                <a:solidFill>
-                  <a:srgbClr val="000000"/>
-                </a:solidFill>
-                <a:latin typeface="Courier" charset="0"/>
-              </a:rPr>
-              <a:t>Binop</a:t>
-            </a:r>
-            <a:r>
-              <a:rPr lang="en-US" dirty="0">
-                <a:solidFill>
-                  <a:srgbClr val="000000"/>
-                </a:solidFill>
-                <a:latin typeface="Courier" charset="0"/>
-              </a:rPr>
-              <a:t> </a:t>
-            </a:r>
-            <a:r>
-              <a:rPr lang="en-US" b="1" dirty="0">
-                <a:solidFill>
-                  <a:srgbClr val="6B0001"/>
-                </a:solidFill>
-                <a:latin typeface="Courier-Bold" charset="0"/>
-              </a:rPr>
-              <a:t>of</a:t>
-            </a:r>
-            <a:r>
-              <a:rPr lang="en-US" dirty="0">
-                <a:solidFill>
-                  <a:srgbClr val="000000"/>
-                </a:solidFill>
-                <a:latin typeface="Courier" charset="0"/>
-              </a:rPr>
-              <a:t> expr </a:t>
-            </a:r>
-            <a:r>
-              <a:rPr lang="en-US" dirty="0">
-                <a:solidFill>
-                  <a:srgbClr val="6D6F24"/>
-                </a:solidFill>
-                <a:latin typeface="Courier" charset="0"/>
-              </a:rPr>
-              <a:t>*</a:t>
-            </a:r>
-            <a:r>
-              <a:rPr lang="en-US" dirty="0">
-                <a:solidFill>
-                  <a:srgbClr val="000000"/>
-                </a:solidFill>
-                <a:latin typeface="Courier" charset="0"/>
-              </a:rPr>
-              <a:t> expr</a:t>
-            </a:r>
-          </a:p>
-          <a:p>
-            <a:pPr marL="0" indent="0">
-              <a:buNone/>
-            </a:pPr>
-            <a:endParaRPr lang="en-US" dirty="0">
-              <a:solidFill>
-                <a:srgbClr val="000000"/>
-              </a:solidFill>
-              <a:latin typeface="Courier" charset="0"/>
-            </a:endParaRPr>
-          </a:p>
-          <a:p>
-            <a:pPr marL="0" indent="0">
-              <a:buNone/>
-            </a:pPr>
-            <a:endParaRPr lang="en-US" dirty="0">
-              <a:solidFill>
-                <a:srgbClr val="000000"/>
-              </a:solidFill>
-              <a:latin typeface="Courier" charset="0"/>
-            </a:endParaRPr>
-          </a:p>
-          <a:p>
-            <a:pPr marL="0" indent="0">
-              <a:buNone/>
-            </a:pPr>
-            <a:endParaRPr lang="en-US" dirty="0">
-              <a:solidFill>
-                <a:srgbClr val="000000"/>
-              </a:solidFill>
-              <a:latin typeface="Courier" charset="0"/>
-            </a:endParaRPr>
-          </a:p>
-          <a:p>
-            <a:pPr marL="0" indent="0">
-              <a:buNone/>
-            </a:pPr>
-            <a:r>
-              <a:rPr lang="en-US" b="1" dirty="0">
-                <a:latin typeface="Courier New"/>
-                <a:cs typeface="Courier New"/>
-              </a:rPr>
-              <a:t>bop ::= + | *</a:t>
-            </a:r>
-          </a:p>
-          <a:p>
-            <a:pPr marL="0" indent="0">
-              <a:buNone/>
-            </a:pPr>
-            <a:endParaRPr lang="en-US" dirty="0">
-              <a:solidFill>
-                <a:srgbClr val="000000"/>
-              </a:solidFill>
-              <a:latin typeface="Courier" charset="0"/>
-            </a:endParaRPr>
-          </a:p>
-          <a:p>
-            <a:pPr marL="0" indent="0">
-              <a:buNone/>
-            </a:pPr>
-            <a:r>
-              <a:rPr lang="en-US" b="1" dirty="0">
-                <a:solidFill>
-                  <a:srgbClr val="6B0001"/>
-                </a:solidFill>
-                <a:latin typeface="Courier-Bold" charset="0"/>
-              </a:rPr>
-              <a:t>type</a:t>
-            </a:r>
-            <a:r>
-              <a:rPr lang="en-US" dirty="0">
-                <a:solidFill>
-                  <a:srgbClr val="000000"/>
-                </a:solidFill>
-                <a:latin typeface="Courier" charset="0"/>
-              </a:rPr>
-              <a:t> bop </a:t>
-            </a:r>
-            <a:r>
-              <a:rPr lang="en-US" dirty="0">
-                <a:solidFill>
-                  <a:srgbClr val="6D6F24"/>
-                </a:solidFill>
-                <a:latin typeface="Courier" charset="0"/>
-              </a:rPr>
-              <a:t>=</a:t>
-            </a:r>
-            <a:endParaRPr lang="en-US" dirty="0">
-              <a:solidFill>
-                <a:srgbClr val="000000"/>
-              </a:solidFill>
-              <a:latin typeface="Courier" charset="0"/>
-            </a:endParaRPr>
-          </a:p>
-          <a:p>
-            <a:pPr marL="0" indent="0">
-              <a:buNone/>
-            </a:pPr>
-            <a:r>
-              <a:rPr lang="en-US" dirty="0">
-                <a:solidFill>
-                  <a:srgbClr val="6D6F24"/>
-                </a:solidFill>
-                <a:latin typeface="Courier" charset="0"/>
-              </a:rPr>
-              <a:t>  |</a:t>
-            </a:r>
-            <a:r>
-              <a:rPr lang="en-US" dirty="0">
-                <a:solidFill>
-                  <a:srgbClr val="000000"/>
-                </a:solidFill>
-                <a:latin typeface="Courier" charset="0"/>
-              </a:rPr>
-              <a:t> Add</a:t>
-            </a:r>
-          </a:p>
-          <a:p>
-            <a:pPr marL="0" indent="0">
-              <a:buNone/>
-            </a:pPr>
-            <a:r>
-              <a:rPr lang="en-US" dirty="0">
-                <a:solidFill>
-                  <a:srgbClr val="6D6F24"/>
-                </a:solidFill>
-                <a:latin typeface="Courier" charset="0"/>
-              </a:rPr>
-              <a:t>  |</a:t>
-            </a:r>
-            <a:r>
-              <a:rPr lang="en-US" dirty="0">
-                <a:solidFill>
-                  <a:srgbClr val="000000"/>
-                </a:solidFill>
-                <a:latin typeface="Courier" charset="0"/>
-              </a:rPr>
-              <a:t> </a:t>
-            </a:r>
-            <a:r>
-              <a:rPr lang="en-US" dirty="0" err="1">
-                <a:solidFill>
-                  <a:srgbClr val="000000"/>
-                </a:solidFill>
-                <a:latin typeface="Courier" charset="0"/>
-              </a:rPr>
-              <a:t>Mult</a:t>
-            </a:r>
-            <a:endParaRPr lang="en-US" dirty="0">
-              <a:solidFill>
-                <a:srgbClr val="000000"/>
-              </a:solidFill>
-              <a:latin typeface="Courier" charset="0"/>
-            </a:endParaRPr>
-          </a:p>
-          <a:p>
-            <a:pPr marL="0" indent="0">
-              <a:buNone/>
-            </a:pPr>
-            <a:endParaRPr lang="en-US" dirty="0">
-              <a:solidFill>
-                <a:srgbClr val="000000"/>
-              </a:solidFill>
-              <a:latin typeface="Courier" charset="0"/>
-            </a:endParaRPr>
-          </a:p>
-        </p:txBody>
-      </p:sp>
-    </p:spTree>
-    <p:extLst>
-      <p:ext uri="{BB962C8B-B14F-4D97-AF65-F5344CB8AC3E}">
-        <p14:creationId xmlns:p14="http://schemas.microsoft.com/office/powerpoint/2010/main" val="1098388344"/>
-      </p:ext>
-    </p:extLst>
-  </p:cSld>
-  <p:clrMapOvr>
-    <a:masterClrMapping/>
-  </p:clrMapOvr>
-</p:sld>
-</file>
-
 <file path=ppt/slides/slide25.xml><?xml version="1.0" encoding="utf-8"?>
 <p:sld xmlns:a="http://schemas.openxmlformats.org/drawingml/2006/main" xmlns:r="http://schemas.openxmlformats.org/officeDocument/2006/relationships" xmlns:p="http://schemas.openxmlformats.org/presentationml/2006/main">
   <p:cSld>
@@ -14101,10 +14263,10 @@
       </p:grpSpPr>
       <p:sp>
         <p:nvSpPr>
-          <p:cNvPr id="4" name="Title 3">
+          <p:cNvPr id="2" name="Title 1">
             <a:extLst>
               <a:ext uri="{FF2B5EF4-FFF2-40B4-BE49-F238E27FC236}">
-                <a16:creationId xmlns:a16="http://schemas.microsoft.com/office/drawing/2014/main" id="{203CD607-C724-9240-9445-BB84894346E2}"/>
+                <a16:creationId xmlns:a16="http://schemas.microsoft.com/office/drawing/2014/main" id="{D95F10AB-31D5-8B4B-848E-EAC65E3002B6}"/>
               </a:ext>
             </a:extLst>
           </p:cNvPr>
@@ -14121,18 +14283,19 @@
           <a:lstStyle/>
           <a:p>
             <a:r>
-              <a:rPr lang="en-US" dirty="0"/>
-              <a:t>Type Checking</a:t>
-            </a:r>
+              <a:rPr lang="en-US"/>
+              <a:t>Grammar</a:t>
+            </a:r>
+            <a:endParaRPr lang="en-US" dirty="0"/>
           </a:p>
         </p:txBody>
       </p:sp>
       <p:sp>
         <p:nvSpPr>
-          <p:cNvPr id="5" name="Text Placeholder 4">
+          <p:cNvPr id="4" name="Content Placeholder 3">
             <a:extLst>
               <a:ext uri="{FF2B5EF4-FFF2-40B4-BE49-F238E27FC236}">
-                <a16:creationId xmlns:a16="http://schemas.microsoft.com/office/drawing/2014/main" id="{60179CDB-AD77-B241-A468-FF3A3011D1B8}"/>
+                <a16:creationId xmlns:a16="http://schemas.microsoft.com/office/drawing/2014/main" id="{66193CE9-6BD8-304C-94FA-63072D8B5539}"/>
               </a:ext>
             </a:extLst>
           </p:cNvPr>
@@ -14140,17 +14303,326 @@
             <a:spLocks noGrp="1"/>
           </p:cNvSpPr>
           <p:nvPr>
-            <p:ph type="body" idx="1"/>
+            <p:ph idx="1"/>
           </p:nvPr>
         </p:nvSpPr>
         <p:spPr/>
         <p:txBody>
-          <a:bodyPr/>
+          <a:bodyPr>
+            <a:normAutofit fontScale="77500" lnSpcReduction="20000"/>
+          </a:bodyPr>
           <a:lstStyle/>
           <a:p>
+            <a:pPr marL="0" indent="0">
+              <a:buNone/>
+            </a:pPr>
+            <a:r>
+              <a:rPr lang="en-US" b="1" dirty="0">
+                <a:latin typeface="Courier New"/>
+                <a:cs typeface="Courier New"/>
+              </a:rPr>
+              <a:t>e </a:t>
+            </a:r>
+            <a:r>
+              <a:rPr lang="en-US" b="1" dirty="0">
+                <a:solidFill>
+                  <a:schemeClr val="tx2">
+                    <a:lumMod val="60000"/>
+                    <a:lumOff val="40000"/>
+                  </a:schemeClr>
+                </a:solidFill>
+                <a:latin typeface="Courier New"/>
+                <a:cs typeface="Courier New"/>
+              </a:rPr>
+              <a:t>::=</a:t>
+            </a:r>
+            <a:r>
+              <a:rPr lang="en-US" b="1" dirty="0">
+                <a:latin typeface="Courier New"/>
+                <a:cs typeface="Courier New"/>
+              </a:rPr>
+              <a:t> </a:t>
+            </a:r>
+            <a:r>
+              <a:rPr lang="en-US" b="1" dirty="0" err="1">
+                <a:latin typeface="Courier New"/>
+                <a:cs typeface="Courier New"/>
+              </a:rPr>
+              <a:t>i</a:t>
+            </a:r>
+            <a:r>
+              <a:rPr lang="en-US" b="1" dirty="0">
+                <a:latin typeface="Courier New"/>
+                <a:cs typeface="Courier New"/>
+              </a:rPr>
+              <a:t> </a:t>
+            </a:r>
+          </a:p>
+          <a:p>
+            <a:pPr marL="0" indent="0">
+              <a:buNone/>
+            </a:pPr>
+            <a:r>
+              <a:rPr lang="en-US" b="1" dirty="0">
+                <a:latin typeface="Courier New"/>
+                <a:cs typeface="Courier New"/>
+              </a:rPr>
+              <a:t>    </a:t>
+            </a:r>
+            <a:r>
+              <a:rPr lang="en-US" b="1" dirty="0">
+                <a:solidFill>
+                  <a:schemeClr val="tx2">
+                    <a:lumMod val="60000"/>
+                    <a:lumOff val="40000"/>
+                  </a:schemeClr>
+                </a:solidFill>
+                <a:latin typeface="Courier New"/>
+                <a:cs typeface="Courier New"/>
+              </a:rPr>
+              <a:t>|</a:t>
+            </a:r>
+            <a:r>
+              <a:rPr lang="en-US" b="1" dirty="0">
+                <a:latin typeface="Courier New"/>
+                <a:cs typeface="Courier New"/>
+              </a:rPr>
+              <a:t> e1 bop e2</a:t>
+            </a:r>
+          </a:p>
+          <a:p>
+            <a:pPr marL="0" indent="0">
+              <a:buNone/>
+            </a:pPr>
+            <a:r>
+              <a:rPr lang="en-US" b="1" dirty="0">
+                <a:latin typeface="Courier New"/>
+                <a:cs typeface="Courier New"/>
+              </a:rPr>
+              <a:t>    </a:t>
+            </a:r>
+            <a:r>
+              <a:rPr lang="en-US" b="1" dirty="0">
+                <a:solidFill>
+                  <a:schemeClr val="tx2">
+                    <a:lumMod val="60000"/>
+                    <a:lumOff val="40000"/>
+                  </a:schemeClr>
+                </a:solidFill>
+                <a:latin typeface="Courier New"/>
+                <a:cs typeface="Courier New"/>
+              </a:rPr>
+              <a:t>|</a:t>
+            </a:r>
+            <a:r>
+              <a:rPr lang="en-US" b="1" dirty="0">
+                <a:latin typeface="Courier New"/>
+                <a:cs typeface="Courier New"/>
+              </a:rPr>
+              <a:t> ( e )</a:t>
+            </a:r>
+          </a:p>
+          <a:p>
+            <a:pPr marL="0" indent="0">
+              <a:buNone/>
+            </a:pPr>
+            <a:endParaRPr lang="en-US" b="1" dirty="0">
+              <a:latin typeface="Courier New"/>
+              <a:cs typeface="Courier New"/>
+            </a:endParaRPr>
+          </a:p>
+          <a:p>
+            <a:pPr marL="0" indent="0">
+              <a:buNone/>
+            </a:pPr>
+            <a:r>
+              <a:rPr lang="en-US" b="1" dirty="0">
+                <a:latin typeface="Courier New"/>
+                <a:cs typeface="Courier New"/>
+              </a:rPr>
+              <a:t>bop </a:t>
+            </a:r>
+            <a:r>
+              <a:rPr lang="en-US" b="1" dirty="0">
+                <a:solidFill>
+                  <a:schemeClr val="tx2">
+                    <a:lumMod val="60000"/>
+                    <a:lumOff val="40000"/>
+                  </a:schemeClr>
+                </a:solidFill>
+                <a:latin typeface="Courier New"/>
+                <a:cs typeface="Courier New"/>
+              </a:rPr>
+              <a:t>::=</a:t>
+            </a:r>
+            <a:r>
+              <a:rPr lang="en-US" b="1" dirty="0">
+                <a:latin typeface="Courier New"/>
+                <a:cs typeface="Courier New"/>
+              </a:rPr>
+              <a:t> + </a:t>
+            </a:r>
+            <a:r>
+              <a:rPr lang="en-US" b="1" dirty="0">
+                <a:solidFill>
+                  <a:schemeClr val="tx2">
+                    <a:lumMod val="60000"/>
+                    <a:lumOff val="40000"/>
+                  </a:schemeClr>
+                </a:solidFill>
+                <a:latin typeface="Courier New"/>
+                <a:cs typeface="Courier New"/>
+              </a:rPr>
+              <a:t>|</a:t>
+            </a:r>
+            <a:r>
+              <a:rPr lang="en-US" b="1" dirty="0">
+                <a:latin typeface="Courier New"/>
+                <a:cs typeface="Courier New"/>
+              </a:rPr>
+              <a:t> *</a:t>
+            </a:r>
+          </a:p>
+          <a:p>
+            <a:pPr marL="0" indent="0">
+              <a:buNone/>
+            </a:pPr>
+            <a:endParaRPr lang="en-US" b="1" dirty="0">
+              <a:latin typeface="Courier New"/>
+              <a:cs typeface="Courier New"/>
+            </a:endParaRPr>
+          </a:p>
+          <a:p>
+            <a:pPr marL="0" indent="0">
+              <a:buNone/>
+            </a:pPr>
+            <a:r>
+              <a:rPr lang="en-US" b="1" dirty="0" err="1">
+                <a:latin typeface="Courier New"/>
+                <a:cs typeface="Courier New"/>
+              </a:rPr>
+              <a:t>i</a:t>
+            </a:r>
+            <a:r>
+              <a:rPr lang="en-US" b="1" dirty="0">
+                <a:latin typeface="Courier New"/>
+                <a:cs typeface="Courier New"/>
+              </a:rPr>
+              <a:t> </a:t>
+            </a:r>
+            <a:r>
+              <a:rPr lang="en-US" b="1" dirty="0">
+                <a:solidFill>
+                  <a:schemeClr val="tx2">
+                    <a:lumMod val="60000"/>
+                    <a:lumOff val="40000"/>
+                  </a:schemeClr>
+                </a:solidFill>
+                <a:latin typeface="Courier New"/>
+                <a:cs typeface="Courier New"/>
+              </a:rPr>
+              <a:t>::=</a:t>
+            </a:r>
+            <a:r>
+              <a:rPr lang="en-US" b="1" dirty="0">
+                <a:latin typeface="Courier New"/>
+                <a:cs typeface="Courier New"/>
+              </a:rPr>
+              <a:t> </a:t>
+            </a:r>
+            <a:r>
+              <a:rPr lang="en-US" b="1" i="1" dirty="0">
+                <a:latin typeface="Courier New"/>
+                <a:cs typeface="Courier New"/>
+              </a:rPr>
+              <a:t>integers</a:t>
+            </a:r>
+          </a:p>
+          <a:p>
+            <a:pPr marL="0" indent="0">
+              <a:buNone/>
+            </a:pPr>
+            <a:endParaRPr lang="en-US" dirty="0"/>
+          </a:p>
+          <a:p>
+            <a:endParaRPr lang="en-US" dirty="0"/>
+          </a:p>
+          <a:p>
             <a:r>
               <a:rPr lang="en-US" dirty="0"/>
-              <a:t>We will skip this until the end of this unit of course</a:t>
+              <a:t>How to describe: type for AST, and production rules</a:t>
+            </a:r>
+          </a:p>
+          <a:p>
+            <a:r>
+              <a:rPr lang="en-US" dirty="0"/>
+              <a:t>Tool:  </a:t>
+            </a:r>
+            <a:r>
+              <a:rPr lang="en-US" dirty="0" err="1"/>
+              <a:t>ocamlyacc</a:t>
+            </a:r>
+            <a:r>
+              <a:rPr lang="en-US" dirty="0"/>
+              <a:t> or </a:t>
+            </a:r>
+            <a:r>
+              <a:rPr lang="en-US" dirty="0" err="1"/>
+              <a:t>menhir</a:t>
+            </a:r>
+            <a:r>
+              <a:rPr lang="en-US" dirty="0"/>
+              <a:t> (.</a:t>
+            </a:r>
+            <a:r>
+              <a:rPr lang="en-US" dirty="0" err="1"/>
+              <a:t>mly</a:t>
+            </a:r>
+            <a:r>
+              <a:rPr lang="en-US" dirty="0"/>
+              <a:t> files)</a:t>
+            </a:r>
+          </a:p>
+        </p:txBody>
+      </p:sp>
+      <p:sp>
+        <p:nvSpPr>
+          <p:cNvPr id="9" name="TextBox 8">
+            <a:extLst>
+              <a:ext uri="{FF2B5EF4-FFF2-40B4-BE49-F238E27FC236}">
+                <a16:creationId xmlns:a16="http://schemas.microsoft.com/office/drawing/2014/main" id="{5CBD0A9F-0C52-7145-B363-CF1FD396FE16}"/>
+              </a:ext>
+            </a:extLst>
+          </p:cNvPr>
+          <p:cNvSpPr txBox="1"/>
+          <p:nvPr/>
+        </p:nvSpPr>
+        <p:spPr>
+          <a:xfrm>
+            <a:off x="7820832" y="6094812"/>
+            <a:ext cx="914033" cy="461665"/>
+          </a:xfrm>
+          <a:prstGeom prst="rect">
+            <a:avLst/>
+          </a:prstGeom>
+          <a:noFill/>
+        </p:spPr>
+        <p:txBody>
+          <a:bodyPr wrap="square" rtlCol="0">
+            <a:spAutoFit/>
+          </a:bodyPr>
+          <a:lstStyle/>
+          <a:p>
+            <a:r>
+              <a:rPr lang="en-US" sz="2400" dirty="0">
+                <a:solidFill>
+                  <a:schemeClr val="bg2">
+                    <a:lumMod val="50000"/>
+                  </a:schemeClr>
+                </a:solidFill>
+                <a:latin typeface="Cronos Pro" panose="020C0502030403020304" pitchFamily="34" charset="77"/>
+              </a:rPr>
+              <a:t>Demo</a:t>
             </a:r>
           </a:p>
         </p:txBody>
@@ -14158,7 +14630,7 @@
     </p:spTree>
     <p:extLst>
       <p:ext uri="{BB962C8B-B14F-4D97-AF65-F5344CB8AC3E}">
-        <p14:creationId xmlns:p14="http://schemas.microsoft.com/office/powerpoint/2010/main" val="467816108"/>
+        <p14:creationId xmlns:p14="http://schemas.microsoft.com/office/powerpoint/2010/main" val="1516924981"/>
       </p:ext>
     </p:extLst>
   </p:cSld>
@@ -14187,6 +14659,561 @@
       </p:grpSpPr>
       <p:sp>
         <p:nvSpPr>
+          <p:cNvPr id="4" name="Title 3"/>
+          <p:cNvSpPr>
+            <a:spLocks noGrp="1"/>
+          </p:cNvSpPr>
+          <p:nvPr>
+            <p:ph type="title"/>
+          </p:nvPr>
+        </p:nvSpPr>
+        <p:spPr/>
+        <p:txBody>
+          <a:bodyPr/>
+          <a:lstStyle/>
+          <a:p>
+            <a:r>
+              <a:rPr lang="en-US" dirty="0"/>
+              <a:t>AST vs BNF: note similarity</a:t>
+            </a:r>
+          </a:p>
+        </p:txBody>
+      </p:sp>
+      <p:sp>
+        <p:nvSpPr>
+          <p:cNvPr id="5" name="Content Placeholder 4"/>
+          <p:cNvSpPr>
+            <a:spLocks noGrp="1"/>
+          </p:cNvSpPr>
+          <p:nvPr>
+            <p:ph idx="1"/>
+          </p:nvPr>
+        </p:nvSpPr>
+        <p:spPr/>
+        <p:txBody>
+          <a:bodyPr>
+            <a:normAutofit fontScale="70000" lnSpcReduction="20000"/>
+          </a:bodyPr>
+          <a:lstStyle/>
+          <a:p>
+            <a:pPr marL="0" indent="0">
+              <a:buNone/>
+            </a:pPr>
+            <a:r>
+              <a:rPr lang="en-US" b="1" dirty="0">
+                <a:latin typeface="Courier New"/>
+                <a:cs typeface="Courier New"/>
+              </a:rPr>
+              <a:t>e </a:t>
+            </a:r>
+            <a:r>
+              <a:rPr lang="en-US" b="1" dirty="0">
+                <a:solidFill>
+                  <a:schemeClr val="tx2">
+                    <a:lumMod val="60000"/>
+                    <a:lumOff val="40000"/>
+                  </a:schemeClr>
+                </a:solidFill>
+                <a:latin typeface="Courier New"/>
+                <a:cs typeface="Courier New"/>
+              </a:rPr>
+              <a:t>::=</a:t>
+            </a:r>
+            <a:r>
+              <a:rPr lang="en-US" b="1" dirty="0">
+                <a:latin typeface="Courier New"/>
+                <a:cs typeface="Courier New"/>
+              </a:rPr>
+              <a:t> </a:t>
+            </a:r>
+            <a:r>
+              <a:rPr lang="en-US" b="1" dirty="0" err="1">
+                <a:latin typeface="Courier New"/>
+                <a:cs typeface="Courier New"/>
+              </a:rPr>
+              <a:t>i</a:t>
+            </a:r>
+            <a:r>
+              <a:rPr lang="en-US" b="1" dirty="0">
+                <a:latin typeface="Courier New"/>
+                <a:cs typeface="Courier New"/>
+              </a:rPr>
+              <a:t> </a:t>
+            </a:r>
+            <a:r>
+              <a:rPr lang="en-US" b="1" dirty="0">
+                <a:solidFill>
+                  <a:schemeClr val="tx2">
+                    <a:lumMod val="60000"/>
+                    <a:lumOff val="40000"/>
+                  </a:schemeClr>
+                </a:solidFill>
+                <a:latin typeface="Courier New"/>
+                <a:cs typeface="Courier New"/>
+              </a:rPr>
+              <a:t>|</a:t>
+            </a:r>
+            <a:r>
+              <a:rPr lang="en-US" b="1" dirty="0">
+                <a:latin typeface="Courier New"/>
+                <a:cs typeface="Courier New"/>
+              </a:rPr>
+              <a:t> e1 bop e2 </a:t>
+            </a:r>
+            <a:r>
+              <a:rPr lang="en-US" b="1" dirty="0">
+                <a:solidFill>
+                  <a:schemeClr val="bg1">
+                    <a:lumMod val="65000"/>
+                  </a:schemeClr>
+                </a:solidFill>
+                <a:latin typeface="Courier New"/>
+                <a:cs typeface="Courier New"/>
+              </a:rPr>
+              <a:t>| ( e )</a:t>
+            </a:r>
+          </a:p>
+          <a:p>
+            <a:pPr marL="0" indent="0">
+              <a:buNone/>
+            </a:pPr>
+            <a:endParaRPr lang="en-US" dirty="0">
+              <a:solidFill>
+                <a:schemeClr val="bg1">
+                  <a:lumMod val="65000"/>
+                </a:schemeClr>
+              </a:solidFill>
+            </a:endParaRPr>
+          </a:p>
+          <a:p>
+            <a:pPr marL="0" indent="0">
+              <a:buNone/>
+            </a:pPr>
+            <a:r>
+              <a:rPr lang="en-US" b="1" dirty="0">
+                <a:solidFill>
+                  <a:srgbClr val="6B0001"/>
+                </a:solidFill>
+                <a:latin typeface="Courier-Bold" charset="0"/>
+              </a:rPr>
+              <a:t>type</a:t>
+            </a:r>
+            <a:r>
+              <a:rPr lang="en-US" dirty="0">
+                <a:solidFill>
+                  <a:srgbClr val="000000"/>
+                </a:solidFill>
+                <a:latin typeface="Courier" charset="0"/>
+              </a:rPr>
+              <a:t> expr </a:t>
+            </a:r>
+            <a:r>
+              <a:rPr lang="en-US" dirty="0">
+                <a:solidFill>
+                  <a:srgbClr val="6D6F24"/>
+                </a:solidFill>
+                <a:latin typeface="Courier" charset="0"/>
+              </a:rPr>
+              <a:t>=</a:t>
+            </a:r>
+            <a:endParaRPr lang="en-US" dirty="0">
+              <a:solidFill>
+                <a:srgbClr val="000000"/>
+              </a:solidFill>
+              <a:latin typeface="Courier" charset="0"/>
+            </a:endParaRPr>
+          </a:p>
+          <a:p>
+            <a:pPr marL="0" indent="0">
+              <a:buNone/>
+            </a:pPr>
+            <a:r>
+              <a:rPr lang="en-US" dirty="0">
+                <a:solidFill>
+                  <a:srgbClr val="6D6F24"/>
+                </a:solidFill>
+                <a:latin typeface="Courier" charset="0"/>
+              </a:rPr>
+              <a:t>  |</a:t>
+            </a:r>
+            <a:r>
+              <a:rPr lang="en-US" dirty="0">
+                <a:solidFill>
+                  <a:srgbClr val="000000"/>
+                </a:solidFill>
+                <a:latin typeface="Courier" charset="0"/>
+              </a:rPr>
+              <a:t> </a:t>
+            </a:r>
+            <a:r>
+              <a:rPr lang="en-US" dirty="0" err="1">
+                <a:solidFill>
+                  <a:srgbClr val="000000"/>
+                </a:solidFill>
+                <a:latin typeface="Courier" charset="0"/>
+              </a:rPr>
+              <a:t>Int</a:t>
+            </a:r>
+            <a:r>
+              <a:rPr lang="en-US" dirty="0">
+                <a:solidFill>
+                  <a:srgbClr val="000000"/>
+                </a:solidFill>
+                <a:latin typeface="Courier" charset="0"/>
+              </a:rPr>
+              <a:t> </a:t>
+            </a:r>
+            <a:r>
+              <a:rPr lang="en-US" b="1" dirty="0">
+                <a:solidFill>
+                  <a:srgbClr val="6B0001"/>
+                </a:solidFill>
+                <a:latin typeface="Courier-Bold" charset="0"/>
+              </a:rPr>
+              <a:t>of</a:t>
+            </a:r>
+            <a:r>
+              <a:rPr lang="en-US" dirty="0">
+                <a:solidFill>
+                  <a:srgbClr val="000000"/>
+                </a:solidFill>
+                <a:latin typeface="Courier" charset="0"/>
+              </a:rPr>
+              <a:t> </a:t>
+            </a:r>
+            <a:r>
+              <a:rPr lang="en-US" b="1" dirty="0" err="1">
+                <a:solidFill>
+                  <a:srgbClr val="6B0001"/>
+                </a:solidFill>
+                <a:latin typeface="Courier-Bold" charset="0"/>
+              </a:rPr>
+              <a:t>int</a:t>
+            </a:r>
+            <a:endParaRPr lang="en-US" dirty="0">
+              <a:solidFill>
+                <a:srgbClr val="000000"/>
+              </a:solidFill>
+              <a:latin typeface="Courier" charset="0"/>
+            </a:endParaRPr>
+          </a:p>
+          <a:p>
+            <a:pPr marL="0" indent="0">
+              <a:buNone/>
+            </a:pPr>
+            <a:r>
+              <a:rPr lang="en-US" dirty="0">
+                <a:solidFill>
+                  <a:srgbClr val="6D6F24"/>
+                </a:solidFill>
+                <a:latin typeface="Courier" charset="0"/>
+              </a:rPr>
+              <a:t>  |</a:t>
+            </a:r>
+            <a:r>
+              <a:rPr lang="en-US" dirty="0">
+                <a:solidFill>
+                  <a:srgbClr val="000000"/>
+                </a:solidFill>
+                <a:latin typeface="Courier" charset="0"/>
+              </a:rPr>
+              <a:t> </a:t>
+            </a:r>
+            <a:r>
+              <a:rPr lang="en-US" dirty="0" err="1">
+                <a:solidFill>
+                  <a:srgbClr val="000000"/>
+                </a:solidFill>
+                <a:latin typeface="Courier" charset="0"/>
+              </a:rPr>
+              <a:t>Binop</a:t>
+            </a:r>
+            <a:r>
+              <a:rPr lang="en-US" dirty="0">
+                <a:solidFill>
+                  <a:srgbClr val="000000"/>
+                </a:solidFill>
+                <a:latin typeface="Courier" charset="0"/>
+              </a:rPr>
+              <a:t> </a:t>
+            </a:r>
+            <a:r>
+              <a:rPr lang="en-US" b="1" dirty="0">
+                <a:solidFill>
+                  <a:srgbClr val="6B0001"/>
+                </a:solidFill>
+                <a:latin typeface="Courier-Bold" charset="0"/>
+              </a:rPr>
+              <a:t>of</a:t>
+            </a:r>
+            <a:r>
+              <a:rPr lang="en-US" dirty="0">
+                <a:solidFill>
+                  <a:srgbClr val="000000"/>
+                </a:solidFill>
+                <a:latin typeface="Courier" charset="0"/>
+              </a:rPr>
+              <a:t> expr </a:t>
+            </a:r>
+            <a:r>
+              <a:rPr lang="en-US" dirty="0">
+                <a:solidFill>
+                  <a:srgbClr val="6D6F24"/>
+                </a:solidFill>
+                <a:latin typeface="Courier" charset="0"/>
+              </a:rPr>
+              <a:t>*</a:t>
+            </a:r>
+            <a:r>
+              <a:rPr lang="en-US" dirty="0">
+                <a:solidFill>
+                  <a:srgbClr val="000000"/>
+                </a:solidFill>
+                <a:latin typeface="Courier" charset="0"/>
+              </a:rPr>
+              <a:t> expr</a:t>
+            </a:r>
+          </a:p>
+          <a:p>
+            <a:pPr marL="0" indent="0">
+              <a:buNone/>
+            </a:pPr>
+            <a:endParaRPr lang="en-US" dirty="0">
+              <a:solidFill>
+                <a:srgbClr val="000000"/>
+              </a:solidFill>
+              <a:latin typeface="Courier" charset="0"/>
+            </a:endParaRPr>
+          </a:p>
+          <a:p>
+            <a:pPr marL="0" indent="0">
+              <a:buNone/>
+            </a:pPr>
+            <a:endParaRPr lang="en-US" dirty="0">
+              <a:solidFill>
+                <a:srgbClr val="000000"/>
+              </a:solidFill>
+              <a:latin typeface="Courier" charset="0"/>
+            </a:endParaRPr>
+          </a:p>
+          <a:p>
+            <a:pPr marL="0" indent="0">
+              <a:buNone/>
+            </a:pPr>
+            <a:endParaRPr lang="en-US" dirty="0">
+              <a:solidFill>
+                <a:srgbClr val="000000"/>
+              </a:solidFill>
+              <a:latin typeface="Courier" charset="0"/>
+            </a:endParaRPr>
+          </a:p>
+          <a:p>
+            <a:pPr marL="0" indent="0">
+              <a:buNone/>
+            </a:pPr>
+            <a:r>
+              <a:rPr lang="en-US" b="1" dirty="0">
+                <a:latin typeface="Courier New"/>
+                <a:cs typeface="Courier New"/>
+              </a:rPr>
+              <a:t>bop </a:t>
+            </a:r>
+            <a:r>
+              <a:rPr lang="en-US" b="1" dirty="0">
+                <a:solidFill>
+                  <a:schemeClr val="tx2">
+                    <a:lumMod val="60000"/>
+                    <a:lumOff val="40000"/>
+                  </a:schemeClr>
+                </a:solidFill>
+                <a:latin typeface="Courier New"/>
+                <a:cs typeface="Courier New"/>
+              </a:rPr>
+              <a:t>::=</a:t>
+            </a:r>
+            <a:r>
+              <a:rPr lang="en-US" b="1" dirty="0">
+                <a:latin typeface="Courier New"/>
+                <a:cs typeface="Courier New"/>
+              </a:rPr>
+              <a:t> + </a:t>
+            </a:r>
+            <a:r>
+              <a:rPr lang="en-US" b="1" dirty="0">
+                <a:solidFill>
+                  <a:schemeClr val="tx2">
+                    <a:lumMod val="60000"/>
+                    <a:lumOff val="40000"/>
+                  </a:schemeClr>
+                </a:solidFill>
+                <a:latin typeface="Courier New"/>
+                <a:cs typeface="Courier New"/>
+              </a:rPr>
+              <a:t>|</a:t>
+            </a:r>
+            <a:r>
+              <a:rPr lang="en-US" b="1" dirty="0">
+                <a:latin typeface="Courier New"/>
+                <a:cs typeface="Courier New"/>
+              </a:rPr>
+              <a:t> *</a:t>
+            </a:r>
+          </a:p>
+          <a:p>
+            <a:pPr marL="0" indent="0">
+              <a:buNone/>
+            </a:pPr>
+            <a:endParaRPr lang="en-US" dirty="0">
+              <a:solidFill>
+                <a:srgbClr val="000000"/>
+              </a:solidFill>
+              <a:latin typeface="Courier" charset="0"/>
+            </a:endParaRPr>
+          </a:p>
+          <a:p>
+            <a:pPr marL="0" indent="0">
+              <a:buNone/>
+            </a:pPr>
+            <a:r>
+              <a:rPr lang="en-US" b="1" dirty="0">
+                <a:solidFill>
+                  <a:srgbClr val="6B0001"/>
+                </a:solidFill>
+                <a:latin typeface="Courier-Bold" charset="0"/>
+              </a:rPr>
+              <a:t>type</a:t>
+            </a:r>
+            <a:r>
+              <a:rPr lang="en-US" dirty="0">
+                <a:solidFill>
+                  <a:srgbClr val="000000"/>
+                </a:solidFill>
+                <a:latin typeface="Courier" charset="0"/>
+              </a:rPr>
+              <a:t> bop </a:t>
+            </a:r>
+            <a:r>
+              <a:rPr lang="en-US" dirty="0">
+                <a:solidFill>
+                  <a:srgbClr val="6D6F24"/>
+                </a:solidFill>
+                <a:latin typeface="Courier" charset="0"/>
+              </a:rPr>
+              <a:t>=</a:t>
+            </a:r>
+            <a:endParaRPr lang="en-US" dirty="0">
+              <a:solidFill>
+                <a:srgbClr val="000000"/>
+              </a:solidFill>
+              <a:latin typeface="Courier" charset="0"/>
+            </a:endParaRPr>
+          </a:p>
+          <a:p>
+            <a:pPr marL="0" indent="0">
+              <a:buNone/>
+            </a:pPr>
+            <a:r>
+              <a:rPr lang="en-US" dirty="0">
+                <a:solidFill>
+                  <a:srgbClr val="6D6F24"/>
+                </a:solidFill>
+                <a:latin typeface="Courier" charset="0"/>
+              </a:rPr>
+              <a:t>  |</a:t>
+            </a:r>
+            <a:r>
+              <a:rPr lang="en-US" dirty="0">
+                <a:solidFill>
+                  <a:srgbClr val="000000"/>
+                </a:solidFill>
+                <a:latin typeface="Courier" charset="0"/>
+              </a:rPr>
+              <a:t> Add</a:t>
+            </a:r>
+          </a:p>
+          <a:p>
+            <a:pPr marL="0" indent="0">
+              <a:buNone/>
+            </a:pPr>
+            <a:r>
+              <a:rPr lang="en-US" dirty="0">
+                <a:solidFill>
+                  <a:srgbClr val="6D6F24"/>
+                </a:solidFill>
+                <a:latin typeface="Courier" charset="0"/>
+              </a:rPr>
+              <a:t>  |</a:t>
+            </a:r>
+            <a:r>
+              <a:rPr lang="en-US" dirty="0">
+                <a:solidFill>
+                  <a:srgbClr val="000000"/>
+                </a:solidFill>
+                <a:latin typeface="Courier" charset="0"/>
+              </a:rPr>
+              <a:t> </a:t>
+            </a:r>
+            <a:r>
+              <a:rPr lang="en-US" dirty="0" err="1">
+                <a:solidFill>
+                  <a:srgbClr val="000000"/>
+                </a:solidFill>
+                <a:latin typeface="Courier" charset="0"/>
+              </a:rPr>
+              <a:t>Mult</a:t>
+            </a:r>
+            <a:endParaRPr lang="en-US" dirty="0">
+              <a:solidFill>
+                <a:srgbClr val="000000"/>
+              </a:solidFill>
+              <a:latin typeface="Courier" charset="0"/>
+            </a:endParaRPr>
+          </a:p>
+          <a:p>
+            <a:pPr marL="0" indent="0">
+              <a:buNone/>
+            </a:pPr>
+            <a:endParaRPr lang="en-US" dirty="0">
+              <a:solidFill>
+                <a:srgbClr val="000000"/>
+              </a:solidFill>
+              <a:latin typeface="Courier" charset="0"/>
+            </a:endParaRPr>
+          </a:p>
+        </p:txBody>
+      </p:sp>
+    </p:spTree>
+    <p:extLst>
+      <p:ext uri="{BB962C8B-B14F-4D97-AF65-F5344CB8AC3E}">
+        <p14:creationId xmlns:p14="http://schemas.microsoft.com/office/powerpoint/2010/main" val="1098388344"/>
+      </p:ext>
+    </p:extLst>
+  </p:cSld>
+  <p:clrMapOvr>
+    <a:masterClrMapping/>
+  </p:clrMapOvr>
+</p:sld>
+</file>
+
+<file path=ppt/slides/slide27.xml><?xml version="1.0" encoding="utf-8"?>
+<p:sld xmlns:a="http://schemas.openxmlformats.org/drawingml/2006/main" xmlns:r="http://schemas.openxmlformats.org/officeDocument/2006/relationships" xmlns:p="http://schemas.openxmlformats.org/presentationml/2006/main">
+  <p:cSld>
+    <p:spTree>
+      <p:nvGrpSpPr>
+        <p:cNvPr id="1" name=""/>
+        <p:cNvGrpSpPr/>
+        <p:nvPr/>
+      </p:nvGrpSpPr>
+      <p:grpSpPr>
+        <a:xfrm>
+          <a:off x="0" y="0"/>
+          <a:ext cx="0" cy="0"/>
+          <a:chOff x="0" y="0"/>
+          <a:chExt cx="0" cy="0"/>
+        </a:xfrm>
+      </p:grpSpPr>
+      <p:sp>
+        <p:nvSpPr>
           <p:cNvPr id="4" name="Title 3">
             <a:extLst>
               <a:ext uri="{FF2B5EF4-FFF2-40B4-BE49-F238E27FC236}">
@@ -14208,7 +15235,7 @@
           <a:p>
             <a:r>
               <a:rPr lang="en-US" dirty="0"/>
-              <a:t>Evaluation</a:t>
+              <a:t>Type Checking</a:t>
             </a:r>
           </a:p>
         </p:txBody>
@@ -14234,6 +15261,92 @@
           <a:bodyPr/>
           <a:lstStyle/>
           <a:p>
+            <a:r>
+              <a:rPr lang="en-US" dirty="0"/>
+              <a:t>We will skip this until the end of this unit of course</a:t>
+            </a:r>
+          </a:p>
+        </p:txBody>
+      </p:sp>
+    </p:spTree>
+    <p:extLst>
+      <p:ext uri="{BB962C8B-B14F-4D97-AF65-F5344CB8AC3E}">
+        <p14:creationId xmlns:p14="http://schemas.microsoft.com/office/powerpoint/2010/main" val="467816108"/>
+      </p:ext>
+    </p:extLst>
+  </p:cSld>
+  <p:clrMapOvr>
+    <a:masterClrMapping/>
+  </p:clrMapOvr>
+</p:sld>
+</file>
+
+<file path=ppt/slides/slide28.xml><?xml version="1.0" encoding="utf-8"?>
+<p:sld xmlns:a="http://schemas.openxmlformats.org/drawingml/2006/main" xmlns:r="http://schemas.openxmlformats.org/officeDocument/2006/relationships" xmlns:p="http://schemas.openxmlformats.org/presentationml/2006/main">
+  <p:cSld>
+    <p:spTree>
+      <p:nvGrpSpPr>
+        <p:cNvPr id="1" name=""/>
+        <p:cNvGrpSpPr/>
+        <p:nvPr/>
+      </p:nvGrpSpPr>
+      <p:grpSpPr>
+        <a:xfrm>
+          <a:off x="0" y="0"/>
+          <a:ext cx="0" cy="0"/>
+          <a:chOff x="0" y="0"/>
+          <a:chExt cx="0" cy="0"/>
+        </a:xfrm>
+      </p:grpSpPr>
+      <p:sp>
+        <p:nvSpPr>
+          <p:cNvPr id="4" name="Title 3">
+            <a:extLst>
+              <a:ext uri="{FF2B5EF4-FFF2-40B4-BE49-F238E27FC236}">
+                <a16:creationId xmlns:a16="http://schemas.microsoft.com/office/drawing/2014/main" id="{203CD607-C724-9240-9445-BB84894346E2}"/>
+              </a:ext>
+            </a:extLst>
+          </p:cNvPr>
+          <p:cNvSpPr>
+            <a:spLocks noGrp="1"/>
+          </p:cNvSpPr>
+          <p:nvPr>
+            <p:ph type="title"/>
+          </p:nvPr>
+        </p:nvSpPr>
+        <p:spPr/>
+        <p:txBody>
+          <a:bodyPr/>
+          <a:lstStyle/>
+          <a:p>
+            <a:r>
+              <a:rPr lang="en-US" dirty="0"/>
+              <a:t>Evaluation</a:t>
+            </a:r>
+          </a:p>
+        </p:txBody>
+      </p:sp>
+      <p:sp>
+        <p:nvSpPr>
+          <p:cNvPr id="5" name="Text Placeholder 4">
+            <a:extLst>
+              <a:ext uri="{FF2B5EF4-FFF2-40B4-BE49-F238E27FC236}">
+                <a16:creationId xmlns:a16="http://schemas.microsoft.com/office/drawing/2014/main" id="{60179CDB-AD77-B241-A468-FF3A3011D1B8}"/>
+              </a:ext>
+            </a:extLst>
+          </p:cNvPr>
+          <p:cNvSpPr>
+            <a:spLocks noGrp="1"/>
+          </p:cNvSpPr>
+          <p:nvPr>
+            <p:ph type="body" idx="1"/>
+          </p:nvPr>
+        </p:nvSpPr>
+        <p:spPr/>
+        <p:txBody>
+          <a:bodyPr/>
+          <a:lstStyle/>
+          <a:p>
             <a:endParaRPr lang="en-US"/>
           </a:p>
         </p:txBody>
@@ -14251,7 +15364,7 @@
 </p:sld>
 </file>
 
-<file path=ppt/slides/slide27.xml><?xml version="1.0" encoding="utf-8"?>
+<file path=ppt/slides/slide29.xml><?xml version="1.0" encoding="utf-8"?>
 <p:sld xmlns:a="http://schemas.openxmlformats.org/drawingml/2006/main" xmlns:r="http://schemas.openxmlformats.org/officeDocument/2006/relationships" xmlns:p="http://schemas.openxmlformats.org/presentationml/2006/main">
   <p:cSld>
     <p:spTree>
@@ -15142,7 +16255,130 @@
 </p:sld>
 </file>
 
-<file path=ppt/slides/slide28.xml><?xml version="1.0" encoding="utf-8"?>
+<file path=ppt/slides/slide3.xml><?xml version="1.0" encoding="utf-8"?>
+<p:sld xmlns:a="http://schemas.openxmlformats.org/drawingml/2006/main" xmlns:r="http://schemas.openxmlformats.org/officeDocument/2006/relationships" xmlns:p="http://schemas.openxmlformats.org/presentationml/2006/main">
+  <p:cSld>
+    <p:spTree>
+      <p:nvGrpSpPr>
+        <p:cNvPr id="1" name=""/>
+        <p:cNvGrpSpPr/>
+        <p:nvPr/>
+      </p:nvGrpSpPr>
+      <p:grpSpPr>
+        <a:xfrm>
+          <a:off x="0" y="0"/>
+          <a:ext cx="0" cy="0"/>
+          <a:chOff x="0" y="0"/>
+          <a:chExt cx="0" cy="0"/>
+        </a:xfrm>
+      </p:grpSpPr>
+      <p:sp>
+        <p:nvSpPr>
+          <p:cNvPr id="2" name="Title 1"/>
+          <p:cNvSpPr>
+            <a:spLocks noGrp="1"/>
+          </p:cNvSpPr>
+          <p:nvPr>
+            <p:ph type="title"/>
+          </p:nvPr>
+        </p:nvSpPr>
+        <p:spPr/>
+        <p:txBody>
+          <a:bodyPr/>
+          <a:lstStyle/>
+          <a:p>
+            <a:r>
+              <a:rPr lang="en-US" dirty="0"/>
+              <a:t>Review</a:t>
+            </a:r>
+          </a:p>
+        </p:txBody>
+      </p:sp>
+      <p:sp>
+        <p:nvSpPr>
+          <p:cNvPr id="3" name="Content Placeholder 2"/>
+          <p:cNvSpPr>
+            <a:spLocks noGrp="1"/>
+          </p:cNvSpPr>
+          <p:nvPr>
+            <p:ph idx="1"/>
+          </p:nvPr>
+        </p:nvSpPr>
+        <p:spPr/>
+        <p:txBody>
+          <a:bodyPr>
+            <a:normAutofit/>
+          </a:bodyPr>
+          <a:lstStyle/>
+          <a:p>
+            <a:pPr marL="0" indent="0">
+              <a:buNone/>
+            </a:pPr>
+            <a:r>
+              <a:rPr lang="en-US" b="1" dirty="0"/>
+              <a:t>Previously in 3110:</a:t>
+            </a:r>
+          </a:p>
+          <a:p>
+            <a:r>
+              <a:rPr lang="en-US" dirty="0"/>
+              <a:t>functional programming</a:t>
+            </a:r>
+          </a:p>
+          <a:p>
+            <a:r>
+              <a:rPr lang="en-US" dirty="0"/>
+              <a:t>modular programming</a:t>
+            </a:r>
+          </a:p>
+          <a:p>
+            <a:r>
+              <a:rPr lang="en-US" dirty="0"/>
+              <a:t>efficiency</a:t>
+            </a:r>
+          </a:p>
+          <a:p>
+            <a:endParaRPr lang="en-US" dirty="0"/>
+          </a:p>
+          <a:p>
+            <a:pPr marL="0" indent="0">
+              <a:buNone/>
+            </a:pPr>
+            <a:r>
+              <a:rPr lang="en-US" b="1" dirty="0"/>
+              <a:t>Today:</a:t>
+            </a:r>
+          </a:p>
+          <a:p>
+            <a:r>
+              <a:rPr lang="en-US" dirty="0"/>
+              <a:t>new unit of course:  </a:t>
+            </a:r>
+            <a:r>
+              <a:rPr lang="en-US" dirty="0">
+                <a:solidFill>
+                  <a:schemeClr val="accent1"/>
+                </a:solidFill>
+              </a:rPr>
+              <a:t>interpreters</a:t>
+            </a:r>
+          </a:p>
+        </p:txBody>
+      </p:sp>
+    </p:spTree>
+    <p:extLst>
+      <p:ext uri="{BB962C8B-B14F-4D97-AF65-F5344CB8AC3E}">
+        <p14:creationId xmlns:p14="http://schemas.microsoft.com/office/powerpoint/2010/main" val="3102393654"/>
+      </p:ext>
+    </p:extLst>
+  </p:cSld>
+  <p:clrMapOvr>
+    <a:masterClrMapping/>
+  </p:clrMapOvr>
+</p:sld>
+</file>
+
+<file path=ppt/slides/slide30.xml><?xml version="1.0" encoding="utf-8"?>
 <p:sld xmlns:a="http://schemas.openxmlformats.org/drawingml/2006/main" xmlns:r="http://schemas.openxmlformats.org/officeDocument/2006/relationships" xmlns:p="http://schemas.openxmlformats.org/presentationml/2006/main">
   <p:cSld>
     <p:spTree>
@@ -16878,7 +18114,7 @@
 </p:sld>
 </file>
 
-<file path=ppt/slides/slide29.xml><?xml version="1.0" encoding="utf-8"?>
+<file path=ppt/slides/slide31.xml><?xml version="1.0" encoding="utf-8"?>
 <p:sld xmlns:a="http://schemas.openxmlformats.org/drawingml/2006/main" xmlns:r="http://schemas.openxmlformats.org/officeDocument/2006/relationships" xmlns:p="http://schemas.openxmlformats.org/presentationml/2006/main">
   <p:cSld>
     <p:spTree>
@@ -17033,7 +18269,7 @@
 </p:sld>
 </file>
 
-<file path=ppt/slides/slide3.xml><?xml version="1.0" encoding="utf-8"?>
+<file path=ppt/slides/slide4.xml><?xml version="1.0" encoding="utf-8"?>
 <p:sld xmlns:a="http://schemas.openxmlformats.org/drawingml/2006/main" xmlns:r="http://schemas.openxmlformats.org/officeDocument/2006/relationships" xmlns:p="http://schemas.openxmlformats.org/presentationml/2006/main">
   <p:cSld>
     <p:spTree>
@@ -17338,7 +18574,7 @@
 </p:sld>
 </file>
 
-<file path=ppt/slides/slide4.xml><?xml version="1.0" encoding="utf-8"?>
+<file path=ppt/slides/slide5.xml><?xml version="1.0" encoding="utf-8"?>
 <p:sld xmlns:a="http://schemas.openxmlformats.org/drawingml/2006/main" xmlns:r="http://schemas.openxmlformats.org/officeDocument/2006/relationships" xmlns:p="http://schemas.openxmlformats.org/presentationml/2006/main">
   <p:cSld>
     <p:spTree>
@@ -17919,7 +19155,7 @@
 </p:sld>
 </file>
 
-<file path=ppt/slides/slide5.xml><?xml version="1.0" encoding="utf-8"?>
+<file path=ppt/slides/slide6.xml><?xml version="1.0" encoding="utf-8"?>
 <p:sld xmlns:a="http://schemas.openxmlformats.org/drawingml/2006/main" xmlns:r="http://schemas.openxmlformats.org/officeDocument/2006/relationships" xmlns:p="http://schemas.openxmlformats.org/presentationml/2006/main">
   <p:cSld>
     <p:spTree>
@@ -18407,7 +19643,7 @@
 </p:sld>
 </file>
 
-<file path=ppt/slides/slide6.xml><?xml version="1.0" encoding="utf-8"?>
+<file path=ppt/slides/slide7.xml><?xml version="1.0" encoding="utf-8"?>
 <p:sld xmlns:a="http://schemas.openxmlformats.org/drawingml/2006/main" xmlns:r="http://schemas.openxmlformats.org/officeDocument/2006/relationships" xmlns:p="http://schemas.openxmlformats.org/presentationml/2006/main">
   <p:cSld>
     <p:spTree>
@@ -18899,7 +20135,7 @@
 </p:sld>
 </file>
 
-<file path=ppt/slides/slide7.xml><?xml version="1.0" encoding="utf-8"?>
+<file path=ppt/slides/slide8.xml><?xml version="1.0" encoding="utf-8"?>
 <p:sld xmlns:a="http://schemas.openxmlformats.org/drawingml/2006/main" xmlns:r="http://schemas.openxmlformats.org/officeDocument/2006/relationships" xmlns:p="http://schemas.openxmlformats.org/presentationml/2006/main">
   <p:cSld>
     <p:spTree>
@@ -19440,7 +20676,7 @@
 </p:sld>
 </file>
 
-<file path=ppt/slides/slide8.xml><?xml version="1.0" encoding="utf-8"?>
+<file path=ppt/slides/slide9.xml><?xml version="1.0" encoding="utf-8"?>
 <p:sld xmlns:a="http://schemas.openxmlformats.org/drawingml/2006/main" xmlns:r="http://schemas.openxmlformats.org/officeDocument/2006/relationships" xmlns:p="http://schemas.openxmlformats.org/presentationml/2006/main">
   <p:cSld>
     <p:spTree>
@@ -19743,976 +20979,6 @@
                                               <p:pRg st="7" end="7"/>
                                             </p:txEl>
                                           </p:spTgt>
-                                        </p:tgtEl>
-                                        <p:attrNameLst>
-                                          <p:attrName>style.visibility</p:attrName>
-                                        </p:attrNameLst>
-                                      </p:cBhvr>
-                                      <p:to>
-                                        <p:strVal val="visible"/>
-                                      </p:to>
-                                    </p:set>
-                                  </p:childTnLst>
-                                </p:cTn>
-                              </p:par>
-                            </p:childTnLst>
-                          </p:cTn>
-                        </p:par>
-                      </p:childTnLst>
-                    </p:cTn>
-                  </p:par>
-                </p:childTnLst>
-              </p:cTn>
-              <p:prevCondLst>
-                <p:cond evt="onPrev" delay="0">
-                  <p:tgtEl>
-                    <p:sldTgt/>
-                  </p:tgtEl>
-                </p:cond>
-              </p:prevCondLst>
-              <p:nextCondLst>
-                <p:cond evt="onNext" delay="0">
-                  <p:tgtEl>
-                    <p:sldTgt/>
-                  </p:tgtEl>
-                </p:cond>
-              </p:nextCondLst>
-            </p:seq>
-          </p:childTnLst>
-        </p:cTn>
-      </p:par>
-    </p:tnLst>
-  </p:timing>
-</p:sld>
-</file>
-
-<file path=ppt/slides/slide9.xml><?xml version="1.0" encoding="utf-8"?>
-<p:sld xmlns:a="http://schemas.openxmlformats.org/drawingml/2006/main" xmlns:r="http://schemas.openxmlformats.org/officeDocument/2006/relationships" xmlns:p="http://schemas.openxmlformats.org/presentationml/2006/main">
-  <p:cSld>
-    <p:spTree>
-      <p:nvGrpSpPr>
-        <p:cNvPr id="1" name=""/>
-        <p:cNvGrpSpPr/>
-        <p:nvPr/>
-      </p:nvGrpSpPr>
-      <p:grpSpPr>
-        <a:xfrm>
-          <a:off x="0" y="0"/>
-          <a:ext cx="0" cy="0"/>
-          <a:chOff x="0" y="0"/>
-          <a:chExt cx="0" cy="0"/>
-        </a:xfrm>
-      </p:grpSpPr>
-      <p:sp>
-        <p:nvSpPr>
-          <p:cNvPr id="2" name="Title 1"/>
-          <p:cNvSpPr>
-            <a:spLocks noGrp="1"/>
-          </p:cNvSpPr>
-          <p:nvPr>
-            <p:ph type="title"/>
-          </p:nvPr>
-        </p:nvSpPr>
-        <p:spPr/>
-        <p:txBody>
-          <a:bodyPr/>
-          <a:lstStyle/>
-          <a:p>
-            <a:r>
-              <a:rPr lang="en-US" dirty="0"/>
-              <a:t>Front end</a:t>
-            </a:r>
-          </a:p>
-        </p:txBody>
-      </p:sp>
-      <p:grpSp>
-        <p:nvGrpSpPr>
-          <p:cNvPr id="20" name="Group 19"/>
-          <p:cNvGrpSpPr/>
-          <p:nvPr/>
-        </p:nvGrpSpPr>
-        <p:grpSpPr>
-          <a:xfrm>
-            <a:off x="545847" y="1823430"/>
-            <a:ext cx="5356154" cy="936113"/>
-            <a:chOff x="452458" y="1495613"/>
-            <a:chExt cx="5356154" cy="936113"/>
-          </a:xfrm>
-        </p:grpSpPr>
-        <p:sp>
-          <p:nvSpPr>
-            <p:cNvPr id="4" name="TextBox 3"/>
-            <p:cNvSpPr txBox="1"/>
-            <p:nvPr/>
-          </p:nvSpPr>
-          <p:spPr>
-            <a:xfrm>
-              <a:off x="452458" y="1970061"/>
-              <a:ext cx="5356154" cy="461665"/>
-            </a:xfrm>
-            <a:prstGeom prst="rect">
-              <a:avLst/>
-            </a:prstGeom>
-            <a:noFill/>
-          </p:spPr>
-          <p:txBody>
-            <a:bodyPr wrap="none" rtlCol="0">
-              <a:spAutoFit/>
-            </a:bodyPr>
-            <a:lstStyle/>
-            <a:p>
-              <a:r>
-                <a:rPr lang="en-US" sz="2400" b="1" dirty="0">
-                  <a:latin typeface="Courier New"/>
-                  <a:cs typeface="Courier New"/>
-                </a:rPr>
-                <a:t>if x=0 then 1 else fact(x-1)</a:t>
-              </a:r>
-            </a:p>
-          </p:txBody>
-        </p:sp>
-        <p:sp>
-          <p:nvSpPr>
-            <p:cNvPr id="3" name="TextBox 2"/>
-            <p:cNvSpPr txBox="1"/>
-            <p:nvPr/>
-          </p:nvSpPr>
-          <p:spPr>
-            <a:xfrm>
-              <a:off x="457200" y="1495613"/>
-              <a:ext cx="2275352" cy="461665"/>
-            </a:xfrm>
-            <a:prstGeom prst="rect">
-              <a:avLst/>
-            </a:prstGeom>
-            <a:noFill/>
-          </p:spPr>
-          <p:txBody>
-            <a:bodyPr wrap="none" rtlCol="0">
-              <a:spAutoFit/>
-            </a:bodyPr>
-            <a:lstStyle/>
-            <a:p>
-              <a:r>
-                <a:rPr lang="en-US" sz="2400" dirty="0">
-                  <a:solidFill>
-                    <a:schemeClr val="accent3"/>
-                  </a:solidFill>
-                  <a:latin typeface="CronosPro-Regular"/>
-                  <a:cs typeface="CronosPro-Regular"/>
-                </a:rPr>
-                <a:t>Character stream:</a:t>
-              </a:r>
-            </a:p>
-          </p:txBody>
-        </p:sp>
-      </p:grpSp>
-      <p:grpSp>
-        <p:nvGrpSpPr>
-          <p:cNvPr id="37" name="Group 36"/>
-          <p:cNvGrpSpPr/>
-          <p:nvPr/>
-        </p:nvGrpSpPr>
-        <p:grpSpPr>
-          <a:xfrm>
-            <a:off x="3223924" y="2759543"/>
-            <a:ext cx="5087361" cy="1611931"/>
-            <a:chOff x="3223924" y="2759543"/>
-            <a:chExt cx="5087361" cy="1611931"/>
-          </a:xfrm>
-        </p:grpSpPr>
-        <p:sp>
-          <p:nvSpPr>
-            <p:cNvPr id="25" name="Rectangle 24"/>
-            <p:cNvSpPr/>
-            <p:nvPr/>
-          </p:nvSpPr>
-          <p:spPr>
-            <a:xfrm>
-              <a:off x="4166368" y="3342105"/>
-              <a:ext cx="4144917" cy="1029369"/>
-            </a:xfrm>
-            <a:prstGeom prst="rect">
-              <a:avLst/>
-            </a:prstGeom>
-            <a:solidFill>
-              <a:schemeClr val="tx2">
-                <a:lumMod val="40000"/>
-                <a:lumOff val="60000"/>
-              </a:schemeClr>
-            </a:solidFill>
-            <a:ln>
-              <a:noFill/>
-            </a:ln>
-            <a:effectLst/>
-          </p:spPr>
-          <p:style>
-            <a:lnRef idx="1">
-              <a:schemeClr val="accent1"/>
-            </a:lnRef>
-            <a:fillRef idx="3">
-              <a:schemeClr val="accent1"/>
-            </a:fillRef>
-            <a:effectRef idx="2">
-              <a:schemeClr val="accent1"/>
-            </a:effectRef>
-            <a:fontRef idx="minor">
-              <a:schemeClr val="lt1"/>
-            </a:fontRef>
-          </p:style>
-          <p:txBody>
-            <a:bodyPr rot="0" spcFirstLastPara="0" vertOverflow="overflow" horzOverflow="overflow" vert="horz" wrap="square" lIns="91440" tIns="45720" rIns="91440" bIns="45720" numCol="1" spcCol="0" rtlCol="0" fromWordArt="0" anchor="ctr" anchorCtr="0" forceAA="0" compatLnSpc="1">
-              <a:prstTxWarp prst="textNoShape">
-                <a:avLst/>
-              </a:prstTxWarp>
-              <a:noAutofit/>
-            </a:bodyPr>
-            <a:lstStyle/>
-            <a:p>
-              <a:pPr algn="ctr"/>
-              <a:r>
-                <a:rPr lang="en-US" sz="2400" dirty="0" err="1">
-                  <a:latin typeface="CronosPro-Regular"/>
-                  <a:cs typeface="CronosPro-Regular"/>
-                </a:rPr>
-                <a:t>Lexer</a:t>
-              </a:r>
-              <a:endParaRPr lang="en-US" sz="2400" dirty="0">
-                <a:latin typeface="CronosPro-Regular"/>
-                <a:cs typeface="CronosPro-Regular"/>
-              </a:endParaRPr>
-            </a:p>
-          </p:txBody>
-        </p:sp>
-        <p:cxnSp>
-          <p:nvCxnSpPr>
-            <p:cNvPr id="29" name="Straight Arrow Connector 28"/>
-            <p:cNvCxnSpPr>
-              <a:stCxn id="4" idx="2"/>
-              <a:endCxn id="25" idx="0"/>
-            </p:cNvCxnSpPr>
-            <p:nvPr/>
-          </p:nvCxnSpPr>
-          <p:spPr>
-            <a:xfrm>
-              <a:off x="3223924" y="2759543"/>
-              <a:ext cx="3014903" cy="582562"/>
-            </a:xfrm>
-            <a:prstGeom prst="straightConnector1">
-              <a:avLst/>
-            </a:prstGeom>
-            <a:ln>
-              <a:prstDash val="solid"/>
-              <a:headEnd type="none"/>
-              <a:tailEnd type="arrow"/>
-            </a:ln>
-            <a:effectLst/>
-          </p:spPr>
-          <p:style>
-            <a:lnRef idx="2">
-              <a:schemeClr val="accent1"/>
-            </a:lnRef>
-            <a:fillRef idx="0">
-              <a:schemeClr val="accent1"/>
-            </a:fillRef>
-            <a:effectRef idx="1">
-              <a:schemeClr val="accent1"/>
-            </a:effectRef>
-            <a:fontRef idx="minor">
-              <a:schemeClr val="tx1"/>
-            </a:fontRef>
-          </p:style>
-        </p:cxnSp>
-      </p:grpSp>
-      <p:grpSp>
-        <p:nvGrpSpPr>
-          <p:cNvPr id="41" name="Group 40"/>
-          <p:cNvGrpSpPr/>
-          <p:nvPr/>
-        </p:nvGrpSpPr>
-        <p:grpSpPr>
-          <a:xfrm>
-            <a:off x="545847" y="4371474"/>
-            <a:ext cx="6801066" cy="1833508"/>
-            <a:chOff x="545847" y="4371474"/>
-            <a:chExt cx="6801066" cy="1833508"/>
-          </a:xfrm>
-        </p:grpSpPr>
-        <p:grpSp>
-          <p:nvGrpSpPr>
-            <p:cNvPr id="7" name="Group 6"/>
-            <p:cNvGrpSpPr/>
-            <p:nvPr/>
-          </p:nvGrpSpPr>
-          <p:grpSpPr>
-            <a:xfrm>
-              <a:off x="545847" y="5043590"/>
-              <a:ext cx="6801066" cy="1161392"/>
-              <a:chOff x="457200" y="3198749"/>
-              <a:chExt cx="6801066" cy="1161392"/>
-            </a:xfrm>
-          </p:grpSpPr>
-          <p:grpSp>
-            <p:nvGrpSpPr>
-              <p:cNvPr id="19" name="Group 18"/>
-              <p:cNvGrpSpPr/>
-              <p:nvPr/>
-            </p:nvGrpSpPr>
-            <p:grpSpPr>
-              <a:xfrm>
-                <a:off x="609600" y="3898476"/>
-                <a:ext cx="6648666" cy="461665"/>
-                <a:chOff x="457200" y="2935950"/>
-                <a:chExt cx="6648666" cy="461665"/>
-              </a:xfrm>
-            </p:grpSpPr>
-            <p:sp>
-              <p:nvSpPr>
-                <p:cNvPr id="5" name="TextBox 4"/>
-                <p:cNvSpPr txBox="1"/>
-                <p:nvPr/>
-              </p:nvSpPr>
-              <p:spPr>
-                <a:xfrm>
-                  <a:off x="457200" y="2935950"/>
-                  <a:ext cx="554058" cy="461665"/>
-                </a:xfrm>
-                <a:prstGeom prst="rect">
-                  <a:avLst/>
-                </a:prstGeom>
-                <a:noFill/>
-                <a:ln w="25400">
-                  <a:solidFill>
-                    <a:schemeClr val="accent1"/>
-                  </a:solidFill>
-                </a:ln>
-              </p:spPr>
-              <p:txBody>
-                <a:bodyPr wrap="none" rtlCol="0">
-                  <a:spAutoFit/>
-                </a:bodyPr>
-                <a:lstStyle/>
-                <a:p>
-                  <a:r>
-                    <a:rPr lang="en-US" sz="2400" b="1" dirty="0">
-                      <a:latin typeface="Courier New"/>
-                      <a:cs typeface="Courier New"/>
-                    </a:rPr>
-                    <a:t>if</a:t>
-                  </a:r>
-                </a:p>
-              </p:txBody>
-            </p:sp>
-            <p:sp>
-              <p:nvSpPr>
-                <p:cNvPr id="6" name="TextBox 5"/>
-                <p:cNvSpPr txBox="1"/>
-                <p:nvPr/>
-              </p:nvSpPr>
-              <p:spPr>
-                <a:xfrm>
-                  <a:off x="1011258" y="2935950"/>
-                  <a:ext cx="369362" cy="461665"/>
-                </a:xfrm>
-                <a:prstGeom prst="rect">
-                  <a:avLst/>
-                </a:prstGeom>
-                <a:noFill/>
-                <a:ln w="25400">
-                  <a:solidFill>
-                    <a:schemeClr val="accent1"/>
-                  </a:solidFill>
-                </a:ln>
-              </p:spPr>
-              <p:txBody>
-                <a:bodyPr wrap="none" rtlCol="0">
-                  <a:spAutoFit/>
-                </a:bodyPr>
-                <a:lstStyle/>
-                <a:p>
-                  <a:r>
-                    <a:rPr lang="en-US" sz="2400" b="1" dirty="0">
-                      <a:latin typeface="Courier New"/>
-                      <a:cs typeface="Courier New"/>
-                    </a:rPr>
-                    <a:t>x</a:t>
-                  </a:r>
-                </a:p>
-              </p:txBody>
-            </p:sp>
-            <p:sp>
-              <p:nvSpPr>
-                <p:cNvPr id="8" name="TextBox 7"/>
-                <p:cNvSpPr txBox="1"/>
-                <p:nvPr/>
-              </p:nvSpPr>
-              <p:spPr>
-                <a:xfrm>
-                  <a:off x="1380620" y="2935950"/>
-                  <a:ext cx="369362" cy="461665"/>
-                </a:xfrm>
-                <a:prstGeom prst="rect">
-                  <a:avLst/>
-                </a:prstGeom>
-                <a:noFill/>
-                <a:ln w="25400">
-                  <a:solidFill>
-                    <a:schemeClr val="accent1"/>
-                  </a:solidFill>
-                </a:ln>
-              </p:spPr>
-              <p:txBody>
-                <a:bodyPr wrap="none" rtlCol="0">
-                  <a:spAutoFit/>
-                </a:bodyPr>
-                <a:lstStyle/>
-                <a:p>
-                  <a:r>
-                    <a:rPr lang="en-US" sz="2400" b="1" dirty="0">
-                      <a:latin typeface="Courier New"/>
-                      <a:cs typeface="Courier New"/>
-                    </a:rPr>
-                    <a:t>=</a:t>
-                  </a:r>
-                </a:p>
-              </p:txBody>
-            </p:sp>
-            <p:sp>
-              <p:nvSpPr>
-                <p:cNvPr id="9" name="TextBox 8"/>
-                <p:cNvSpPr txBox="1"/>
-                <p:nvPr/>
-              </p:nvSpPr>
-              <p:spPr>
-                <a:xfrm>
-                  <a:off x="1749982" y="2935950"/>
-                  <a:ext cx="369362" cy="461665"/>
-                </a:xfrm>
-                <a:prstGeom prst="rect">
-                  <a:avLst/>
-                </a:prstGeom>
-                <a:noFill/>
-                <a:ln w="25400">
-                  <a:solidFill>
-                    <a:schemeClr val="accent1"/>
-                  </a:solidFill>
-                </a:ln>
-              </p:spPr>
-              <p:txBody>
-                <a:bodyPr wrap="none" rtlCol="0">
-                  <a:spAutoFit/>
-                </a:bodyPr>
-                <a:lstStyle/>
-                <a:p>
-                  <a:r>
-                    <a:rPr lang="en-US" sz="2400" b="1" dirty="0">
-                      <a:latin typeface="Courier New"/>
-                      <a:cs typeface="Courier New"/>
-                    </a:rPr>
-                    <a:t>0</a:t>
-                  </a:r>
-                </a:p>
-              </p:txBody>
-            </p:sp>
-            <p:sp>
-              <p:nvSpPr>
-                <p:cNvPr id="10" name="TextBox 9"/>
-                <p:cNvSpPr txBox="1"/>
-                <p:nvPr/>
-              </p:nvSpPr>
-              <p:spPr>
-                <a:xfrm>
-                  <a:off x="2119344" y="2935950"/>
-                  <a:ext cx="923450" cy="461665"/>
-                </a:xfrm>
-                <a:prstGeom prst="rect">
-                  <a:avLst/>
-                </a:prstGeom>
-                <a:noFill/>
-                <a:ln w="25400">
-                  <a:solidFill>
-                    <a:schemeClr val="accent1"/>
-                  </a:solidFill>
-                </a:ln>
-              </p:spPr>
-              <p:txBody>
-                <a:bodyPr wrap="none" rtlCol="0">
-                  <a:spAutoFit/>
-                </a:bodyPr>
-                <a:lstStyle/>
-                <a:p>
-                  <a:r>
-                    <a:rPr lang="en-US" sz="2400" b="1" dirty="0">
-                      <a:latin typeface="Courier New"/>
-                      <a:cs typeface="Courier New"/>
-                    </a:rPr>
-                    <a:t>then</a:t>
-                  </a:r>
-                </a:p>
-              </p:txBody>
-            </p:sp>
-            <p:sp>
-              <p:nvSpPr>
-                <p:cNvPr id="11" name="TextBox 10"/>
-                <p:cNvSpPr txBox="1"/>
-                <p:nvPr/>
-              </p:nvSpPr>
-              <p:spPr>
-                <a:xfrm>
-                  <a:off x="3042794" y="2935950"/>
-                  <a:ext cx="369362" cy="461665"/>
-                </a:xfrm>
-                <a:prstGeom prst="rect">
-                  <a:avLst/>
-                </a:prstGeom>
-                <a:noFill/>
-                <a:ln w="25400">
-                  <a:solidFill>
-                    <a:schemeClr val="accent1"/>
-                  </a:solidFill>
-                </a:ln>
-              </p:spPr>
-              <p:txBody>
-                <a:bodyPr wrap="none" rtlCol="0">
-                  <a:spAutoFit/>
-                </a:bodyPr>
-                <a:lstStyle/>
-                <a:p>
-                  <a:r>
-                    <a:rPr lang="en-US" sz="2400" b="1" dirty="0">
-                      <a:latin typeface="Courier New"/>
-                      <a:cs typeface="Courier New"/>
-                    </a:rPr>
-                    <a:t>1</a:t>
-                  </a:r>
-                </a:p>
-              </p:txBody>
-            </p:sp>
-            <p:sp>
-              <p:nvSpPr>
-                <p:cNvPr id="12" name="TextBox 11"/>
-                <p:cNvSpPr txBox="1"/>
-                <p:nvPr/>
-              </p:nvSpPr>
-              <p:spPr>
-                <a:xfrm>
-                  <a:off x="3412156" y="2935950"/>
-                  <a:ext cx="923450" cy="461665"/>
-                </a:xfrm>
-                <a:prstGeom prst="rect">
-                  <a:avLst/>
-                </a:prstGeom>
-                <a:noFill/>
-                <a:ln w="25400">
-                  <a:solidFill>
-                    <a:schemeClr val="accent1"/>
-                  </a:solidFill>
-                </a:ln>
-              </p:spPr>
-              <p:txBody>
-                <a:bodyPr wrap="none" rtlCol="0">
-                  <a:spAutoFit/>
-                </a:bodyPr>
-                <a:lstStyle/>
-                <a:p>
-                  <a:r>
-                    <a:rPr lang="en-US" sz="2400" b="1" dirty="0">
-                      <a:latin typeface="Courier New"/>
-                      <a:cs typeface="Courier New"/>
-                    </a:rPr>
-                    <a:t>else</a:t>
-                  </a:r>
-                </a:p>
-              </p:txBody>
-            </p:sp>
-            <p:sp>
-              <p:nvSpPr>
-                <p:cNvPr id="13" name="TextBox 12"/>
-                <p:cNvSpPr txBox="1"/>
-                <p:nvPr/>
-              </p:nvSpPr>
-              <p:spPr>
-                <a:xfrm>
-                  <a:off x="4335606" y="2935950"/>
-                  <a:ext cx="923450" cy="461665"/>
-                </a:xfrm>
-                <a:prstGeom prst="rect">
-                  <a:avLst/>
-                </a:prstGeom>
-                <a:noFill/>
-                <a:ln w="25400">
-                  <a:solidFill>
-                    <a:schemeClr val="accent1"/>
-                  </a:solidFill>
-                </a:ln>
-              </p:spPr>
-              <p:txBody>
-                <a:bodyPr wrap="none" rtlCol="0">
-                  <a:spAutoFit/>
-                </a:bodyPr>
-                <a:lstStyle/>
-                <a:p>
-                  <a:r>
-                    <a:rPr lang="en-US" sz="2400" b="1" dirty="0">
-                      <a:latin typeface="Courier New"/>
-                      <a:cs typeface="Courier New"/>
-                    </a:rPr>
-                    <a:t>fact</a:t>
-                  </a:r>
-                </a:p>
-              </p:txBody>
-            </p:sp>
-            <p:sp>
-              <p:nvSpPr>
-                <p:cNvPr id="14" name="TextBox 13"/>
-                <p:cNvSpPr txBox="1"/>
-                <p:nvPr/>
-              </p:nvSpPr>
-              <p:spPr>
-                <a:xfrm>
-                  <a:off x="5259056" y="2935950"/>
-                  <a:ext cx="369362" cy="461665"/>
-                </a:xfrm>
-                <a:prstGeom prst="rect">
-                  <a:avLst/>
-                </a:prstGeom>
-                <a:noFill/>
-                <a:ln w="25400">
-                  <a:solidFill>
-                    <a:schemeClr val="accent1"/>
-                  </a:solidFill>
-                </a:ln>
-              </p:spPr>
-              <p:txBody>
-                <a:bodyPr wrap="none" rtlCol="0">
-                  <a:spAutoFit/>
-                </a:bodyPr>
-                <a:lstStyle/>
-                <a:p>
-                  <a:r>
-                    <a:rPr lang="en-US" sz="2400" b="1" dirty="0">
-                      <a:latin typeface="Courier New"/>
-                      <a:cs typeface="Courier New"/>
-                    </a:rPr>
-                    <a:t>(</a:t>
-                  </a:r>
-                </a:p>
-              </p:txBody>
-            </p:sp>
-            <p:sp>
-              <p:nvSpPr>
-                <p:cNvPr id="15" name="TextBox 14"/>
-                <p:cNvSpPr txBox="1"/>
-                <p:nvPr/>
-              </p:nvSpPr>
-              <p:spPr>
-                <a:xfrm>
-                  <a:off x="5628418" y="2935950"/>
-                  <a:ext cx="369362" cy="461665"/>
-                </a:xfrm>
-                <a:prstGeom prst="rect">
-                  <a:avLst/>
-                </a:prstGeom>
-                <a:noFill/>
-                <a:ln w="25400">
-                  <a:solidFill>
-                    <a:schemeClr val="accent1"/>
-                  </a:solidFill>
-                </a:ln>
-              </p:spPr>
-              <p:txBody>
-                <a:bodyPr wrap="none" rtlCol="0">
-                  <a:spAutoFit/>
-                </a:bodyPr>
-                <a:lstStyle/>
-                <a:p>
-                  <a:r>
-                    <a:rPr lang="en-US" sz="2400" b="1" dirty="0">
-                      <a:latin typeface="Courier New"/>
-                      <a:cs typeface="Courier New"/>
-                    </a:rPr>
-                    <a:t>x</a:t>
-                  </a:r>
-                </a:p>
-              </p:txBody>
-            </p:sp>
-            <p:sp>
-              <p:nvSpPr>
-                <p:cNvPr id="16" name="TextBox 15"/>
-                <p:cNvSpPr txBox="1"/>
-                <p:nvPr/>
-              </p:nvSpPr>
-              <p:spPr>
-                <a:xfrm>
-                  <a:off x="5997780" y="2935950"/>
-                  <a:ext cx="369362" cy="461665"/>
-                </a:xfrm>
-                <a:prstGeom prst="rect">
-                  <a:avLst/>
-                </a:prstGeom>
-                <a:noFill/>
-                <a:ln w="25400">
-                  <a:solidFill>
-                    <a:schemeClr val="accent1"/>
-                  </a:solidFill>
-                </a:ln>
-              </p:spPr>
-              <p:txBody>
-                <a:bodyPr wrap="none" rtlCol="0">
-                  <a:spAutoFit/>
-                </a:bodyPr>
-                <a:lstStyle/>
-                <a:p>
-                  <a:r>
-                    <a:rPr lang="en-US" sz="2400" b="1" dirty="0">
-                      <a:latin typeface="Courier New"/>
-                      <a:cs typeface="Courier New"/>
-                    </a:rPr>
-                    <a:t>-</a:t>
-                  </a:r>
-                </a:p>
-              </p:txBody>
-            </p:sp>
-            <p:sp>
-              <p:nvSpPr>
-                <p:cNvPr id="17" name="TextBox 16"/>
-                <p:cNvSpPr txBox="1"/>
-                <p:nvPr/>
-              </p:nvSpPr>
-              <p:spPr>
-                <a:xfrm>
-                  <a:off x="6367142" y="2935950"/>
-                  <a:ext cx="369362" cy="461665"/>
-                </a:xfrm>
-                <a:prstGeom prst="rect">
-                  <a:avLst/>
-                </a:prstGeom>
-                <a:noFill/>
-                <a:ln w="25400">
-                  <a:solidFill>
-                    <a:schemeClr val="accent1"/>
-                  </a:solidFill>
-                </a:ln>
-              </p:spPr>
-              <p:txBody>
-                <a:bodyPr wrap="none" rtlCol="0">
-                  <a:spAutoFit/>
-                </a:bodyPr>
-                <a:lstStyle/>
-                <a:p>
-                  <a:r>
-                    <a:rPr lang="en-US" sz="2400" b="1" dirty="0">
-                      <a:latin typeface="Courier New"/>
-                      <a:cs typeface="Courier New"/>
-                    </a:rPr>
-                    <a:t>1</a:t>
-                  </a:r>
-                </a:p>
-              </p:txBody>
-            </p:sp>
-            <p:sp>
-              <p:nvSpPr>
-                <p:cNvPr id="18" name="TextBox 17"/>
-                <p:cNvSpPr txBox="1"/>
-                <p:nvPr/>
-              </p:nvSpPr>
-              <p:spPr>
-                <a:xfrm>
-                  <a:off x="6736504" y="2935950"/>
-                  <a:ext cx="369362" cy="461665"/>
-                </a:xfrm>
-                <a:prstGeom prst="rect">
-                  <a:avLst/>
-                </a:prstGeom>
-                <a:noFill/>
-                <a:ln w="25400">
-                  <a:solidFill>
-                    <a:schemeClr val="accent1"/>
-                  </a:solidFill>
-                </a:ln>
-              </p:spPr>
-              <p:txBody>
-                <a:bodyPr wrap="none" rtlCol="0">
-                  <a:spAutoFit/>
-                </a:bodyPr>
-                <a:lstStyle/>
-                <a:p>
-                  <a:r>
-                    <a:rPr lang="en-US" sz="2400" b="1" dirty="0">
-                      <a:latin typeface="Courier New"/>
-                      <a:cs typeface="Courier New"/>
-                    </a:rPr>
-                    <a:t>)</a:t>
-                  </a:r>
-                </a:p>
-              </p:txBody>
-            </p:sp>
-          </p:grpSp>
-          <p:sp>
-            <p:nvSpPr>
-              <p:cNvPr id="39" name="TextBox 38"/>
-              <p:cNvSpPr txBox="1"/>
-              <p:nvPr/>
-            </p:nvSpPr>
-            <p:spPr>
-              <a:xfrm>
-                <a:off x="457200" y="3198749"/>
-                <a:ext cx="1830934" cy="461665"/>
-              </a:xfrm>
-              <a:prstGeom prst="rect">
-                <a:avLst/>
-              </a:prstGeom>
-              <a:noFill/>
-            </p:spPr>
-            <p:txBody>
-              <a:bodyPr wrap="none" rtlCol="0">
-                <a:spAutoFit/>
-              </a:bodyPr>
-              <a:lstStyle/>
-              <a:p>
-                <a:r>
-                  <a:rPr lang="en-US" sz="2400" dirty="0">
-                    <a:solidFill>
-                      <a:schemeClr val="accent3"/>
-                    </a:solidFill>
-                    <a:latin typeface="CronosPro-Regular"/>
-                    <a:cs typeface="CronosPro-Regular"/>
-                  </a:rPr>
-                  <a:t>Token stream:</a:t>
-                </a:r>
-              </a:p>
-            </p:txBody>
-          </p:sp>
-        </p:grpSp>
-        <p:cxnSp>
-          <p:nvCxnSpPr>
-            <p:cNvPr id="35" name="Straight Arrow Connector 34"/>
-            <p:cNvCxnSpPr>
-              <a:stCxn id="25" idx="2"/>
-            </p:cNvCxnSpPr>
-            <p:nvPr/>
-          </p:nvCxnSpPr>
-          <p:spPr>
-            <a:xfrm flipH="1">
-              <a:off x="3283841" y="4371474"/>
-              <a:ext cx="2954986" cy="672116"/>
-            </a:xfrm>
-            <a:prstGeom prst="straightConnector1">
-              <a:avLst/>
-            </a:prstGeom>
-            <a:ln>
-              <a:prstDash val="solid"/>
-              <a:headEnd type="none"/>
-              <a:tailEnd type="arrow"/>
-            </a:ln>
-            <a:effectLst/>
-          </p:spPr>
-          <p:style>
-            <a:lnRef idx="2">
-              <a:schemeClr val="accent1"/>
-            </a:lnRef>
-            <a:fillRef idx="0">
-              <a:schemeClr val="accent1"/>
-            </a:fillRef>
-            <a:effectRef idx="1">
-              <a:schemeClr val="accent1"/>
-            </a:effectRef>
-            <a:fontRef idx="minor">
-              <a:schemeClr val="tx1"/>
-            </a:fontRef>
-          </p:style>
-        </p:cxnSp>
-      </p:grpSp>
-    </p:spTree>
-    <p:extLst>
-      <p:ext uri="{BB962C8B-B14F-4D97-AF65-F5344CB8AC3E}">
-        <p14:creationId xmlns:p14="http://schemas.microsoft.com/office/powerpoint/2010/main" val="3484222527"/>
-      </p:ext>
-    </p:extLst>
-  </p:cSld>
-  <p:clrMapOvr>
-    <a:masterClrMapping/>
-  </p:clrMapOvr>
-  <p:timing>
-    <p:tnLst>
-      <p:par>
-        <p:cTn id="1" dur="indefinite" restart="never" nodeType="tmRoot">
-          <p:childTnLst>
-            <p:seq concurrent="1" nextAc="seek">
-              <p:cTn id="2" dur="indefinite" nodeType="mainSeq">
-                <p:childTnLst>
-                  <p:par>
-                    <p:cTn id="3" fill="hold">
-                      <p:stCondLst>
-                        <p:cond delay="indefinite"/>
-                      </p:stCondLst>
-                      <p:childTnLst>
-                        <p:par>
-                          <p:cTn id="4" fill="hold">
-                            <p:stCondLst>
-                              <p:cond delay="0"/>
-                            </p:stCondLst>
-                            <p:childTnLst>
-                              <p:par>
-                                <p:cTn id="5" presetID="1" presetClass="entr" presetSubtype="0" fill="hold" nodeType="clickEffect">
-                                  <p:stCondLst>
-                                    <p:cond delay="0"/>
-                                  </p:stCondLst>
-                                  <p:childTnLst>
-                                    <p:set>
-                                      <p:cBhvr>
-                                        <p:cTn id="6" dur="1" fill="hold">
-                                          <p:stCondLst>
-                                            <p:cond delay="0"/>
-                                          </p:stCondLst>
-                                        </p:cTn>
-                                        <p:tgtEl>
-                                          <p:spTgt spid="37"/>
-                                        </p:tgtEl>
-                                        <p:attrNameLst>
-                                          <p:attrName>style.visibility</p:attrName>
-                                        </p:attrNameLst>
-                                      </p:cBhvr>
-                                      <p:to>
-                                        <p:strVal val="visible"/>
-                                      </p:to>
-                                    </p:set>
-                                  </p:childTnLst>
-                                </p:cTn>
-                              </p:par>
-                            </p:childTnLst>
-                          </p:cTn>
-                        </p:par>
-                      </p:childTnLst>
-                    </p:cTn>
-                  </p:par>
-                  <p:par>
-                    <p:cTn id="7" fill="hold">
-                      <p:stCondLst>
-                        <p:cond delay="indefinite"/>
-                      </p:stCondLst>
-                      <p:childTnLst>
-                        <p:par>
-                          <p:cTn id="8" fill="hold">
-                            <p:stCondLst>
-                              <p:cond delay="0"/>
-                            </p:stCondLst>
-                            <p:childTnLst>
-                              <p:par>
-                                <p:cTn id="9" presetID="1" presetClass="entr" presetSubtype="0" fill="hold" nodeType="clickEffect">
-                                  <p:stCondLst>
-                                    <p:cond delay="0"/>
-                                  </p:stCondLst>
-                                  <p:childTnLst>
-                                    <p:set>
-                                      <p:cBhvr>
-                                        <p:cTn id="10" dur="1" fill="hold">
-                                          <p:stCondLst>
-                                            <p:cond delay="0"/>
-                                          </p:stCondLst>
-                                        </p:cTn>
-                                        <p:tgtEl>
-                                          <p:spTgt spid="41"/>
                                         </p:tgtEl>
                                         <p:attrNameLst>
                                           <p:attrName>style.visibility</p:attrName>

--- a/16-interp/lec.pptx
+++ b/16-interp/lec.pptx
@@ -14953,7 +14953,7 @@
                 </a:solidFill>
                 <a:latin typeface="Courier" charset="0"/>
               </a:rPr>
-              <a:t> expr </a:t>
+              <a:t> bop * expr </a:t>
             </a:r>
             <a:r>
               <a:rPr lang="en-US" dirty="0">
